--- a/ProjectBees/Presentacion.pptx
+++ b/ProjectBees/Presentacion.pptx
@@ -3,17 +3,20 @@
 <p:presentation xmlns:a="http://schemas.openxmlformats.org/drawingml/2006/main" xmlns:p="http://schemas.openxmlformats.org/presentationml/2006/main" xmlns:r="http://schemas.openxmlformats.org/officeDocument/2006/relationships" xmlns:p14="http://schemas.microsoft.com/office/powerpoint/2010/main" xmlns:p15="http://schemas.microsoft.com/office/powerpoint/2012/main" xmlns:mc="http://schemas.openxmlformats.org/markup-compatibility/2006">
   <p:sldMasterIdLst>
     <p:sldMasterId id="2147483648" r:id="rId2"/>
+    <p:sldMasterId id="2147483661" r:id="rId3"/>
+    <p:sldMasterId id="2147483674" r:id="rId4"/>
+    <p:sldMasterId id="2147483687" r:id="rId5"/>
   </p:sldMasterIdLst>
   <p:sldIdLst>
-    <p:sldId id="256" r:id="rId3"/>
-    <p:sldId id="257" r:id="rId4"/>
-    <p:sldId id="258" r:id="rId5"/>
-    <p:sldId id="259" r:id="rId6"/>
-    <p:sldId id="260" r:id="rId7"/>
-    <p:sldId id="261" r:id="rId8"/>
-    <p:sldId id="262" r:id="rId9"/>
-    <p:sldId id="263" r:id="rId10"/>
-    <p:sldId id="264" r:id="rId11"/>
+    <p:sldId id="256" r:id="rId6"/>
+    <p:sldId id="257" r:id="rId7"/>
+    <p:sldId id="258" r:id="rId8"/>
+    <p:sldId id="259" r:id="rId9"/>
+    <p:sldId id="260" r:id="rId10"/>
+    <p:sldId id="261" r:id="rId11"/>
+    <p:sldId id="262" r:id="rId12"/>
+    <p:sldId id="263" r:id="rId13"/>
+    <p:sldId id="264" r:id="rId14"/>
   </p:sldIdLst>
   <p:sldSz cx="10080625" cy="7559675"/>
   <p:notesSz cx="7559675" cy="10691812"/>
@@ -72,7 +75,7 @@
         <p:spPr>
           <a:xfrm>
             <a:off x="504000" y="301320"/>
-            <a:ext cx="9072000" cy="1261800"/>
+            <a:ext cx="9071280" cy="1261080"/>
           </a:xfrm>
           <a:prstGeom prst="rect">
             <a:avLst/>
@@ -101,7 +104,7 @@
         <p:spPr>
           <a:xfrm>
             <a:off x="504000" y="1768680"/>
-            <a:ext cx="9072000" cy="2090880"/>
+            <a:ext cx="9071640" cy="2090880"/>
           </a:xfrm>
           <a:prstGeom prst="rect">
             <a:avLst/>
@@ -131,7 +134,7 @@
         <p:spPr>
           <a:xfrm>
             <a:off x="504000" y="4058640"/>
-            <a:ext cx="9072000" cy="2090880"/>
+            <a:ext cx="9071640" cy="2090880"/>
           </a:xfrm>
           <a:prstGeom prst="rect">
             <a:avLst/>
@@ -183,7 +186,7 @@
         <p:spPr>
           <a:xfrm>
             <a:off x="504000" y="301320"/>
-            <a:ext cx="9072000" cy="1261800"/>
+            <a:ext cx="9071280" cy="1261080"/>
           </a:xfrm>
           <a:prstGeom prst="rect">
             <a:avLst/>
@@ -354,7 +357,7 @@
         <p:spPr>
           <a:xfrm>
             <a:off x="504000" y="301320"/>
-            <a:ext cx="9072000" cy="1261800"/>
+            <a:ext cx="9071280" cy="1261080"/>
           </a:xfrm>
           <a:prstGeom prst="rect">
             <a:avLst/>
@@ -383,7 +386,7 @@
         <p:spPr>
           <a:xfrm>
             <a:off x="504000" y="1768680"/>
-            <a:ext cx="2921040" cy="2090880"/>
+            <a:ext cx="2920680" cy="2090880"/>
           </a:xfrm>
           <a:prstGeom prst="rect">
             <a:avLst/>
@@ -412,8 +415,8 @@
         </p:nvSpPr>
         <p:spPr>
           <a:xfrm>
-            <a:off x="3571560" y="1768680"/>
-            <a:ext cx="2921040" cy="2090880"/>
+            <a:off x="3571200" y="1768680"/>
+            <a:ext cx="2920680" cy="2090880"/>
           </a:xfrm>
           <a:prstGeom prst="rect">
             <a:avLst/>
@@ -442,8 +445,8 @@
         </p:nvSpPr>
         <p:spPr>
           <a:xfrm>
-            <a:off x="6639120" y="1768680"/>
-            <a:ext cx="2921040" cy="2090880"/>
+            <a:off x="6638040" y="1768680"/>
+            <a:ext cx="2920680" cy="2090880"/>
           </a:xfrm>
           <a:prstGeom prst="rect">
             <a:avLst/>
@@ -473,7 +476,7 @@
         <p:spPr>
           <a:xfrm>
             <a:off x="504000" y="4058640"/>
-            <a:ext cx="2921040" cy="2090880"/>
+            <a:ext cx="2920680" cy="2090880"/>
           </a:xfrm>
           <a:prstGeom prst="rect">
             <a:avLst/>
@@ -502,8 +505,8 @@
         </p:nvSpPr>
         <p:spPr>
           <a:xfrm>
-            <a:off x="3571560" y="4058640"/>
-            <a:ext cx="2921040" cy="2090880"/>
+            <a:off x="3571200" y="4058640"/>
+            <a:ext cx="2920680" cy="2090880"/>
           </a:xfrm>
           <a:prstGeom prst="rect">
             <a:avLst/>
@@ -532,8 +535,545 @@
         </p:nvSpPr>
         <p:spPr>
           <a:xfrm>
-            <a:off x="6639120" y="4058640"/>
-            <a:ext cx="2921040" cy="2090880"/>
+            <a:off x="6638040" y="4058640"/>
+            <a:ext cx="2920680" cy="2090880"/>
+          </a:xfrm>
+          <a:prstGeom prst="rect">
+            <a:avLst/>
+          </a:prstGeom>
+        </p:spPr>
+        <p:txBody>
+          <a:bodyPr lIns="0" rIns="0" tIns="0" bIns="0">
+            <a:normAutofit/>
+          </a:bodyPr>
+          <a:p>
+            <a:endParaRPr b="0" lang="es-ES" sz="3200" spc="-1" strike="noStrike">
+              <a:latin typeface="Arial"/>
+            </a:endParaRPr>
+          </a:p>
+        </p:txBody>
+      </p:sp>
+    </p:spTree>
+  </p:cSld>
+</p:sldLayout>
+</file>
+
+<file path=ppt/slideLayouts/slideLayout13.xml><?xml version="1.0" encoding="utf-8"?>
+<p:sldLayout xmlns:a="http://schemas.openxmlformats.org/drawingml/2006/main" xmlns:p="http://schemas.openxmlformats.org/presentationml/2006/main" xmlns:r="http://schemas.openxmlformats.org/officeDocument/2006/relationships" xmlns:p14="http://schemas.microsoft.com/office/powerpoint/2010/main" xmlns:p15="http://schemas.microsoft.com/office/powerpoint/2012/main" xmlns:mc="http://schemas.openxmlformats.org/markup-compatibility/2006" type="blank" preserve="1">
+  <p:cSld name="Blank Slide">
+    <p:spTree>
+      <p:nvGrpSpPr>
+        <p:cNvPr id="1" name=""/>
+        <p:cNvGrpSpPr/>
+        <p:nvPr/>
+      </p:nvGrpSpPr>
+      <p:grpSpPr>
+        <a:xfrm>
+          <a:off x="0" y="0"/>
+          <a:ext cx="0" cy="0"/>
+          <a:chOff x="0" y="0"/>
+          <a:chExt cx="0" cy="0"/>
+        </a:xfrm>
+      </p:grpSpPr>
+    </p:spTree>
+  </p:cSld>
+</p:sldLayout>
+</file>
+
+<file path=ppt/slideLayouts/slideLayout14.xml><?xml version="1.0" encoding="utf-8"?>
+<p:sldLayout xmlns:a="http://schemas.openxmlformats.org/drawingml/2006/main" xmlns:p="http://schemas.openxmlformats.org/presentationml/2006/main" xmlns:r="http://schemas.openxmlformats.org/officeDocument/2006/relationships" xmlns:p14="http://schemas.microsoft.com/office/powerpoint/2010/main" xmlns:p15="http://schemas.microsoft.com/office/powerpoint/2012/main" xmlns:mc="http://schemas.openxmlformats.org/markup-compatibility/2006" type="tx" preserve="1">
+  <p:cSld name="Title Slide">
+    <p:spTree>
+      <p:nvGrpSpPr>
+        <p:cNvPr id="1" name=""/>
+        <p:cNvGrpSpPr/>
+        <p:nvPr/>
+      </p:nvGrpSpPr>
+      <p:grpSpPr>
+        <a:xfrm>
+          <a:off x="0" y="0"/>
+          <a:ext cx="0" cy="0"/>
+          <a:chOff x="0" y="0"/>
+          <a:chExt cx="0" cy="0"/>
+        </a:xfrm>
+      </p:grpSpPr>
+      <p:sp>
+        <p:nvSpPr>
+          <p:cNvPr id="44" name="PlaceHolder 1"/>
+          <p:cNvSpPr>
+            <a:spLocks noGrp="1"/>
+          </p:cNvSpPr>
+          <p:nvPr>
+            <p:ph type="title"/>
+          </p:nvPr>
+        </p:nvSpPr>
+        <p:spPr>
+          <a:xfrm>
+            <a:off x="504000" y="301320"/>
+            <a:ext cx="9071280" cy="1261080"/>
+          </a:xfrm>
+          <a:prstGeom prst="rect">
+            <a:avLst/>
+          </a:prstGeom>
+        </p:spPr>
+        <p:txBody>
+          <a:bodyPr lIns="0" rIns="0" tIns="0" bIns="0" anchor="ctr"/>
+          <a:p>
+            <a:pPr algn="ctr"/>
+            <a:endParaRPr b="0" lang="es-ES" sz="4400" spc="-1" strike="noStrike">
+              <a:latin typeface="Arial"/>
+            </a:endParaRPr>
+          </a:p>
+        </p:txBody>
+      </p:sp>
+      <p:sp>
+        <p:nvSpPr>
+          <p:cNvPr id="45" name="PlaceHolder 2"/>
+          <p:cNvSpPr>
+            <a:spLocks noGrp="1"/>
+          </p:cNvSpPr>
+          <p:nvPr>
+            <p:ph type="subTitle"/>
+          </p:nvPr>
+        </p:nvSpPr>
+        <p:spPr>
+          <a:xfrm>
+            <a:off x="504000" y="1768680"/>
+            <a:ext cx="9071640" cy="4383720"/>
+          </a:xfrm>
+          <a:prstGeom prst="rect">
+            <a:avLst/>
+          </a:prstGeom>
+        </p:spPr>
+        <p:txBody>
+          <a:bodyPr lIns="0" rIns="0" tIns="0" bIns="0" anchor="ctr"/>
+          <a:p>
+            <a:pPr algn="ctr"/>
+            <a:endParaRPr b="0" lang="es-ES" sz="3200" spc="-1" strike="noStrike">
+              <a:latin typeface="Arial"/>
+            </a:endParaRPr>
+          </a:p>
+        </p:txBody>
+      </p:sp>
+    </p:spTree>
+  </p:cSld>
+</p:sldLayout>
+</file>
+
+<file path=ppt/slideLayouts/slideLayout15.xml><?xml version="1.0" encoding="utf-8"?>
+<p:sldLayout xmlns:a="http://schemas.openxmlformats.org/drawingml/2006/main" xmlns:p="http://schemas.openxmlformats.org/presentationml/2006/main" xmlns:r="http://schemas.openxmlformats.org/officeDocument/2006/relationships" xmlns:p14="http://schemas.microsoft.com/office/powerpoint/2010/main" xmlns:p15="http://schemas.microsoft.com/office/powerpoint/2012/main" xmlns:mc="http://schemas.openxmlformats.org/markup-compatibility/2006" type="obj" preserve="1">
+  <p:cSld name="Title, Content">
+    <p:spTree>
+      <p:nvGrpSpPr>
+        <p:cNvPr id="1" name=""/>
+        <p:cNvGrpSpPr/>
+        <p:nvPr/>
+      </p:nvGrpSpPr>
+      <p:grpSpPr>
+        <a:xfrm>
+          <a:off x="0" y="0"/>
+          <a:ext cx="0" cy="0"/>
+          <a:chOff x="0" y="0"/>
+          <a:chExt cx="0" cy="0"/>
+        </a:xfrm>
+      </p:grpSpPr>
+      <p:sp>
+        <p:nvSpPr>
+          <p:cNvPr id="46" name="PlaceHolder 1"/>
+          <p:cNvSpPr>
+            <a:spLocks noGrp="1"/>
+          </p:cNvSpPr>
+          <p:nvPr>
+            <p:ph type="title"/>
+          </p:nvPr>
+        </p:nvSpPr>
+        <p:spPr>
+          <a:xfrm>
+            <a:off x="504000" y="301320"/>
+            <a:ext cx="9071280" cy="1261080"/>
+          </a:xfrm>
+          <a:prstGeom prst="rect">
+            <a:avLst/>
+          </a:prstGeom>
+        </p:spPr>
+        <p:txBody>
+          <a:bodyPr lIns="0" rIns="0" tIns="0" bIns="0" anchor="ctr"/>
+          <a:p>
+            <a:pPr algn="ctr"/>
+            <a:endParaRPr b="0" lang="es-ES" sz="4400" spc="-1" strike="noStrike">
+              <a:latin typeface="Arial"/>
+            </a:endParaRPr>
+          </a:p>
+        </p:txBody>
+      </p:sp>
+      <p:sp>
+        <p:nvSpPr>
+          <p:cNvPr id="47" name="PlaceHolder 2"/>
+          <p:cNvSpPr>
+            <a:spLocks noGrp="1"/>
+          </p:cNvSpPr>
+          <p:nvPr>
+            <p:ph type="body"/>
+          </p:nvPr>
+        </p:nvSpPr>
+        <p:spPr>
+          <a:xfrm>
+            <a:off x="504000" y="1768680"/>
+            <a:ext cx="9071640" cy="4383720"/>
+          </a:xfrm>
+          <a:prstGeom prst="rect">
+            <a:avLst/>
+          </a:prstGeom>
+        </p:spPr>
+        <p:txBody>
+          <a:bodyPr lIns="0" rIns="0" tIns="0" bIns="0">
+            <a:normAutofit/>
+          </a:bodyPr>
+          <a:p>
+            <a:endParaRPr b="0" lang="es-ES" sz="3200" spc="-1" strike="noStrike">
+              <a:latin typeface="Arial"/>
+            </a:endParaRPr>
+          </a:p>
+        </p:txBody>
+      </p:sp>
+    </p:spTree>
+  </p:cSld>
+</p:sldLayout>
+</file>
+
+<file path=ppt/slideLayouts/slideLayout16.xml><?xml version="1.0" encoding="utf-8"?>
+<p:sldLayout xmlns:a="http://schemas.openxmlformats.org/drawingml/2006/main" xmlns:p="http://schemas.openxmlformats.org/presentationml/2006/main" xmlns:r="http://schemas.openxmlformats.org/officeDocument/2006/relationships" xmlns:p14="http://schemas.microsoft.com/office/powerpoint/2010/main" xmlns:p15="http://schemas.microsoft.com/office/powerpoint/2012/main" xmlns:mc="http://schemas.openxmlformats.org/markup-compatibility/2006" type="twoObj" preserve="1">
+  <p:cSld name="Title, 2 Content">
+    <p:spTree>
+      <p:nvGrpSpPr>
+        <p:cNvPr id="1" name=""/>
+        <p:cNvGrpSpPr/>
+        <p:nvPr/>
+      </p:nvGrpSpPr>
+      <p:grpSpPr>
+        <a:xfrm>
+          <a:off x="0" y="0"/>
+          <a:ext cx="0" cy="0"/>
+          <a:chOff x="0" y="0"/>
+          <a:chExt cx="0" cy="0"/>
+        </a:xfrm>
+      </p:grpSpPr>
+      <p:sp>
+        <p:nvSpPr>
+          <p:cNvPr id="48" name="PlaceHolder 1"/>
+          <p:cNvSpPr>
+            <a:spLocks noGrp="1"/>
+          </p:cNvSpPr>
+          <p:nvPr>
+            <p:ph type="title"/>
+          </p:nvPr>
+        </p:nvSpPr>
+        <p:spPr>
+          <a:xfrm>
+            <a:off x="504000" y="301320"/>
+            <a:ext cx="9071280" cy="1261080"/>
+          </a:xfrm>
+          <a:prstGeom prst="rect">
+            <a:avLst/>
+          </a:prstGeom>
+        </p:spPr>
+        <p:txBody>
+          <a:bodyPr lIns="0" rIns="0" tIns="0" bIns="0" anchor="ctr"/>
+          <a:p>
+            <a:pPr algn="ctr"/>
+            <a:endParaRPr b="0" lang="es-ES" sz="4400" spc="-1" strike="noStrike">
+              <a:latin typeface="Arial"/>
+            </a:endParaRPr>
+          </a:p>
+        </p:txBody>
+      </p:sp>
+      <p:sp>
+        <p:nvSpPr>
+          <p:cNvPr id="49" name="PlaceHolder 2"/>
+          <p:cNvSpPr>
+            <a:spLocks noGrp="1"/>
+          </p:cNvSpPr>
+          <p:nvPr>
+            <p:ph type="body"/>
+          </p:nvPr>
+        </p:nvSpPr>
+        <p:spPr>
+          <a:xfrm>
+            <a:off x="504000" y="1768680"/>
+            <a:ext cx="4426920" cy="4383720"/>
+          </a:xfrm>
+          <a:prstGeom prst="rect">
+            <a:avLst/>
+          </a:prstGeom>
+        </p:spPr>
+        <p:txBody>
+          <a:bodyPr lIns="0" rIns="0" tIns="0" bIns="0">
+            <a:normAutofit/>
+          </a:bodyPr>
+          <a:p>
+            <a:endParaRPr b="0" lang="es-ES" sz="3200" spc="-1" strike="noStrike">
+              <a:latin typeface="Arial"/>
+            </a:endParaRPr>
+          </a:p>
+        </p:txBody>
+      </p:sp>
+      <p:sp>
+        <p:nvSpPr>
+          <p:cNvPr id="50" name="PlaceHolder 3"/>
+          <p:cNvSpPr>
+            <a:spLocks noGrp="1"/>
+          </p:cNvSpPr>
+          <p:nvPr>
+            <p:ph type="body"/>
+          </p:nvPr>
+        </p:nvSpPr>
+        <p:spPr>
+          <a:xfrm>
+            <a:off x="5152680" y="1768680"/>
+            <a:ext cx="4426920" cy="4383720"/>
+          </a:xfrm>
+          <a:prstGeom prst="rect">
+            <a:avLst/>
+          </a:prstGeom>
+        </p:spPr>
+        <p:txBody>
+          <a:bodyPr lIns="0" rIns="0" tIns="0" bIns="0">
+            <a:normAutofit/>
+          </a:bodyPr>
+          <a:p>
+            <a:endParaRPr b="0" lang="es-ES" sz="3200" spc="-1" strike="noStrike">
+              <a:latin typeface="Arial"/>
+            </a:endParaRPr>
+          </a:p>
+        </p:txBody>
+      </p:sp>
+    </p:spTree>
+  </p:cSld>
+</p:sldLayout>
+</file>
+
+<file path=ppt/slideLayouts/slideLayout17.xml><?xml version="1.0" encoding="utf-8"?>
+<p:sldLayout xmlns:a="http://schemas.openxmlformats.org/drawingml/2006/main" xmlns:p="http://schemas.openxmlformats.org/presentationml/2006/main" xmlns:r="http://schemas.openxmlformats.org/officeDocument/2006/relationships" xmlns:p14="http://schemas.microsoft.com/office/powerpoint/2010/main" xmlns:p15="http://schemas.microsoft.com/office/powerpoint/2012/main" xmlns:mc="http://schemas.openxmlformats.org/markup-compatibility/2006" type="titleOnly" preserve="1">
+  <p:cSld name="Title Only">
+    <p:spTree>
+      <p:nvGrpSpPr>
+        <p:cNvPr id="1" name=""/>
+        <p:cNvGrpSpPr/>
+        <p:nvPr/>
+      </p:nvGrpSpPr>
+      <p:grpSpPr>
+        <a:xfrm>
+          <a:off x="0" y="0"/>
+          <a:ext cx="0" cy="0"/>
+          <a:chOff x="0" y="0"/>
+          <a:chExt cx="0" cy="0"/>
+        </a:xfrm>
+      </p:grpSpPr>
+      <p:sp>
+        <p:nvSpPr>
+          <p:cNvPr id="51" name="PlaceHolder 1"/>
+          <p:cNvSpPr>
+            <a:spLocks noGrp="1"/>
+          </p:cNvSpPr>
+          <p:nvPr>
+            <p:ph type="title"/>
+          </p:nvPr>
+        </p:nvSpPr>
+        <p:spPr>
+          <a:xfrm>
+            <a:off x="504000" y="301320"/>
+            <a:ext cx="9071280" cy="1261080"/>
+          </a:xfrm>
+          <a:prstGeom prst="rect">
+            <a:avLst/>
+          </a:prstGeom>
+        </p:spPr>
+        <p:txBody>
+          <a:bodyPr lIns="0" rIns="0" tIns="0" bIns="0" anchor="ctr"/>
+          <a:p>
+            <a:pPr algn="ctr"/>
+            <a:endParaRPr b="0" lang="es-ES" sz="4400" spc="-1" strike="noStrike">
+              <a:latin typeface="Arial"/>
+            </a:endParaRPr>
+          </a:p>
+        </p:txBody>
+      </p:sp>
+    </p:spTree>
+  </p:cSld>
+</p:sldLayout>
+</file>
+
+<file path=ppt/slideLayouts/slideLayout18.xml><?xml version="1.0" encoding="utf-8"?>
+<p:sldLayout xmlns:a="http://schemas.openxmlformats.org/drawingml/2006/main" xmlns:p="http://schemas.openxmlformats.org/presentationml/2006/main" xmlns:r="http://schemas.openxmlformats.org/officeDocument/2006/relationships" xmlns:p14="http://schemas.microsoft.com/office/powerpoint/2010/main" xmlns:p15="http://schemas.microsoft.com/office/powerpoint/2012/main" xmlns:mc="http://schemas.openxmlformats.org/markup-compatibility/2006" type="objOnly" preserve="1">
+  <p:cSld name="Centered Text">
+    <p:spTree>
+      <p:nvGrpSpPr>
+        <p:cNvPr id="1" name=""/>
+        <p:cNvGrpSpPr/>
+        <p:nvPr/>
+      </p:nvGrpSpPr>
+      <p:grpSpPr>
+        <a:xfrm>
+          <a:off x="0" y="0"/>
+          <a:ext cx="0" cy="0"/>
+          <a:chOff x="0" y="0"/>
+          <a:chExt cx="0" cy="0"/>
+        </a:xfrm>
+      </p:grpSpPr>
+      <p:sp>
+        <p:nvSpPr>
+          <p:cNvPr id="52" name="PlaceHolder 1"/>
+          <p:cNvSpPr>
+            <a:spLocks noGrp="1"/>
+          </p:cNvSpPr>
+          <p:nvPr>
+            <p:ph type="subTitle"/>
+          </p:nvPr>
+        </p:nvSpPr>
+        <p:spPr>
+          <a:xfrm>
+            <a:off x="504000" y="301320"/>
+            <a:ext cx="9071280" cy="5846760"/>
+          </a:xfrm>
+          <a:prstGeom prst="rect">
+            <a:avLst/>
+          </a:prstGeom>
+        </p:spPr>
+        <p:txBody>
+          <a:bodyPr lIns="0" rIns="0" tIns="0" bIns="0" anchor="ctr"/>
+          <a:p>
+            <a:pPr algn="ctr"/>
+            <a:endParaRPr b="0" lang="es-ES" sz="3200" spc="-1" strike="noStrike">
+              <a:latin typeface="Arial"/>
+            </a:endParaRPr>
+          </a:p>
+        </p:txBody>
+      </p:sp>
+    </p:spTree>
+  </p:cSld>
+</p:sldLayout>
+</file>
+
+<file path=ppt/slideLayouts/slideLayout19.xml><?xml version="1.0" encoding="utf-8"?>
+<p:sldLayout xmlns:a="http://schemas.openxmlformats.org/drawingml/2006/main" xmlns:p="http://schemas.openxmlformats.org/presentationml/2006/main" xmlns:r="http://schemas.openxmlformats.org/officeDocument/2006/relationships" xmlns:p14="http://schemas.microsoft.com/office/powerpoint/2010/main" xmlns:p15="http://schemas.microsoft.com/office/powerpoint/2012/main" xmlns:mc="http://schemas.openxmlformats.org/markup-compatibility/2006" type="twoObjAndObj" preserve="1">
+  <p:cSld name="Title, 2 Content and Content">
+    <p:spTree>
+      <p:nvGrpSpPr>
+        <p:cNvPr id="1" name=""/>
+        <p:cNvGrpSpPr/>
+        <p:nvPr/>
+      </p:nvGrpSpPr>
+      <p:grpSpPr>
+        <a:xfrm>
+          <a:off x="0" y="0"/>
+          <a:ext cx="0" cy="0"/>
+          <a:chOff x="0" y="0"/>
+          <a:chExt cx="0" cy="0"/>
+        </a:xfrm>
+      </p:grpSpPr>
+      <p:sp>
+        <p:nvSpPr>
+          <p:cNvPr id="53" name="PlaceHolder 1"/>
+          <p:cNvSpPr>
+            <a:spLocks noGrp="1"/>
+          </p:cNvSpPr>
+          <p:nvPr>
+            <p:ph type="title"/>
+          </p:nvPr>
+        </p:nvSpPr>
+        <p:spPr>
+          <a:xfrm>
+            <a:off x="504000" y="301320"/>
+            <a:ext cx="9071280" cy="1261080"/>
+          </a:xfrm>
+          <a:prstGeom prst="rect">
+            <a:avLst/>
+          </a:prstGeom>
+        </p:spPr>
+        <p:txBody>
+          <a:bodyPr lIns="0" rIns="0" tIns="0" bIns="0" anchor="ctr"/>
+          <a:p>
+            <a:pPr algn="ctr"/>
+            <a:endParaRPr b="0" lang="es-ES" sz="4400" spc="-1" strike="noStrike">
+              <a:latin typeface="Arial"/>
+            </a:endParaRPr>
+          </a:p>
+        </p:txBody>
+      </p:sp>
+      <p:sp>
+        <p:nvSpPr>
+          <p:cNvPr id="54" name="PlaceHolder 2"/>
+          <p:cNvSpPr>
+            <a:spLocks noGrp="1"/>
+          </p:cNvSpPr>
+          <p:nvPr>
+            <p:ph type="body"/>
+          </p:nvPr>
+        </p:nvSpPr>
+        <p:spPr>
+          <a:xfrm>
+            <a:off x="504000" y="1768680"/>
+            <a:ext cx="4426920" cy="2090880"/>
+          </a:xfrm>
+          <a:prstGeom prst="rect">
+            <a:avLst/>
+          </a:prstGeom>
+        </p:spPr>
+        <p:txBody>
+          <a:bodyPr lIns="0" rIns="0" tIns="0" bIns="0">
+            <a:normAutofit/>
+          </a:bodyPr>
+          <a:p>
+            <a:endParaRPr b="0" lang="es-ES" sz="3200" spc="-1" strike="noStrike">
+              <a:latin typeface="Arial"/>
+            </a:endParaRPr>
+          </a:p>
+        </p:txBody>
+      </p:sp>
+      <p:sp>
+        <p:nvSpPr>
+          <p:cNvPr id="55" name="PlaceHolder 3"/>
+          <p:cNvSpPr>
+            <a:spLocks noGrp="1"/>
+          </p:cNvSpPr>
+          <p:nvPr>
+            <p:ph type="body"/>
+          </p:nvPr>
+        </p:nvSpPr>
+        <p:spPr>
+          <a:xfrm>
+            <a:off x="5152680" y="1768680"/>
+            <a:ext cx="4426920" cy="4383720"/>
+          </a:xfrm>
+          <a:prstGeom prst="rect">
+            <a:avLst/>
+          </a:prstGeom>
+        </p:spPr>
+        <p:txBody>
+          <a:bodyPr lIns="0" rIns="0" tIns="0" bIns="0">
+            <a:normAutofit/>
+          </a:bodyPr>
+          <a:p>
+            <a:endParaRPr b="0" lang="es-ES" sz="3200" spc="-1" strike="noStrike">
+              <a:latin typeface="Arial"/>
+            </a:endParaRPr>
+          </a:p>
+        </p:txBody>
+      </p:sp>
+      <p:sp>
+        <p:nvSpPr>
+          <p:cNvPr id="56" name="PlaceHolder 4"/>
+          <p:cNvSpPr>
+            <a:spLocks noGrp="1"/>
+          </p:cNvSpPr>
+          <p:nvPr>
+            <p:ph type="body"/>
+          </p:nvPr>
+        </p:nvSpPr>
+        <p:spPr>
+          <a:xfrm>
+            <a:off x="504000" y="4058640"/>
+            <a:ext cx="4426920" cy="2090880"/>
           </a:xfrm>
           <a:prstGeom prst="rect">
             <a:avLst/>
@@ -585,7 +1125,7 @@
         <p:spPr>
           <a:xfrm>
             <a:off x="504000" y="301320"/>
-            <a:ext cx="9072000" cy="1261800"/>
+            <a:ext cx="9071280" cy="1261080"/>
           </a:xfrm>
           <a:prstGeom prst="rect">
             <a:avLst/>
@@ -614,7 +1154,7 @@
         <p:spPr>
           <a:xfrm>
             <a:off x="504000" y="1768680"/>
-            <a:ext cx="9072000" cy="4384080"/>
+            <a:ext cx="9071640" cy="4383720"/>
           </a:xfrm>
           <a:prstGeom prst="rect">
             <a:avLst/>
@@ -625,6 +1165,1146 @@
           <a:p>
             <a:pPr algn="ctr"/>
             <a:endParaRPr b="0" lang="es-ES" sz="3200" spc="-1" strike="noStrike">
+              <a:latin typeface="Arial"/>
+            </a:endParaRPr>
+          </a:p>
+        </p:txBody>
+      </p:sp>
+    </p:spTree>
+  </p:cSld>
+</p:sldLayout>
+</file>
+
+<file path=ppt/slideLayouts/slideLayout20.xml><?xml version="1.0" encoding="utf-8"?>
+<p:sldLayout xmlns:a="http://schemas.openxmlformats.org/drawingml/2006/main" xmlns:p="http://schemas.openxmlformats.org/presentationml/2006/main" xmlns:r="http://schemas.openxmlformats.org/officeDocument/2006/relationships" xmlns:p14="http://schemas.microsoft.com/office/powerpoint/2010/main" xmlns:p15="http://schemas.microsoft.com/office/powerpoint/2012/main" xmlns:mc="http://schemas.openxmlformats.org/markup-compatibility/2006" type="objAndTwoObj" preserve="1">
+  <p:cSld name="Title Content and 2 Content">
+    <p:spTree>
+      <p:nvGrpSpPr>
+        <p:cNvPr id="1" name=""/>
+        <p:cNvGrpSpPr/>
+        <p:nvPr/>
+      </p:nvGrpSpPr>
+      <p:grpSpPr>
+        <a:xfrm>
+          <a:off x="0" y="0"/>
+          <a:ext cx="0" cy="0"/>
+          <a:chOff x="0" y="0"/>
+          <a:chExt cx="0" cy="0"/>
+        </a:xfrm>
+      </p:grpSpPr>
+      <p:sp>
+        <p:nvSpPr>
+          <p:cNvPr id="57" name="PlaceHolder 1"/>
+          <p:cNvSpPr>
+            <a:spLocks noGrp="1"/>
+          </p:cNvSpPr>
+          <p:nvPr>
+            <p:ph type="title"/>
+          </p:nvPr>
+        </p:nvSpPr>
+        <p:spPr>
+          <a:xfrm>
+            <a:off x="504000" y="301320"/>
+            <a:ext cx="9071280" cy="1261080"/>
+          </a:xfrm>
+          <a:prstGeom prst="rect">
+            <a:avLst/>
+          </a:prstGeom>
+        </p:spPr>
+        <p:txBody>
+          <a:bodyPr lIns="0" rIns="0" tIns="0" bIns="0" anchor="ctr"/>
+          <a:p>
+            <a:pPr algn="ctr"/>
+            <a:endParaRPr b="0" lang="es-ES" sz="4400" spc="-1" strike="noStrike">
+              <a:latin typeface="Arial"/>
+            </a:endParaRPr>
+          </a:p>
+        </p:txBody>
+      </p:sp>
+      <p:sp>
+        <p:nvSpPr>
+          <p:cNvPr id="58" name="PlaceHolder 2"/>
+          <p:cNvSpPr>
+            <a:spLocks noGrp="1"/>
+          </p:cNvSpPr>
+          <p:nvPr>
+            <p:ph type="body"/>
+          </p:nvPr>
+        </p:nvSpPr>
+        <p:spPr>
+          <a:xfrm>
+            <a:off x="504000" y="1768680"/>
+            <a:ext cx="4426920" cy="4383720"/>
+          </a:xfrm>
+          <a:prstGeom prst="rect">
+            <a:avLst/>
+          </a:prstGeom>
+        </p:spPr>
+        <p:txBody>
+          <a:bodyPr lIns="0" rIns="0" tIns="0" bIns="0">
+            <a:normAutofit/>
+          </a:bodyPr>
+          <a:p>
+            <a:endParaRPr b="0" lang="es-ES" sz="3200" spc="-1" strike="noStrike">
+              <a:latin typeface="Arial"/>
+            </a:endParaRPr>
+          </a:p>
+        </p:txBody>
+      </p:sp>
+      <p:sp>
+        <p:nvSpPr>
+          <p:cNvPr id="59" name="PlaceHolder 3"/>
+          <p:cNvSpPr>
+            <a:spLocks noGrp="1"/>
+          </p:cNvSpPr>
+          <p:nvPr>
+            <p:ph type="body"/>
+          </p:nvPr>
+        </p:nvSpPr>
+        <p:spPr>
+          <a:xfrm>
+            <a:off x="5152680" y="1768680"/>
+            <a:ext cx="4426920" cy="2090880"/>
+          </a:xfrm>
+          <a:prstGeom prst="rect">
+            <a:avLst/>
+          </a:prstGeom>
+        </p:spPr>
+        <p:txBody>
+          <a:bodyPr lIns="0" rIns="0" tIns="0" bIns="0">
+            <a:normAutofit/>
+          </a:bodyPr>
+          <a:p>
+            <a:endParaRPr b="0" lang="es-ES" sz="3200" spc="-1" strike="noStrike">
+              <a:latin typeface="Arial"/>
+            </a:endParaRPr>
+          </a:p>
+        </p:txBody>
+      </p:sp>
+      <p:sp>
+        <p:nvSpPr>
+          <p:cNvPr id="60" name="PlaceHolder 4"/>
+          <p:cNvSpPr>
+            <a:spLocks noGrp="1"/>
+          </p:cNvSpPr>
+          <p:nvPr>
+            <p:ph type="body"/>
+          </p:nvPr>
+        </p:nvSpPr>
+        <p:spPr>
+          <a:xfrm>
+            <a:off x="5152680" y="4058640"/>
+            <a:ext cx="4426920" cy="2090880"/>
+          </a:xfrm>
+          <a:prstGeom prst="rect">
+            <a:avLst/>
+          </a:prstGeom>
+        </p:spPr>
+        <p:txBody>
+          <a:bodyPr lIns="0" rIns="0" tIns="0" bIns="0">
+            <a:normAutofit/>
+          </a:bodyPr>
+          <a:p>
+            <a:endParaRPr b="0" lang="es-ES" sz="3200" spc="-1" strike="noStrike">
+              <a:latin typeface="Arial"/>
+            </a:endParaRPr>
+          </a:p>
+        </p:txBody>
+      </p:sp>
+    </p:spTree>
+  </p:cSld>
+</p:sldLayout>
+</file>
+
+<file path=ppt/slideLayouts/slideLayout21.xml><?xml version="1.0" encoding="utf-8"?>
+<p:sldLayout xmlns:a="http://schemas.openxmlformats.org/drawingml/2006/main" xmlns:p="http://schemas.openxmlformats.org/presentationml/2006/main" xmlns:r="http://schemas.openxmlformats.org/officeDocument/2006/relationships" xmlns:p14="http://schemas.microsoft.com/office/powerpoint/2010/main" xmlns:p15="http://schemas.microsoft.com/office/powerpoint/2012/main" xmlns:mc="http://schemas.openxmlformats.org/markup-compatibility/2006" type="twoObjOverTx" preserve="1">
+  <p:cSld name="Title, 2 Content over Content">
+    <p:spTree>
+      <p:nvGrpSpPr>
+        <p:cNvPr id="1" name=""/>
+        <p:cNvGrpSpPr/>
+        <p:nvPr/>
+      </p:nvGrpSpPr>
+      <p:grpSpPr>
+        <a:xfrm>
+          <a:off x="0" y="0"/>
+          <a:ext cx="0" cy="0"/>
+          <a:chOff x="0" y="0"/>
+          <a:chExt cx="0" cy="0"/>
+        </a:xfrm>
+      </p:grpSpPr>
+      <p:sp>
+        <p:nvSpPr>
+          <p:cNvPr id="61" name="PlaceHolder 1"/>
+          <p:cNvSpPr>
+            <a:spLocks noGrp="1"/>
+          </p:cNvSpPr>
+          <p:nvPr>
+            <p:ph type="title"/>
+          </p:nvPr>
+        </p:nvSpPr>
+        <p:spPr>
+          <a:xfrm>
+            <a:off x="504000" y="301320"/>
+            <a:ext cx="9071280" cy="1261080"/>
+          </a:xfrm>
+          <a:prstGeom prst="rect">
+            <a:avLst/>
+          </a:prstGeom>
+        </p:spPr>
+        <p:txBody>
+          <a:bodyPr lIns="0" rIns="0" tIns="0" bIns="0" anchor="ctr"/>
+          <a:p>
+            <a:pPr algn="ctr"/>
+            <a:endParaRPr b="0" lang="es-ES" sz="4400" spc="-1" strike="noStrike">
+              <a:latin typeface="Arial"/>
+            </a:endParaRPr>
+          </a:p>
+        </p:txBody>
+      </p:sp>
+      <p:sp>
+        <p:nvSpPr>
+          <p:cNvPr id="62" name="PlaceHolder 2"/>
+          <p:cNvSpPr>
+            <a:spLocks noGrp="1"/>
+          </p:cNvSpPr>
+          <p:nvPr>
+            <p:ph type="body"/>
+          </p:nvPr>
+        </p:nvSpPr>
+        <p:spPr>
+          <a:xfrm>
+            <a:off x="504000" y="1768680"/>
+            <a:ext cx="4426920" cy="2090880"/>
+          </a:xfrm>
+          <a:prstGeom prst="rect">
+            <a:avLst/>
+          </a:prstGeom>
+        </p:spPr>
+        <p:txBody>
+          <a:bodyPr lIns="0" rIns="0" tIns="0" bIns="0">
+            <a:normAutofit/>
+          </a:bodyPr>
+          <a:p>
+            <a:endParaRPr b="0" lang="es-ES" sz="3200" spc="-1" strike="noStrike">
+              <a:latin typeface="Arial"/>
+            </a:endParaRPr>
+          </a:p>
+        </p:txBody>
+      </p:sp>
+      <p:sp>
+        <p:nvSpPr>
+          <p:cNvPr id="63" name="PlaceHolder 3"/>
+          <p:cNvSpPr>
+            <a:spLocks noGrp="1"/>
+          </p:cNvSpPr>
+          <p:nvPr>
+            <p:ph type="body"/>
+          </p:nvPr>
+        </p:nvSpPr>
+        <p:spPr>
+          <a:xfrm>
+            <a:off x="5152680" y="1768680"/>
+            <a:ext cx="4426920" cy="2090880"/>
+          </a:xfrm>
+          <a:prstGeom prst="rect">
+            <a:avLst/>
+          </a:prstGeom>
+        </p:spPr>
+        <p:txBody>
+          <a:bodyPr lIns="0" rIns="0" tIns="0" bIns="0">
+            <a:normAutofit/>
+          </a:bodyPr>
+          <a:p>
+            <a:endParaRPr b="0" lang="es-ES" sz="3200" spc="-1" strike="noStrike">
+              <a:latin typeface="Arial"/>
+            </a:endParaRPr>
+          </a:p>
+        </p:txBody>
+      </p:sp>
+      <p:sp>
+        <p:nvSpPr>
+          <p:cNvPr id="64" name="PlaceHolder 4"/>
+          <p:cNvSpPr>
+            <a:spLocks noGrp="1"/>
+          </p:cNvSpPr>
+          <p:nvPr>
+            <p:ph type="body"/>
+          </p:nvPr>
+        </p:nvSpPr>
+        <p:spPr>
+          <a:xfrm>
+            <a:off x="504000" y="4058640"/>
+            <a:ext cx="9071640" cy="2090880"/>
+          </a:xfrm>
+          <a:prstGeom prst="rect">
+            <a:avLst/>
+          </a:prstGeom>
+        </p:spPr>
+        <p:txBody>
+          <a:bodyPr lIns="0" rIns="0" tIns="0" bIns="0">
+            <a:normAutofit/>
+          </a:bodyPr>
+          <a:p>
+            <a:endParaRPr b="0" lang="es-ES" sz="3200" spc="-1" strike="noStrike">
+              <a:latin typeface="Arial"/>
+            </a:endParaRPr>
+          </a:p>
+        </p:txBody>
+      </p:sp>
+    </p:spTree>
+  </p:cSld>
+</p:sldLayout>
+</file>
+
+<file path=ppt/slideLayouts/slideLayout22.xml><?xml version="1.0" encoding="utf-8"?>
+<p:sldLayout xmlns:a="http://schemas.openxmlformats.org/drawingml/2006/main" xmlns:p="http://schemas.openxmlformats.org/presentationml/2006/main" xmlns:r="http://schemas.openxmlformats.org/officeDocument/2006/relationships" xmlns:p14="http://schemas.microsoft.com/office/powerpoint/2010/main" xmlns:p15="http://schemas.microsoft.com/office/powerpoint/2012/main" xmlns:mc="http://schemas.openxmlformats.org/markup-compatibility/2006" type="objOverTx" preserve="1">
+  <p:cSld name="Title, Content over Content">
+    <p:spTree>
+      <p:nvGrpSpPr>
+        <p:cNvPr id="1" name=""/>
+        <p:cNvGrpSpPr/>
+        <p:nvPr/>
+      </p:nvGrpSpPr>
+      <p:grpSpPr>
+        <a:xfrm>
+          <a:off x="0" y="0"/>
+          <a:ext cx="0" cy="0"/>
+          <a:chOff x="0" y="0"/>
+          <a:chExt cx="0" cy="0"/>
+        </a:xfrm>
+      </p:grpSpPr>
+      <p:sp>
+        <p:nvSpPr>
+          <p:cNvPr id="65" name="PlaceHolder 1"/>
+          <p:cNvSpPr>
+            <a:spLocks noGrp="1"/>
+          </p:cNvSpPr>
+          <p:nvPr>
+            <p:ph type="title"/>
+          </p:nvPr>
+        </p:nvSpPr>
+        <p:spPr>
+          <a:xfrm>
+            <a:off x="504000" y="301320"/>
+            <a:ext cx="9071280" cy="1261080"/>
+          </a:xfrm>
+          <a:prstGeom prst="rect">
+            <a:avLst/>
+          </a:prstGeom>
+        </p:spPr>
+        <p:txBody>
+          <a:bodyPr lIns="0" rIns="0" tIns="0" bIns="0" anchor="ctr"/>
+          <a:p>
+            <a:pPr algn="ctr"/>
+            <a:endParaRPr b="0" lang="es-ES" sz="4400" spc="-1" strike="noStrike">
+              <a:latin typeface="Arial"/>
+            </a:endParaRPr>
+          </a:p>
+        </p:txBody>
+      </p:sp>
+      <p:sp>
+        <p:nvSpPr>
+          <p:cNvPr id="66" name="PlaceHolder 2"/>
+          <p:cNvSpPr>
+            <a:spLocks noGrp="1"/>
+          </p:cNvSpPr>
+          <p:nvPr>
+            <p:ph type="body"/>
+          </p:nvPr>
+        </p:nvSpPr>
+        <p:spPr>
+          <a:xfrm>
+            <a:off x="504000" y="1768680"/>
+            <a:ext cx="9071640" cy="2090880"/>
+          </a:xfrm>
+          <a:prstGeom prst="rect">
+            <a:avLst/>
+          </a:prstGeom>
+        </p:spPr>
+        <p:txBody>
+          <a:bodyPr lIns="0" rIns="0" tIns="0" bIns="0">
+            <a:normAutofit/>
+          </a:bodyPr>
+          <a:p>
+            <a:endParaRPr b="0" lang="es-ES" sz="3200" spc="-1" strike="noStrike">
+              <a:latin typeface="Arial"/>
+            </a:endParaRPr>
+          </a:p>
+        </p:txBody>
+      </p:sp>
+      <p:sp>
+        <p:nvSpPr>
+          <p:cNvPr id="67" name="PlaceHolder 3"/>
+          <p:cNvSpPr>
+            <a:spLocks noGrp="1"/>
+          </p:cNvSpPr>
+          <p:nvPr>
+            <p:ph type="body"/>
+          </p:nvPr>
+        </p:nvSpPr>
+        <p:spPr>
+          <a:xfrm>
+            <a:off x="504000" y="4058640"/>
+            <a:ext cx="9071640" cy="2090880"/>
+          </a:xfrm>
+          <a:prstGeom prst="rect">
+            <a:avLst/>
+          </a:prstGeom>
+        </p:spPr>
+        <p:txBody>
+          <a:bodyPr lIns="0" rIns="0" tIns="0" bIns="0">
+            <a:normAutofit/>
+          </a:bodyPr>
+          <a:p>
+            <a:endParaRPr b="0" lang="es-ES" sz="3200" spc="-1" strike="noStrike">
+              <a:latin typeface="Arial"/>
+            </a:endParaRPr>
+          </a:p>
+        </p:txBody>
+      </p:sp>
+    </p:spTree>
+  </p:cSld>
+</p:sldLayout>
+</file>
+
+<file path=ppt/slideLayouts/slideLayout23.xml><?xml version="1.0" encoding="utf-8"?>
+<p:sldLayout xmlns:a="http://schemas.openxmlformats.org/drawingml/2006/main" xmlns:p="http://schemas.openxmlformats.org/presentationml/2006/main" xmlns:r="http://schemas.openxmlformats.org/officeDocument/2006/relationships" xmlns:p14="http://schemas.microsoft.com/office/powerpoint/2010/main" xmlns:p15="http://schemas.microsoft.com/office/powerpoint/2012/main" xmlns:mc="http://schemas.openxmlformats.org/markup-compatibility/2006" type="fourObj" preserve="1">
+  <p:cSld name="Title, 4 Content">
+    <p:spTree>
+      <p:nvGrpSpPr>
+        <p:cNvPr id="1" name=""/>
+        <p:cNvGrpSpPr/>
+        <p:nvPr/>
+      </p:nvGrpSpPr>
+      <p:grpSpPr>
+        <a:xfrm>
+          <a:off x="0" y="0"/>
+          <a:ext cx="0" cy="0"/>
+          <a:chOff x="0" y="0"/>
+          <a:chExt cx="0" cy="0"/>
+        </a:xfrm>
+      </p:grpSpPr>
+      <p:sp>
+        <p:nvSpPr>
+          <p:cNvPr id="68" name="PlaceHolder 1"/>
+          <p:cNvSpPr>
+            <a:spLocks noGrp="1"/>
+          </p:cNvSpPr>
+          <p:nvPr>
+            <p:ph type="title"/>
+          </p:nvPr>
+        </p:nvSpPr>
+        <p:spPr>
+          <a:xfrm>
+            <a:off x="504000" y="301320"/>
+            <a:ext cx="9071280" cy="1261080"/>
+          </a:xfrm>
+          <a:prstGeom prst="rect">
+            <a:avLst/>
+          </a:prstGeom>
+        </p:spPr>
+        <p:txBody>
+          <a:bodyPr lIns="0" rIns="0" tIns="0" bIns="0" anchor="ctr"/>
+          <a:p>
+            <a:pPr algn="ctr"/>
+            <a:endParaRPr b="0" lang="es-ES" sz="4400" spc="-1" strike="noStrike">
+              <a:latin typeface="Arial"/>
+            </a:endParaRPr>
+          </a:p>
+        </p:txBody>
+      </p:sp>
+      <p:sp>
+        <p:nvSpPr>
+          <p:cNvPr id="69" name="PlaceHolder 2"/>
+          <p:cNvSpPr>
+            <a:spLocks noGrp="1"/>
+          </p:cNvSpPr>
+          <p:nvPr>
+            <p:ph type="body"/>
+          </p:nvPr>
+        </p:nvSpPr>
+        <p:spPr>
+          <a:xfrm>
+            <a:off x="504000" y="1768680"/>
+            <a:ext cx="4426920" cy="2090880"/>
+          </a:xfrm>
+          <a:prstGeom prst="rect">
+            <a:avLst/>
+          </a:prstGeom>
+        </p:spPr>
+        <p:txBody>
+          <a:bodyPr lIns="0" rIns="0" tIns="0" bIns="0">
+            <a:normAutofit/>
+          </a:bodyPr>
+          <a:p>
+            <a:endParaRPr b="0" lang="es-ES" sz="3200" spc="-1" strike="noStrike">
+              <a:latin typeface="Arial"/>
+            </a:endParaRPr>
+          </a:p>
+        </p:txBody>
+      </p:sp>
+      <p:sp>
+        <p:nvSpPr>
+          <p:cNvPr id="70" name="PlaceHolder 3"/>
+          <p:cNvSpPr>
+            <a:spLocks noGrp="1"/>
+          </p:cNvSpPr>
+          <p:nvPr>
+            <p:ph type="body"/>
+          </p:nvPr>
+        </p:nvSpPr>
+        <p:spPr>
+          <a:xfrm>
+            <a:off x="5152680" y="1768680"/>
+            <a:ext cx="4426920" cy="2090880"/>
+          </a:xfrm>
+          <a:prstGeom prst="rect">
+            <a:avLst/>
+          </a:prstGeom>
+        </p:spPr>
+        <p:txBody>
+          <a:bodyPr lIns="0" rIns="0" tIns="0" bIns="0">
+            <a:normAutofit/>
+          </a:bodyPr>
+          <a:p>
+            <a:endParaRPr b="0" lang="es-ES" sz="3200" spc="-1" strike="noStrike">
+              <a:latin typeface="Arial"/>
+            </a:endParaRPr>
+          </a:p>
+        </p:txBody>
+      </p:sp>
+      <p:sp>
+        <p:nvSpPr>
+          <p:cNvPr id="71" name="PlaceHolder 4"/>
+          <p:cNvSpPr>
+            <a:spLocks noGrp="1"/>
+          </p:cNvSpPr>
+          <p:nvPr>
+            <p:ph type="body"/>
+          </p:nvPr>
+        </p:nvSpPr>
+        <p:spPr>
+          <a:xfrm>
+            <a:off x="504000" y="4058640"/>
+            <a:ext cx="4426920" cy="2090880"/>
+          </a:xfrm>
+          <a:prstGeom prst="rect">
+            <a:avLst/>
+          </a:prstGeom>
+        </p:spPr>
+        <p:txBody>
+          <a:bodyPr lIns="0" rIns="0" tIns="0" bIns="0">
+            <a:normAutofit/>
+          </a:bodyPr>
+          <a:p>
+            <a:endParaRPr b="0" lang="es-ES" sz="3200" spc="-1" strike="noStrike">
+              <a:latin typeface="Arial"/>
+            </a:endParaRPr>
+          </a:p>
+        </p:txBody>
+      </p:sp>
+      <p:sp>
+        <p:nvSpPr>
+          <p:cNvPr id="72" name="PlaceHolder 5"/>
+          <p:cNvSpPr>
+            <a:spLocks noGrp="1"/>
+          </p:cNvSpPr>
+          <p:nvPr>
+            <p:ph type="body"/>
+          </p:nvPr>
+        </p:nvSpPr>
+        <p:spPr>
+          <a:xfrm>
+            <a:off x="5152680" y="4058640"/>
+            <a:ext cx="4426920" cy="2090880"/>
+          </a:xfrm>
+          <a:prstGeom prst="rect">
+            <a:avLst/>
+          </a:prstGeom>
+        </p:spPr>
+        <p:txBody>
+          <a:bodyPr lIns="0" rIns="0" tIns="0" bIns="0">
+            <a:normAutofit/>
+          </a:bodyPr>
+          <a:p>
+            <a:endParaRPr b="0" lang="es-ES" sz="3200" spc="-1" strike="noStrike">
+              <a:latin typeface="Arial"/>
+            </a:endParaRPr>
+          </a:p>
+        </p:txBody>
+      </p:sp>
+    </p:spTree>
+  </p:cSld>
+</p:sldLayout>
+</file>
+
+<file path=ppt/slideLayouts/slideLayout24.xml><?xml version="1.0" encoding="utf-8"?>
+<p:sldLayout xmlns:a="http://schemas.openxmlformats.org/drawingml/2006/main" xmlns:p="http://schemas.openxmlformats.org/presentationml/2006/main" xmlns:r="http://schemas.openxmlformats.org/officeDocument/2006/relationships" xmlns:p14="http://schemas.microsoft.com/office/powerpoint/2010/main" xmlns:p15="http://schemas.microsoft.com/office/powerpoint/2012/main" xmlns:mc="http://schemas.openxmlformats.org/markup-compatibility/2006" type="blank" preserve="1">
+  <p:cSld name="Title, 6 Content">
+    <p:spTree>
+      <p:nvGrpSpPr>
+        <p:cNvPr id="1" name=""/>
+        <p:cNvGrpSpPr/>
+        <p:nvPr/>
+      </p:nvGrpSpPr>
+      <p:grpSpPr>
+        <a:xfrm>
+          <a:off x="0" y="0"/>
+          <a:ext cx="0" cy="0"/>
+          <a:chOff x="0" y="0"/>
+          <a:chExt cx="0" cy="0"/>
+        </a:xfrm>
+      </p:grpSpPr>
+      <p:sp>
+        <p:nvSpPr>
+          <p:cNvPr id="73" name="PlaceHolder 1"/>
+          <p:cNvSpPr>
+            <a:spLocks noGrp="1"/>
+          </p:cNvSpPr>
+          <p:nvPr>
+            <p:ph type="title"/>
+          </p:nvPr>
+        </p:nvSpPr>
+        <p:spPr>
+          <a:xfrm>
+            <a:off x="504000" y="301320"/>
+            <a:ext cx="9071280" cy="1261080"/>
+          </a:xfrm>
+          <a:prstGeom prst="rect">
+            <a:avLst/>
+          </a:prstGeom>
+        </p:spPr>
+        <p:txBody>
+          <a:bodyPr lIns="0" rIns="0" tIns="0" bIns="0" anchor="ctr"/>
+          <a:p>
+            <a:pPr algn="ctr"/>
+            <a:endParaRPr b="0" lang="es-ES" sz="4400" spc="-1" strike="noStrike">
+              <a:latin typeface="Arial"/>
+            </a:endParaRPr>
+          </a:p>
+        </p:txBody>
+      </p:sp>
+      <p:sp>
+        <p:nvSpPr>
+          <p:cNvPr id="74" name="PlaceHolder 2"/>
+          <p:cNvSpPr>
+            <a:spLocks noGrp="1"/>
+          </p:cNvSpPr>
+          <p:nvPr>
+            <p:ph type="body"/>
+          </p:nvPr>
+        </p:nvSpPr>
+        <p:spPr>
+          <a:xfrm>
+            <a:off x="504000" y="1768680"/>
+            <a:ext cx="2920680" cy="2090880"/>
+          </a:xfrm>
+          <a:prstGeom prst="rect">
+            <a:avLst/>
+          </a:prstGeom>
+        </p:spPr>
+        <p:txBody>
+          <a:bodyPr lIns="0" rIns="0" tIns="0" bIns="0">
+            <a:normAutofit/>
+          </a:bodyPr>
+          <a:p>
+            <a:endParaRPr b="0" lang="es-ES" sz="3200" spc="-1" strike="noStrike">
+              <a:latin typeface="Arial"/>
+            </a:endParaRPr>
+          </a:p>
+        </p:txBody>
+      </p:sp>
+      <p:sp>
+        <p:nvSpPr>
+          <p:cNvPr id="75" name="PlaceHolder 3"/>
+          <p:cNvSpPr>
+            <a:spLocks noGrp="1"/>
+          </p:cNvSpPr>
+          <p:nvPr>
+            <p:ph type="body"/>
+          </p:nvPr>
+        </p:nvSpPr>
+        <p:spPr>
+          <a:xfrm>
+            <a:off x="3571200" y="1768680"/>
+            <a:ext cx="2920680" cy="2090880"/>
+          </a:xfrm>
+          <a:prstGeom prst="rect">
+            <a:avLst/>
+          </a:prstGeom>
+        </p:spPr>
+        <p:txBody>
+          <a:bodyPr lIns="0" rIns="0" tIns="0" bIns="0">
+            <a:normAutofit/>
+          </a:bodyPr>
+          <a:p>
+            <a:endParaRPr b="0" lang="es-ES" sz="3200" spc="-1" strike="noStrike">
+              <a:latin typeface="Arial"/>
+            </a:endParaRPr>
+          </a:p>
+        </p:txBody>
+      </p:sp>
+      <p:sp>
+        <p:nvSpPr>
+          <p:cNvPr id="76" name="PlaceHolder 4"/>
+          <p:cNvSpPr>
+            <a:spLocks noGrp="1"/>
+          </p:cNvSpPr>
+          <p:nvPr>
+            <p:ph type="body"/>
+          </p:nvPr>
+        </p:nvSpPr>
+        <p:spPr>
+          <a:xfrm>
+            <a:off x="6638040" y="1768680"/>
+            <a:ext cx="2920680" cy="2090880"/>
+          </a:xfrm>
+          <a:prstGeom prst="rect">
+            <a:avLst/>
+          </a:prstGeom>
+        </p:spPr>
+        <p:txBody>
+          <a:bodyPr lIns="0" rIns="0" tIns="0" bIns="0">
+            <a:normAutofit/>
+          </a:bodyPr>
+          <a:p>
+            <a:endParaRPr b="0" lang="es-ES" sz="3200" spc="-1" strike="noStrike">
+              <a:latin typeface="Arial"/>
+            </a:endParaRPr>
+          </a:p>
+        </p:txBody>
+      </p:sp>
+      <p:sp>
+        <p:nvSpPr>
+          <p:cNvPr id="77" name="PlaceHolder 5"/>
+          <p:cNvSpPr>
+            <a:spLocks noGrp="1"/>
+          </p:cNvSpPr>
+          <p:nvPr>
+            <p:ph type="body"/>
+          </p:nvPr>
+        </p:nvSpPr>
+        <p:spPr>
+          <a:xfrm>
+            <a:off x="504000" y="4058640"/>
+            <a:ext cx="2920680" cy="2090880"/>
+          </a:xfrm>
+          <a:prstGeom prst="rect">
+            <a:avLst/>
+          </a:prstGeom>
+        </p:spPr>
+        <p:txBody>
+          <a:bodyPr lIns="0" rIns="0" tIns="0" bIns="0">
+            <a:normAutofit/>
+          </a:bodyPr>
+          <a:p>
+            <a:endParaRPr b="0" lang="es-ES" sz="3200" spc="-1" strike="noStrike">
+              <a:latin typeface="Arial"/>
+            </a:endParaRPr>
+          </a:p>
+        </p:txBody>
+      </p:sp>
+      <p:sp>
+        <p:nvSpPr>
+          <p:cNvPr id="78" name="PlaceHolder 6"/>
+          <p:cNvSpPr>
+            <a:spLocks noGrp="1"/>
+          </p:cNvSpPr>
+          <p:nvPr>
+            <p:ph type="body"/>
+          </p:nvPr>
+        </p:nvSpPr>
+        <p:spPr>
+          <a:xfrm>
+            <a:off x="3571200" y="4058640"/>
+            <a:ext cx="2920680" cy="2090880"/>
+          </a:xfrm>
+          <a:prstGeom prst="rect">
+            <a:avLst/>
+          </a:prstGeom>
+        </p:spPr>
+        <p:txBody>
+          <a:bodyPr lIns="0" rIns="0" tIns="0" bIns="0">
+            <a:normAutofit/>
+          </a:bodyPr>
+          <a:p>
+            <a:endParaRPr b="0" lang="es-ES" sz="3200" spc="-1" strike="noStrike">
+              <a:latin typeface="Arial"/>
+            </a:endParaRPr>
+          </a:p>
+        </p:txBody>
+      </p:sp>
+      <p:sp>
+        <p:nvSpPr>
+          <p:cNvPr id="79" name="PlaceHolder 7"/>
+          <p:cNvSpPr>
+            <a:spLocks noGrp="1"/>
+          </p:cNvSpPr>
+          <p:nvPr>
+            <p:ph type="body"/>
+          </p:nvPr>
+        </p:nvSpPr>
+        <p:spPr>
+          <a:xfrm>
+            <a:off x="6638040" y="4058640"/>
+            <a:ext cx="2920680" cy="2090880"/>
+          </a:xfrm>
+          <a:prstGeom prst="rect">
+            <a:avLst/>
+          </a:prstGeom>
+        </p:spPr>
+        <p:txBody>
+          <a:bodyPr lIns="0" rIns="0" tIns="0" bIns="0">
+            <a:normAutofit/>
+          </a:bodyPr>
+          <a:p>
+            <a:endParaRPr b="0" lang="es-ES" sz="3200" spc="-1" strike="noStrike">
+              <a:latin typeface="Arial"/>
+            </a:endParaRPr>
+          </a:p>
+        </p:txBody>
+      </p:sp>
+    </p:spTree>
+  </p:cSld>
+</p:sldLayout>
+</file>
+
+<file path=ppt/slideLayouts/slideLayout25.xml><?xml version="1.0" encoding="utf-8"?>
+<p:sldLayout xmlns:a="http://schemas.openxmlformats.org/drawingml/2006/main" xmlns:p="http://schemas.openxmlformats.org/presentationml/2006/main" xmlns:r="http://schemas.openxmlformats.org/officeDocument/2006/relationships" xmlns:p14="http://schemas.microsoft.com/office/powerpoint/2010/main" xmlns:p15="http://schemas.microsoft.com/office/powerpoint/2012/main" xmlns:mc="http://schemas.openxmlformats.org/markup-compatibility/2006" type="blank" preserve="1">
+  <p:cSld name="Blank Slide">
+    <p:spTree>
+      <p:nvGrpSpPr>
+        <p:cNvPr id="1" name=""/>
+        <p:cNvGrpSpPr/>
+        <p:nvPr/>
+      </p:nvGrpSpPr>
+      <p:grpSpPr>
+        <a:xfrm>
+          <a:off x="0" y="0"/>
+          <a:ext cx="0" cy="0"/>
+          <a:chOff x="0" y="0"/>
+          <a:chExt cx="0" cy="0"/>
+        </a:xfrm>
+      </p:grpSpPr>
+    </p:spTree>
+  </p:cSld>
+</p:sldLayout>
+</file>
+
+<file path=ppt/slideLayouts/slideLayout26.xml><?xml version="1.0" encoding="utf-8"?>
+<p:sldLayout xmlns:a="http://schemas.openxmlformats.org/drawingml/2006/main" xmlns:p="http://schemas.openxmlformats.org/presentationml/2006/main" xmlns:r="http://schemas.openxmlformats.org/officeDocument/2006/relationships" xmlns:p14="http://schemas.microsoft.com/office/powerpoint/2010/main" xmlns:p15="http://schemas.microsoft.com/office/powerpoint/2012/main" xmlns:mc="http://schemas.openxmlformats.org/markup-compatibility/2006" type="tx" preserve="1">
+  <p:cSld name="Title Slide">
+    <p:spTree>
+      <p:nvGrpSpPr>
+        <p:cNvPr id="1" name=""/>
+        <p:cNvGrpSpPr/>
+        <p:nvPr/>
+      </p:nvGrpSpPr>
+      <p:grpSpPr>
+        <a:xfrm>
+          <a:off x="0" y="0"/>
+          <a:ext cx="0" cy="0"/>
+          <a:chOff x="0" y="0"/>
+          <a:chExt cx="0" cy="0"/>
+        </a:xfrm>
+      </p:grpSpPr>
+      <p:sp>
+        <p:nvSpPr>
+          <p:cNvPr id="84" name="PlaceHolder 1"/>
+          <p:cNvSpPr>
+            <a:spLocks noGrp="1"/>
+          </p:cNvSpPr>
+          <p:nvPr>
+            <p:ph type="title"/>
+          </p:nvPr>
+        </p:nvSpPr>
+        <p:spPr>
+          <a:xfrm>
+            <a:off x="504000" y="301320"/>
+            <a:ext cx="9071280" cy="1261080"/>
+          </a:xfrm>
+          <a:prstGeom prst="rect">
+            <a:avLst/>
+          </a:prstGeom>
+        </p:spPr>
+        <p:txBody>
+          <a:bodyPr lIns="0" rIns="0" tIns="0" bIns="0" anchor="ctr"/>
+          <a:p>
+            <a:pPr algn="ctr"/>
+            <a:endParaRPr b="0" lang="es-ES" sz="4400" spc="-1" strike="noStrike">
+              <a:latin typeface="Arial"/>
+            </a:endParaRPr>
+          </a:p>
+        </p:txBody>
+      </p:sp>
+      <p:sp>
+        <p:nvSpPr>
+          <p:cNvPr id="85" name="PlaceHolder 2"/>
+          <p:cNvSpPr>
+            <a:spLocks noGrp="1"/>
+          </p:cNvSpPr>
+          <p:nvPr>
+            <p:ph type="subTitle"/>
+          </p:nvPr>
+        </p:nvSpPr>
+        <p:spPr>
+          <a:xfrm>
+            <a:off x="504000" y="1768680"/>
+            <a:ext cx="9071640" cy="4383720"/>
+          </a:xfrm>
+          <a:prstGeom prst="rect">
+            <a:avLst/>
+          </a:prstGeom>
+        </p:spPr>
+        <p:txBody>
+          <a:bodyPr lIns="0" rIns="0" tIns="0" bIns="0" anchor="ctr"/>
+          <a:p>
+            <a:pPr algn="ctr"/>
+            <a:endParaRPr b="0" lang="es-ES" sz="3200" spc="-1" strike="noStrike">
+              <a:latin typeface="Arial"/>
+            </a:endParaRPr>
+          </a:p>
+        </p:txBody>
+      </p:sp>
+    </p:spTree>
+  </p:cSld>
+</p:sldLayout>
+</file>
+
+<file path=ppt/slideLayouts/slideLayout27.xml><?xml version="1.0" encoding="utf-8"?>
+<p:sldLayout xmlns:a="http://schemas.openxmlformats.org/drawingml/2006/main" xmlns:p="http://schemas.openxmlformats.org/presentationml/2006/main" xmlns:r="http://schemas.openxmlformats.org/officeDocument/2006/relationships" xmlns:p14="http://schemas.microsoft.com/office/powerpoint/2010/main" xmlns:p15="http://schemas.microsoft.com/office/powerpoint/2012/main" xmlns:mc="http://schemas.openxmlformats.org/markup-compatibility/2006" type="obj" preserve="1">
+  <p:cSld name="Title, Content">
+    <p:spTree>
+      <p:nvGrpSpPr>
+        <p:cNvPr id="1" name=""/>
+        <p:cNvGrpSpPr/>
+        <p:nvPr/>
+      </p:nvGrpSpPr>
+      <p:grpSpPr>
+        <a:xfrm>
+          <a:off x="0" y="0"/>
+          <a:ext cx="0" cy="0"/>
+          <a:chOff x="0" y="0"/>
+          <a:chExt cx="0" cy="0"/>
+        </a:xfrm>
+      </p:grpSpPr>
+      <p:sp>
+        <p:nvSpPr>
+          <p:cNvPr id="86" name="PlaceHolder 1"/>
+          <p:cNvSpPr>
+            <a:spLocks noGrp="1"/>
+          </p:cNvSpPr>
+          <p:nvPr>
+            <p:ph type="title"/>
+          </p:nvPr>
+        </p:nvSpPr>
+        <p:spPr>
+          <a:xfrm>
+            <a:off x="504000" y="301320"/>
+            <a:ext cx="9071280" cy="1261080"/>
+          </a:xfrm>
+          <a:prstGeom prst="rect">
+            <a:avLst/>
+          </a:prstGeom>
+        </p:spPr>
+        <p:txBody>
+          <a:bodyPr lIns="0" rIns="0" tIns="0" bIns="0" anchor="ctr"/>
+          <a:p>
+            <a:pPr algn="ctr"/>
+            <a:endParaRPr b="0" lang="es-ES" sz="4400" spc="-1" strike="noStrike">
+              <a:latin typeface="Arial"/>
+            </a:endParaRPr>
+          </a:p>
+        </p:txBody>
+      </p:sp>
+      <p:sp>
+        <p:nvSpPr>
+          <p:cNvPr id="87" name="PlaceHolder 2"/>
+          <p:cNvSpPr>
+            <a:spLocks noGrp="1"/>
+          </p:cNvSpPr>
+          <p:nvPr>
+            <p:ph type="body"/>
+          </p:nvPr>
+        </p:nvSpPr>
+        <p:spPr>
+          <a:xfrm>
+            <a:off x="504000" y="1768680"/>
+            <a:ext cx="9071640" cy="4383720"/>
+          </a:xfrm>
+          <a:prstGeom prst="rect">
+            <a:avLst/>
+          </a:prstGeom>
+        </p:spPr>
+        <p:txBody>
+          <a:bodyPr lIns="0" rIns="0" tIns="0" bIns="0">
+            <a:normAutofit/>
+          </a:bodyPr>
+          <a:p>
+            <a:endParaRPr b="0" lang="es-ES" sz="3200" spc="-1" strike="noStrike">
+              <a:latin typeface="Arial"/>
+            </a:endParaRPr>
+          </a:p>
+        </p:txBody>
+      </p:sp>
+    </p:spTree>
+  </p:cSld>
+</p:sldLayout>
+</file>
+
+<file path=ppt/slideLayouts/slideLayout28.xml><?xml version="1.0" encoding="utf-8"?>
+<p:sldLayout xmlns:a="http://schemas.openxmlformats.org/drawingml/2006/main" xmlns:p="http://schemas.openxmlformats.org/presentationml/2006/main" xmlns:r="http://schemas.openxmlformats.org/officeDocument/2006/relationships" xmlns:p14="http://schemas.microsoft.com/office/powerpoint/2010/main" xmlns:p15="http://schemas.microsoft.com/office/powerpoint/2012/main" xmlns:mc="http://schemas.openxmlformats.org/markup-compatibility/2006" type="twoObj" preserve="1">
+  <p:cSld name="Title, 2 Content">
+    <p:spTree>
+      <p:nvGrpSpPr>
+        <p:cNvPr id="1" name=""/>
+        <p:cNvGrpSpPr/>
+        <p:nvPr/>
+      </p:nvGrpSpPr>
+      <p:grpSpPr>
+        <a:xfrm>
+          <a:off x="0" y="0"/>
+          <a:ext cx="0" cy="0"/>
+          <a:chOff x="0" y="0"/>
+          <a:chExt cx="0" cy="0"/>
+        </a:xfrm>
+      </p:grpSpPr>
+      <p:sp>
+        <p:nvSpPr>
+          <p:cNvPr id="88" name="PlaceHolder 1"/>
+          <p:cNvSpPr>
+            <a:spLocks noGrp="1"/>
+          </p:cNvSpPr>
+          <p:nvPr>
+            <p:ph type="title"/>
+          </p:nvPr>
+        </p:nvSpPr>
+        <p:spPr>
+          <a:xfrm>
+            <a:off x="504000" y="301320"/>
+            <a:ext cx="9071280" cy="1261080"/>
+          </a:xfrm>
+          <a:prstGeom prst="rect">
+            <a:avLst/>
+          </a:prstGeom>
+        </p:spPr>
+        <p:txBody>
+          <a:bodyPr lIns="0" rIns="0" tIns="0" bIns="0" anchor="ctr"/>
+          <a:p>
+            <a:pPr algn="ctr"/>
+            <a:endParaRPr b="0" lang="es-ES" sz="4400" spc="-1" strike="noStrike">
+              <a:latin typeface="Arial"/>
+            </a:endParaRPr>
+          </a:p>
+        </p:txBody>
+      </p:sp>
+      <p:sp>
+        <p:nvSpPr>
+          <p:cNvPr id="89" name="PlaceHolder 2"/>
+          <p:cNvSpPr>
+            <a:spLocks noGrp="1"/>
+          </p:cNvSpPr>
+          <p:nvPr>
+            <p:ph type="body"/>
+          </p:nvPr>
+        </p:nvSpPr>
+        <p:spPr>
+          <a:xfrm>
+            <a:off x="504000" y="1768680"/>
+            <a:ext cx="4426920" cy="4383720"/>
+          </a:xfrm>
+          <a:prstGeom prst="rect">
+            <a:avLst/>
+          </a:prstGeom>
+        </p:spPr>
+        <p:txBody>
+          <a:bodyPr lIns="0" rIns="0" tIns="0" bIns="0">
+            <a:normAutofit/>
+          </a:bodyPr>
+          <a:p>
+            <a:endParaRPr b="0" lang="es-ES" sz="3200" spc="-1" strike="noStrike">
+              <a:latin typeface="Arial"/>
+            </a:endParaRPr>
+          </a:p>
+        </p:txBody>
+      </p:sp>
+      <p:sp>
+        <p:nvSpPr>
+          <p:cNvPr id="90" name="PlaceHolder 3"/>
+          <p:cNvSpPr>
+            <a:spLocks noGrp="1"/>
+          </p:cNvSpPr>
+          <p:nvPr>
+            <p:ph type="body"/>
+          </p:nvPr>
+        </p:nvSpPr>
+        <p:spPr>
+          <a:xfrm>
+            <a:off x="5152680" y="1768680"/>
+            <a:ext cx="4426920" cy="4383720"/>
+          </a:xfrm>
+          <a:prstGeom prst="rect">
+            <a:avLst/>
+          </a:prstGeom>
+        </p:spPr>
+        <p:txBody>
+          <a:bodyPr lIns="0" rIns="0" tIns="0" bIns="0">
+            <a:normAutofit/>
+          </a:bodyPr>
+          <a:p>
+            <a:endParaRPr b="0" lang="es-ES" sz="3200" spc="-1" strike="noStrike">
+              <a:latin typeface="Arial"/>
+            </a:endParaRPr>
+          </a:p>
+        </p:txBody>
+      </p:sp>
+    </p:spTree>
+  </p:cSld>
+</p:sldLayout>
+</file>
+
+<file path=ppt/slideLayouts/slideLayout29.xml><?xml version="1.0" encoding="utf-8"?>
+<p:sldLayout xmlns:a="http://schemas.openxmlformats.org/drawingml/2006/main" xmlns:p="http://schemas.openxmlformats.org/presentationml/2006/main" xmlns:r="http://schemas.openxmlformats.org/officeDocument/2006/relationships" xmlns:p14="http://schemas.microsoft.com/office/powerpoint/2010/main" xmlns:p15="http://schemas.microsoft.com/office/powerpoint/2012/main" xmlns:mc="http://schemas.openxmlformats.org/markup-compatibility/2006" type="titleOnly" preserve="1">
+  <p:cSld name="Title Only">
+    <p:spTree>
+      <p:nvGrpSpPr>
+        <p:cNvPr id="1" name=""/>
+        <p:cNvGrpSpPr/>
+        <p:nvPr/>
+      </p:nvGrpSpPr>
+      <p:grpSpPr>
+        <a:xfrm>
+          <a:off x="0" y="0"/>
+          <a:ext cx="0" cy="0"/>
+          <a:chOff x="0" y="0"/>
+          <a:chExt cx="0" cy="0"/>
+        </a:xfrm>
+      </p:grpSpPr>
+      <p:sp>
+        <p:nvSpPr>
+          <p:cNvPr id="91" name="PlaceHolder 1"/>
+          <p:cNvSpPr>
+            <a:spLocks noGrp="1"/>
+          </p:cNvSpPr>
+          <p:nvPr>
+            <p:ph type="title"/>
+          </p:nvPr>
+        </p:nvSpPr>
+        <p:spPr>
+          <a:xfrm>
+            <a:off x="504000" y="301320"/>
+            <a:ext cx="9071280" cy="1261080"/>
+          </a:xfrm>
+          <a:prstGeom prst="rect">
+            <a:avLst/>
+          </a:prstGeom>
+        </p:spPr>
+        <p:txBody>
+          <a:bodyPr lIns="0" rIns="0" tIns="0" bIns="0" anchor="ctr"/>
+          <a:p>
+            <a:pPr algn="ctr"/>
+            <a:endParaRPr b="0" lang="es-ES" sz="4400" spc="-1" strike="noStrike">
               <a:latin typeface="Arial"/>
             </a:endParaRPr>
           </a:p>
@@ -665,7 +2345,7 @@
         <p:spPr>
           <a:xfrm>
             <a:off x="504000" y="301320"/>
-            <a:ext cx="9072000" cy="1261800"/>
+            <a:ext cx="9071280" cy="1261080"/>
           </a:xfrm>
           <a:prstGeom prst="rect">
             <a:avLst/>
@@ -694,7 +2374,1177 @@
         <p:spPr>
           <a:xfrm>
             <a:off x="504000" y="1768680"/>
-            <a:ext cx="9072000" cy="4384080"/>
+            <a:ext cx="9071640" cy="4383720"/>
+          </a:xfrm>
+          <a:prstGeom prst="rect">
+            <a:avLst/>
+          </a:prstGeom>
+        </p:spPr>
+        <p:txBody>
+          <a:bodyPr lIns="0" rIns="0" tIns="0" bIns="0">
+            <a:normAutofit/>
+          </a:bodyPr>
+          <a:p>
+            <a:endParaRPr b="0" lang="es-ES" sz="3200" spc="-1" strike="noStrike">
+              <a:latin typeface="Arial"/>
+            </a:endParaRPr>
+          </a:p>
+        </p:txBody>
+      </p:sp>
+    </p:spTree>
+  </p:cSld>
+</p:sldLayout>
+</file>
+
+<file path=ppt/slideLayouts/slideLayout30.xml><?xml version="1.0" encoding="utf-8"?>
+<p:sldLayout xmlns:a="http://schemas.openxmlformats.org/drawingml/2006/main" xmlns:p="http://schemas.openxmlformats.org/presentationml/2006/main" xmlns:r="http://schemas.openxmlformats.org/officeDocument/2006/relationships" xmlns:p14="http://schemas.microsoft.com/office/powerpoint/2010/main" xmlns:p15="http://schemas.microsoft.com/office/powerpoint/2012/main" xmlns:mc="http://schemas.openxmlformats.org/markup-compatibility/2006" type="objOnly" preserve="1">
+  <p:cSld name="Centered Text">
+    <p:spTree>
+      <p:nvGrpSpPr>
+        <p:cNvPr id="1" name=""/>
+        <p:cNvGrpSpPr/>
+        <p:nvPr/>
+      </p:nvGrpSpPr>
+      <p:grpSpPr>
+        <a:xfrm>
+          <a:off x="0" y="0"/>
+          <a:ext cx="0" cy="0"/>
+          <a:chOff x="0" y="0"/>
+          <a:chExt cx="0" cy="0"/>
+        </a:xfrm>
+      </p:grpSpPr>
+      <p:sp>
+        <p:nvSpPr>
+          <p:cNvPr id="92" name="PlaceHolder 1"/>
+          <p:cNvSpPr>
+            <a:spLocks noGrp="1"/>
+          </p:cNvSpPr>
+          <p:nvPr>
+            <p:ph type="subTitle"/>
+          </p:nvPr>
+        </p:nvSpPr>
+        <p:spPr>
+          <a:xfrm>
+            <a:off x="504000" y="301320"/>
+            <a:ext cx="9071280" cy="5846760"/>
+          </a:xfrm>
+          <a:prstGeom prst="rect">
+            <a:avLst/>
+          </a:prstGeom>
+        </p:spPr>
+        <p:txBody>
+          <a:bodyPr lIns="0" rIns="0" tIns="0" bIns="0" anchor="ctr"/>
+          <a:p>
+            <a:pPr algn="ctr"/>
+            <a:endParaRPr b="0" lang="es-ES" sz="3200" spc="-1" strike="noStrike">
+              <a:latin typeface="Arial"/>
+            </a:endParaRPr>
+          </a:p>
+        </p:txBody>
+      </p:sp>
+    </p:spTree>
+  </p:cSld>
+</p:sldLayout>
+</file>
+
+<file path=ppt/slideLayouts/slideLayout31.xml><?xml version="1.0" encoding="utf-8"?>
+<p:sldLayout xmlns:a="http://schemas.openxmlformats.org/drawingml/2006/main" xmlns:p="http://schemas.openxmlformats.org/presentationml/2006/main" xmlns:r="http://schemas.openxmlformats.org/officeDocument/2006/relationships" xmlns:p14="http://schemas.microsoft.com/office/powerpoint/2010/main" xmlns:p15="http://schemas.microsoft.com/office/powerpoint/2012/main" xmlns:mc="http://schemas.openxmlformats.org/markup-compatibility/2006" type="twoObjAndObj" preserve="1">
+  <p:cSld name="Title, 2 Content and Content">
+    <p:spTree>
+      <p:nvGrpSpPr>
+        <p:cNvPr id="1" name=""/>
+        <p:cNvGrpSpPr/>
+        <p:nvPr/>
+      </p:nvGrpSpPr>
+      <p:grpSpPr>
+        <a:xfrm>
+          <a:off x="0" y="0"/>
+          <a:ext cx="0" cy="0"/>
+          <a:chOff x="0" y="0"/>
+          <a:chExt cx="0" cy="0"/>
+        </a:xfrm>
+      </p:grpSpPr>
+      <p:sp>
+        <p:nvSpPr>
+          <p:cNvPr id="93" name="PlaceHolder 1"/>
+          <p:cNvSpPr>
+            <a:spLocks noGrp="1"/>
+          </p:cNvSpPr>
+          <p:nvPr>
+            <p:ph type="title"/>
+          </p:nvPr>
+        </p:nvSpPr>
+        <p:spPr>
+          <a:xfrm>
+            <a:off x="504000" y="301320"/>
+            <a:ext cx="9071280" cy="1261080"/>
+          </a:xfrm>
+          <a:prstGeom prst="rect">
+            <a:avLst/>
+          </a:prstGeom>
+        </p:spPr>
+        <p:txBody>
+          <a:bodyPr lIns="0" rIns="0" tIns="0" bIns="0" anchor="ctr"/>
+          <a:p>
+            <a:pPr algn="ctr"/>
+            <a:endParaRPr b="0" lang="es-ES" sz="4400" spc="-1" strike="noStrike">
+              <a:latin typeface="Arial"/>
+            </a:endParaRPr>
+          </a:p>
+        </p:txBody>
+      </p:sp>
+      <p:sp>
+        <p:nvSpPr>
+          <p:cNvPr id="94" name="PlaceHolder 2"/>
+          <p:cNvSpPr>
+            <a:spLocks noGrp="1"/>
+          </p:cNvSpPr>
+          <p:nvPr>
+            <p:ph type="body"/>
+          </p:nvPr>
+        </p:nvSpPr>
+        <p:spPr>
+          <a:xfrm>
+            <a:off x="504000" y="1768680"/>
+            <a:ext cx="4426920" cy="2090880"/>
+          </a:xfrm>
+          <a:prstGeom prst="rect">
+            <a:avLst/>
+          </a:prstGeom>
+        </p:spPr>
+        <p:txBody>
+          <a:bodyPr lIns="0" rIns="0" tIns="0" bIns="0">
+            <a:normAutofit/>
+          </a:bodyPr>
+          <a:p>
+            <a:endParaRPr b="0" lang="es-ES" sz="3200" spc="-1" strike="noStrike">
+              <a:latin typeface="Arial"/>
+            </a:endParaRPr>
+          </a:p>
+        </p:txBody>
+      </p:sp>
+      <p:sp>
+        <p:nvSpPr>
+          <p:cNvPr id="95" name="PlaceHolder 3"/>
+          <p:cNvSpPr>
+            <a:spLocks noGrp="1"/>
+          </p:cNvSpPr>
+          <p:nvPr>
+            <p:ph type="body"/>
+          </p:nvPr>
+        </p:nvSpPr>
+        <p:spPr>
+          <a:xfrm>
+            <a:off x="5152680" y="1768680"/>
+            <a:ext cx="4426920" cy="4383720"/>
+          </a:xfrm>
+          <a:prstGeom prst="rect">
+            <a:avLst/>
+          </a:prstGeom>
+        </p:spPr>
+        <p:txBody>
+          <a:bodyPr lIns="0" rIns="0" tIns="0" bIns="0">
+            <a:normAutofit/>
+          </a:bodyPr>
+          <a:p>
+            <a:endParaRPr b="0" lang="es-ES" sz="3200" spc="-1" strike="noStrike">
+              <a:latin typeface="Arial"/>
+            </a:endParaRPr>
+          </a:p>
+        </p:txBody>
+      </p:sp>
+      <p:sp>
+        <p:nvSpPr>
+          <p:cNvPr id="96" name="PlaceHolder 4"/>
+          <p:cNvSpPr>
+            <a:spLocks noGrp="1"/>
+          </p:cNvSpPr>
+          <p:nvPr>
+            <p:ph type="body"/>
+          </p:nvPr>
+        </p:nvSpPr>
+        <p:spPr>
+          <a:xfrm>
+            <a:off x="504000" y="4058640"/>
+            <a:ext cx="4426920" cy="2090880"/>
+          </a:xfrm>
+          <a:prstGeom prst="rect">
+            <a:avLst/>
+          </a:prstGeom>
+        </p:spPr>
+        <p:txBody>
+          <a:bodyPr lIns="0" rIns="0" tIns="0" bIns="0">
+            <a:normAutofit/>
+          </a:bodyPr>
+          <a:p>
+            <a:endParaRPr b="0" lang="es-ES" sz="3200" spc="-1" strike="noStrike">
+              <a:latin typeface="Arial"/>
+            </a:endParaRPr>
+          </a:p>
+        </p:txBody>
+      </p:sp>
+    </p:spTree>
+  </p:cSld>
+</p:sldLayout>
+</file>
+
+<file path=ppt/slideLayouts/slideLayout32.xml><?xml version="1.0" encoding="utf-8"?>
+<p:sldLayout xmlns:a="http://schemas.openxmlformats.org/drawingml/2006/main" xmlns:p="http://schemas.openxmlformats.org/presentationml/2006/main" xmlns:r="http://schemas.openxmlformats.org/officeDocument/2006/relationships" xmlns:p14="http://schemas.microsoft.com/office/powerpoint/2010/main" xmlns:p15="http://schemas.microsoft.com/office/powerpoint/2012/main" xmlns:mc="http://schemas.openxmlformats.org/markup-compatibility/2006" type="objAndTwoObj" preserve="1">
+  <p:cSld name="Title Content and 2 Content">
+    <p:spTree>
+      <p:nvGrpSpPr>
+        <p:cNvPr id="1" name=""/>
+        <p:cNvGrpSpPr/>
+        <p:nvPr/>
+      </p:nvGrpSpPr>
+      <p:grpSpPr>
+        <a:xfrm>
+          <a:off x="0" y="0"/>
+          <a:ext cx="0" cy="0"/>
+          <a:chOff x="0" y="0"/>
+          <a:chExt cx="0" cy="0"/>
+        </a:xfrm>
+      </p:grpSpPr>
+      <p:sp>
+        <p:nvSpPr>
+          <p:cNvPr id="97" name="PlaceHolder 1"/>
+          <p:cNvSpPr>
+            <a:spLocks noGrp="1"/>
+          </p:cNvSpPr>
+          <p:nvPr>
+            <p:ph type="title"/>
+          </p:nvPr>
+        </p:nvSpPr>
+        <p:spPr>
+          <a:xfrm>
+            <a:off x="504000" y="301320"/>
+            <a:ext cx="9071280" cy="1261080"/>
+          </a:xfrm>
+          <a:prstGeom prst="rect">
+            <a:avLst/>
+          </a:prstGeom>
+        </p:spPr>
+        <p:txBody>
+          <a:bodyPr lIns="0" rIns="0" tIns="0" bIns="0" anchor="ctr"/>
+          <a:p>
+            <a:pPr algn="ctr"/>
+            <a:endParaRPr b="0" lang="es-ES" sz="4400" spc="-1" strike="noStrike">
+              <a:latin typeface="Arial"/>
+            </a:endParaRPr>
+          </a:p>
+        </p:txBody>
+      </p:sp>
+      <p:sp>
+        <p:nvSpPr>
+          <p:cNvPr id="98" name="PlaceHolder 2"/>
+          <p:cNvSpPr>
+            <a:spLocks noGrp="1"/>
+          </p:cNvSpPr>
+          <p:nvPr>
+            <p:ph type="body"/>
+          </p:nvPr>
+        </p:nvSpPr>
+        <p:spPr>
+          <a:xfrm>
+            <a:off x="504000" y="1768680"/>
+            <a:ext cx="4426920" cy="4383720"/>
+          </a:xfrm>
+          <a:prstGeom prst="rect">
+            <a:avLst/>
+          </a:prstGeom>
+        </p:spPr>
+        <p:txBody>
+          <a:bodyPr lIns="0" rIns="0" tIns="0" bIns="0">
+            <a:normAutofit/>
+          </a:bodyPr>
+          <a:p>
+            <a:endParaRPr b="0" lang="es-ES" sz="3200" spc="-1" strike="noStrike">
+              <a:latin typeface="Arial"/>
+            </a:endParaRPr>
+          </a:p>
+        </p:txBody>
+      </p:sp>
+      <p:sp>
+        <p:nvSpPr>
+          <p:cNvPr id="99" name="PlaceHolder 3"/>
+          <p:cNvSpPr>
+            <a:spLocks noGrp="1"/>
+          </p:cNvSpPr>
+          <p:nvPr>
+            <p:ph type="body"/>
+          </p:nvPr>
+        </p:nvSpPr>
+        <p:spPr>
+          <a:xfrm>
+            <a:off x="5152680" y="1768680"/>
+            <a:ext cx="4426920" cy="2090880"/>
+          </a:xfrm>
+          <a:prstGeom prst="rect">
+            <a:avLst/>
+          </a:prstGeom>
+        </p:spPr>
+        <p:txBody>
+          <a:bodyPr lIns="0" rIns="0" tIns="0" bIns="0">
+            <a:normAutofit/>
+          </a:bodyPr>
+          <a:p>
+            <a:endParaRPr b="0" lang="es-ES" sz="3200" spc="-1" strike="noStrike">
+              <a:latin typeface="Arial"/>
+            </a:endParaRPr>
+          </a:p>
+        </p:txBody>
+      </p:sp>
+      <p:sp>
+        <p:nvSpPr>
+          <p:cNvPr id="100" name="PlaceHolder 4"/>
+          <p:cNvSpPr>
+            <a:spLocks noGrp="1"/>
+          </p:cNvSpPr>
+          <p:nvPr>
+            <p:ph type="body"/>
+          </p:nvPr>
+        </p:nvSpPr>
+        <p:spPr>
+          <a:xfrm>
+            <a:off x="5152680" y="4058640"/>
+            <a:ext cx="4426920" cy="2090880"/>
+          </a:xfrm>
+          <a:prstGeom prst="rect">
+            <a:avLst/>
+          </a:prstGeom>
+        </p:spPr>
+        <p:txBody>
+          <a:bodyPr lIns="0" rIns="0" tIns="0" bIns="0">
+            <a:normAutofit/>
+          </a:bodyPr>
+          <a:p>
+            <a:endParaRPr b="0" lang="es-ES" sz="3200" spc="-1" strike="noStrike">
+              <a:latin typeface="Arial"/>
+            </a:endParaRPr>
+          </a:p>
+        </p:txBody>
+      </p:sp>
+    </p:spTree>
+  </p:cSld>
+</p:sldLayout>
+</file>
+
+<file path=ppt/slideLayouts/slideLayout33.xml><?xml version="1.0" encoding="utf-8"?>
+<p:sldLayout xmlns:a="http://schemas.openxmlformats.org/drawingml/2006/main" xmlns:p="http://schemas.openxmlformats.org/presentationml/2006/main" xmlns:r="http://schemas.openxmlformats.org/officeDocument/2006/relationships" xmlns:p14="http://schemas.microsoft.com/office/powerpoint/2010/main" xmlns:p15="http://schemas.microsoft.com/office/powerpoint/2012/main" xmlns:mc="http://schemas.openxmlformats.org/markup-compatibility/2006" type="twoObjOverTx" preserve="1">
+  <p:cSld name="Title, 2 Content over Content">
+    <p:spTree>
+      <p:nvGrpSpPr>
+        <p:cNvPr id="1" name=""/>
+        <p:cNvGrpSpPr/>
+        <p:nvPr/>
+      </p:nvGrpSpPr>
+      <p:grpSpPr>
+        <a:xfrm>
+          <a:off x="0" y="0"/>
+          <a:ext cx="0" cy="0"/>
+          <a:chOff x="0" y="0"/>
+          <a:chExt cx="0" cy="0"/>
+        </a:xfrm>
+      </p:grpSpPr>
+      <p:sp>
+        <p:nvSpPr>
+          <p:cNvPr id="101" name="PlaceHolder 1"/>
+          <p:cNvSpPr>
+            <a:spLocks noGrp="1"/>
+          </p:cNvSpPr>
+          <p:nvPr>
+            <p:ph type="title"/>
+          </p:nvPr>
+        </p:nvSpPr>
+        <p:spPr>
+          <a:xfrm>
+            <a:off x="504000" y="301320"/>
+            <a:ext cx="9071280" cy="1261080"/>
+          </a:xfrm>
+          <a:prstGeom prst="rect">
+            <a:avLst/>
+          </a:prstGeom>
+        </p:spPr>
+        <p:txBody>
+          <a:bodyPr lIns="0" rIns="0" tIns="0" bIns="0" anchor="ctr"/>
+          <a:p>
+            <a:pPr algn="ctr"/>
+            <a:endParaRPr b="0" lang="es-ES" sz="4400" spc="-1" strike="noStrike">
+              <a:latin typeface="Arial"/>
+            </a:endParaRPr>
+          </a:p>
+        </p:txBody>
+      </p:sp>
+      <p:sp>
+        <p:nvSpPr>
+          <p:cNvPr id="102" name="PlaceHolder 2"/>
+          <p:cNvSpPr>
+            <a:spLocks noGrp="1"/>
+          </p:cNvSpPr>
+          <p:nvPr>
+            <p:ph type="body"/>
+          </p:nvPr>
+        </p:nvSpPr>
+        <p:spPr>
+          <a:xfrm>
+            <a:off x="504000" y="1768680"/>
+            <a:ext cx="4426920" cy="2090880"/>
+          </a:xfrm>
+          <a:prstGeom prst="rect">
+            <a:avLst/>
+          </a:prstGeom>
+        </p:spPr>
+        <p:txBody>
+          <a:bodyPr lIns="0" rIns="0" tIns="0" bIns="0">
+            <a:normAutofit/>
+          </a:bodyPr>
+          <a:p>
+            <a:endParaRPr b="0" lang="es-ES" sz="3200" spc="-1" strike="noStrike">
+              <a:latin typeface="Arial"/>
+            </a:endParaRPr>
+          </a:p>
+        </p:txBody>
+      </p:sp>
+      <p:sp>
+        <p:nvSpPr>
+          <p:cNvPr id="103" name="PlaceHolder 3"/>
+          <p:cNvSpPr>
+            <a:spLocks noGrp="1"/>
+          </p:cNvSpPr>
+          <p:nvPr>
+            <p:ph type="body"/>
+          </p:nvPr>
+        </p:nvSpPr>
+        <p:spPr>
+          <a:xfrm>
+            <a:off x="5152680" y="1768680"/>
+            <a:ext cx="4426920" cy="2090880"/>
+          </a:xfrm>
+          <a:prstGeom prst="rect">
+            <a:avLst/>
+          </a:prstGeom>
+        </p:spPr>
+        <p:txBody>
+          <a:bodyPr lIns="0" rIns="0" tIns="0" bIns="0">
+            <a:normAutofit/>
+          </a:bodyPr>
+          <a:p>
+            <a:endParaRPr b="0" lang="es-ES" sz="3200" spc="-1" strike="noStrike">
+              <a:latin typeface="Arial"/>
+            </a:endParaRPr>
+          </a:p>
+        </p:txBody>
+      </p:sp>
+      <p:sp>
+        <p:nvSpPr>
+          <p:cNvPr id="104" name="PlaceHolder 4"/>
+          <p:cNvSpPr>
+            <a:spLocks noGrp="1"/>
+          </p:cNvSpPr>
+          <p:nvPr>
+            <p:ph type="body"/>
+          </p:nvPr>
+        </p:nvSpPr>
+        <p:spPr>
+          <a:xfrm>
+            <a:off x="504000" y="4058640"/>
+            <a:ext cx="9071640" cy="2090880"/>
+          </a:xfrm>
+          <a:prstGeom prst="rect">
+            <a:avLst/>
+          </a:prstGeom>
+        </p:spPr>
+        <p:txBody>
+          <a:bodyPr lIns="0" rIns="0" tIns="0" bIns="0">
+            <a:normAutofit/>
+          </a:bodyPr>
+          <a:p>
+            <a:endParaRPr b="0" lang="es-ES" sz="3200" spc="-1" strike="noStrike">
+              <a:latin typeface="Arial"/>
+            </a:endParaRPr>
+          </a:p>
+        </p:txBody>
+      </p:sp>
+    </p:spTree>
+  </p:cSld>
+</p:sldLayout>
+</file>
+
+<file path=ppt/slideLayouts/slideLayout34.xml><?xml version="1.0" encoding="utf-8"?>
+<p:sldLayout xmlns:a="http://schemas.openxmlformats.org/drawingml/2006/main" xmlns:p="http://schemas.openxmlformats.org/presentationml/2006/main" xmlns:r="http://schemas.openxmlformats.org/officeDocument/2006/relationships" xmlns:p14="http://schemas.microsoft.com/office/powerpoint/2010/main" xmlns:p15="http://schemas.microsoft.com/office/powerpoint/2012/main" xmlns:mc="http://schemas.openxmlformats.org/markup-compatibility/2006" type="objOverTx" preserve="1">
+  <p:cSld name="Title, Content over Content">
+    <p:spTree>
+      <p:nvGrpSpPr>
+        <p:cNvPr id="1" name=""/>
+        <p:cNvGrpSpPr/>
+        <p:nvPr/>
+      </p:nvGrpSpPr>
+      <p:grpSpPr>
+        <a:xfrm>
+          <a:off x="0" y="0"/>
+          <a:ext cx="0" cy="0"/>
+          <a:chOff x="0" y="0"/>
+          <a:chExt cx="0" cy="0"/>
+        </a:xfrm>
+      </p:grpSpPr>
+      <p:sp>
+        <p:nvSpPr>
+          <p:cNvPr id="105" name="PlaceHolder 1"/>
+          <p:cNvSpPr>
+            <a:spLocks noGrp="1"/>
+          </p:cNvSpPr>
+          <p:nvPr>
+            <p:ph type="title"/>
+          </p:nvPr>
+        </p:nvSpPr>
+        <p:spPr>
+          <a:xfrm>
+            <a:off x="504000" y="301320"/>
+            <a:ext cx="9071280" cy="1261080"/>
+          </a:xfrm>
+          <a:prstGeom prst="rect">
+            <a:avLst/>
+          </a:prstGeom>
+        </p:spPr>
+        <p:txBody>
+          <a:bodyPr lIns="0" rIns="0" tIns="0" bIns="0" anchor="ctr"/>
+          <a:p>
+            <a:pPr algn="ctr"/>
+            <a:endParaRPr b="0" lang="es-ES" sz="4400" spc="-1" strike="noStrike">
+              <a:latin typeface="Arial"/>
+            </a:endParaRPr>
+          </a:p>
+        </p:txBody>
+      </p:sp>
+      <p:sp>
+        <p:nvSpPr>
+          <p:cNvPr id="106" name="PlaceHolder 2"/>
+          <p:cNvSpPr>
+            <a:spLocks noGrp="1"/>
+          </p:cNvSpPr>
+          <p:nvPr>
+            <p:ph type="body"/>
+          </p:nvPr>
+        </p:nvSpPr>
+        <p:spPr>
+          <a:xfrm>
+            <a:off x="504000" y="1768680"/>
+            <a:ext cx="9071640" cy="2090880"/>
+          </a:xfrm>
+          <a:prstGeom prst="rect">
+            <a:avLst/>
+          </a:prstGeom>
+        </p:spPr>
+        <p:txBody>
+          <a:bodyPr lIns="0" rIns="0" tIns="0" bIns="0">
+            <a:normAutofit/>
+          </a:bodyPr>
+          <a:p>
+            <a:endParaRPr b="0" lang="es-ES" sz="3200" spc="-1" strike="noStrike">
+              <a:latin typeface="Arial"/>
+            </a:endParaRPr>
+          </a:p>
+        </p:txBody>
+      </p:sp>
+      <p:sp>
+        <p:nvSpPr>
+          <p:cNvPr id="107" name="PlaceHolder 3"/>
+          <p:cNvSpPr>
+            <a:spLocks noGrp="1"/>
+          </p:cNvSpPr>
+          <p:nvPr>
+            <p:ph type="body"/>
+          </p:nvPr>
+        </p:nvSpPr>
+        <p:spPr>
+          <a:xfrm>
+            <a:off x="504000" y="4058640"/>
+            <a:ext cx="9071640" cy="2090880"/>
+          </a:xfrm>
+          <a:prstGeom prst="rect">
+            <a:avLst/>
+          </a:prstGeom>
+        </p:spPr>
+        <p:txBody>
+          <a:bodyPr lIns="0" rIns="0" tIns="0" bIns="0">
+            <a:normAutofit/>
+          </a:bodyPr>
+          <a:p>
+            <a:endParaRPr b="0" lang="es-ES" sz="3200" spc="-1" strike="noStrike">
+              <a:latin typeface="Arial"/>
+            </a:endParaRPr>
+          </a:p>
+        </p:txBody>
+      </p:sp>
+    </p:spTree>
+  </p:cSld>
+</p:sldLayout>
+</file>
+
+<file path=ppt/slideLayouts/slideLayout35.xml><?xml version="1.0" encoding="utf-8"?>
+<p:sldLayout xmlns:a="http://schemas.openxmlformats.org/drawingml/2006/main" xmlns:p="http://schemas.openxmlformats.org/presentationml/2006/main" xmlns:r="http://schemas.openxmlformats.org/officeDocument/2006/relationships" xmlns:p14="http://schemas.microsoft.com/office/powerpoint/2010/main" xmlns:p15="http://schemas.microsoft.com/office/powerpoint/2012/main" xmlns:mc="http://schemas.openxmlformats.org/markup-compatibility/2006" type="fourObj" preserve="1">
+  <p:cSld name="Title, 4 Content">
+    <p:spTree>
+      <p:nvGrpSpPr>
+        <p:cNvPr id="1" name=""/>
+        <p:cNvGrpSpPr/>
+        <p:nvPr/>
+      </p:nvGrpSpPr>
+      <p:grpSpPr>
+        <a:xfrm>
+          <a:off x="0" y="0"/>
+          <a:ext cx="0" cy="0"/>
+          <a:chOff x="0" y="0"/>
+          <a:chExt cx="0" cy="0"/>
+        </a:xfrm>
+      </p:grpSpPr>
+      <p:sp>
+        <p:nvSpPr>
+          <p:cNvPr id="108" name="PlaceHolder 1"/>
+          <p:cNvSpPr>
+            <a:spLocks noGrp="1"/>
+          </p:cNvSpPr>
+          <p:nvPr>
+            <p:ph type="title"/>
+          </p:nvPr>
+        </p:nvSpPr>
+        <p:spPr>
+          <a:xfrm>
+            <a:off x="504000" y="301320"/>
+            <a:ext cx="9071280" cy="1261080"/>
+          </a:xfrm>
+          <a:prstGeom prst="rect">
+            <a:avLst/>
+          </a:prstGeom>
+        </p:spPr>
+        <p:txBody>
+          <a:bodyPr lIns="0" rIns="0" tIns="0" bIns="0" anchor="ctr"/>
+          <a:p>
+            <a:pPr algn="ctr"/>
+            <a:endParaRPr b="0" lang="es-ES" sz="4400" spc="-1" strike="noStrike">
+              <a:latin typeface="Arial"/>
+            </a:endParaRPr>
+          </a:p>
+        </p:txBody>
+      </p:sp>
+      <p:sp>
+        <p:nvSpPr>
+          <p:cNvPr id="109" name="PlaceHolder 2"/>
+          <p:cNvSpPr>
+            <a:spLocks noGrp="1"/>
+          </p:cNvSpPr>
+          <p:nvPr>
+            <p:ph type="body"/>
+          </p:nvPr>
+        </p:nvSpPr>
+        <p:spPr>
+          <a:xfrm>
+            <a:off x="504000" y="1768680"/>
+            <a:ext cx="4426920" cy="2090880"/>
+          </a:xfrm>
+          <a:prstGeom prst="rect">
+            <a:avLst/>
+          </a:prstGeom>
+        </p:spPr>
+        <p:txBody>
+          <a:bodyPr lIns="0" rIns="0" tIns="0" bIns="0">
+            <a:normAutofit/>
+          </a:bodyPr>
+          <a:p>
+            <a:endParaRPr b="0" lang="es-ES" sz="3200" spc="-1" strike="noStrike">
+              <a:latin typeface="Arial"/>
+            </a:endParaRPr>
+          </a:p>
+        </p:txBody>
+      </p:sp>
+      <p:sp>
+        <p:nvSpPr>
+          <p:cNvPr id="110" name="PlaceHolder 3"/>
+          <p:cNvSpPr>
+            <a:spLocks noGrp="1"/>
+          </p:cNvSpPr>
+          <p:nvPr>
+            <p:ph type="body"/>
+          </p:nvPr>
+        </p:nvSpPr>
+        <p:spPr>
+          <a:xfrm>
+            <a:off x="5152680" y="1768680"/>
+            <a:ext cx="4426920" cy="2090880"/>
+          </a:xfrm>
+          <a:prstGeom prst="rect">
+            <a:avLst/>
+          </a:prstGeom>
+        </p:spPr>
+        <p:txBody>
+          <a:bodyPr lIns="0" rIns="0" tIns="0" bIns="0">
+            <a:normAutofit/>
+          </a:bodyPr>
+          <a:p>
+            <a:endParaRPr b="0" lang="es-ES" sz="3200" spc="-1" strike="noStrike">
+              <a:latin typeface="Arial"/>
+            </a:endParaRPr>
+          </a:p>
+        </p:txBody>
+      </p:sp>
+      <p:sp>
+        <p:nvSpPr>
+          <p:cNvPr id="111" name="PlaceHolder 4"/>
+          <p:cNvSpPr>
+            <a:spLocks noGrp="1"/>
+          </p:cNvSpPr>
+          <p:nvPr>
+            <p:ph type="body"/>
+          </p:nvPr>
+        </p:nvSpPr>
+        <p:spPr>
+          <a:xfrm>
+            <a:off x="504000" y="4058640"/>
+            <a:ext cx="4426920" cy="2090880"/>
+          </a:xfrm>
+          <a:prstGeom prst="rect">
+            <a:avLst/>
+          </a:prstGeom>
+        </p:spPr>
+        <p:txBody>
+          <a:bodyPr lIns="0" rIns="0" tIns="0" bIns="0">
+            <a:normAutofit/>
+          </a:bodyPr>
+          <a:p>
+            <a:endParaRPr b="0" lang="es-ES" sz="3200" spc="-1" strike="noStrike">
+              <a:latin typeface="Arial"/>
+            </a:endParaRPr>
+          </a:p>
+        </p:txBody>
+      </p:sp>
+      <p:sp>
+        <p:nvSpPr>
+          <p:cNvPr id="112" name="PlaceHolder 5"/>
+          <p:cNvSpPr>
+            <a:spLocks noGrp="1"/>
+          </p:cNvSpPr>
+          <p:nvPr>
+            <p:ph type="body"/>
+          </p:nvPr>
+        </p:nvSpPr>
+        <p:spPr>
+          <a:xfrm>
+            <a:off x="5152680" y="4058640"/>
+            <a:ext cx="4426920" cy="2090880"/>
+          </a:xfrm>
+          <a:prstGeom prst="rect">
+            <a:avLst/>
+          </a:prstGeom>
+        </p:spPr>
+        <p:txBody>
+          <a:bodyPr lIns="0" rIns="0" tIns="0" bIns="0">
+            <a:normAutofit/>
+          </a:bodyPr>
+          <a:p>
+            <a:endParaRPr b="0" lang="es-ES" sz="3200" spc="-1" strike="noStrike">
+              <a:latin typeface="Arial"/>
+            </a:endParaRPr>
+          </a:p>
+        </p:txBody>
+      </p:sp>
+    </p:spTree>
+  </p:cSld>
+</p:sldLayout>
+</file>
+
+<file path=ppt/slideLayouts/slideLayout36.xml><?xml version="1.0" encoding="utf-8"?>
+<p:sldLayout xmlns:a="http://schemas.openxmlformats.org/drawingml/2006/main" xmlns:p="http://schemas.openxmlformats.org/presentationml/2006/main" xmlns:r="http://schemas.openxmlformats.org/officeDocument/2006/relationships" xmlns:p14="http://schemas.microsoft.com/office/powerpoint/2010/main" xmlns:p15="http://schemas.microsoft.com/office/powerpoint/2012/main" xmlns:mc="http://schemas.openxmlformats.org/markup-compatibility/2006" type="blank" preserve="1">
+  <p:cSld name="Title, 6 Content">
+    <p:spTree>
+      <p:nvGrpSpPr>
+        <p:cNvPr id="1" name=""/>
+        <p:cNvGrpSpPr/>
+        <p:nvPr/>
+      </p:nvGrpSpPr>
+      <p:grpSpPr>
+        <a:xfrm>
+          <a:off x="0" y="0"/>
+          <a:ext cx="0" cy="0"/>
+          <a:chOff x="0" y="0"/>
+          <a:chExt cx="0" cy="0"/>
+        </a:xfrm>
+      </p:grpSpPr>
+      <p:sp>
+        <p:nvSpPr>
+          <p:cNvPr id="113" name="PlaceHolder 1"/>
+          <p:cNvSpPr>
+            <a:spLocks noGrp="1"/>
+          </p:cNvSpPr>
+          <p:nvPr>
+            <p:ph type="title"/>
+          </p:nvPr>
+        </p:nvSpPr>
+        <p:spPr>
+          <a:xfrm>
+            <a:off x="504000" y="301320"/>
+            <a:ext cx="9071280" cy="1261080"/>
+          </a:xfrm>
+          <a:prstGeom prst="rect">
+            <a:avLst/>
+          </a:prstGeom>
+        </p:spPr>
+        <p:txBody>
+          <a:bodyPr lIns="0" rIns="0" tIns="0" bIns="0" anchor="ctr"/>
+          <a:p>
+            <a:pPr algn="ctr"/>
+            <a:endParaRPr b="0" lang="es-ES" sz="4400" spc="-1" strike="noStrike">
+              <a:latin typeface="Arial"/>
+            </a:endParaRPr>
+          </a:p>
+        </p:txBody>
+      </p:sp>
+      <p:sp>
+        <p:nvSpPr>
+          <p:cNvPr id="114" name="PlaceHolder 2"/>
+          <p:cNvSpPr>
+            <a:spLocks noGrp="1"/>
+          </p:cNvSpPr>
+          <p:nvPr>
+            <p:ph type="body"/>
+          </p:nvPr>
+        </p:nvSpPr>
+        <p:spPr>
+          <a:xfrm>
+            <a:off x="504000" y="1768680"/>
+            <a:ext cx="2920680" cy="2090880"/>
+          </a:xfrm>
+          <a:prstGeom prst="rect">
+            <a:avLst/>
+          </a:prstGeom>
+        </p:spPr>
+        <p:txBody>
+          <a:bodyPr lIns="0" rIns="0" tIns="0" bIns="0">
+            <a:normAutofit/>
+          </a:bodyPr>
+          <a:p>
+            <a:endParaRPr b="0" lang="es-ES" sz="3200" spc="-1" strike="noStrike">
+              <a:latin typeface="Arial"/>
+            </a:endParaRPr>
+          </a:p>
+        </p:txBody>
+      </p:sp>
+      <p:sp>
+        <p:nvSpPr>
+          <p:cNvPr id="115" name="PlaceHolder 3"/>
+          <p:cNvSpPr>
+            <a:spLocks noGrp="1"/>
+          </p:cNvSpPr>
+          <p:nvPr>
+            <p:ph type="body"/>
+          </p:nvPr>
+        </p:nvSpPr>
+        <p:spPr>
+          <a:xfrm>
+            <a:off x="3571200" y="1768680"/>
+            <a:ext cx="2920680" cy="2090880"/>
+          </a:xfrm>
+          <a:prstGeom prst="rect">
+            <a:avLst/>
+          </a:prstGeom>
+        </p:spPr>
+        <p:txBody>
+          <a:bodyPr lIns="0" rIns="0" tIns="0" bIns="0">
+            <a:normAutofit/>
+          </a:bodyPr>
+          <a:p>
+            <a:endParaRPr b="0" lang="es-ES" sz="3200" spc="-1" strike="noStrike">
+              <a:latin typeface="Arial"/>
+            </a:endParaRPr>
+          </a:p>
+        </p:txBody>
+      </p:sp>
+      <p:sp>
+        <p:nvSpPr>
+          <p:cNvPr id="116" name="PlaceHolder 4"/>
+          <p:cNvSpPr>
+            <a:spLocks noGrp="1"/>
+          </p:cNvSpPr>
+          <p:nvPr>
+            <p:ph type="body"/>
+          </p:nvPr>
+        </p:nvSpPr>
+        <p:spPr>
+          <a:xfrm>
+            <a:off x="6638040" y="1768680"/>
+            <a:ext cx="2920680" cy="2090880"/>
+          </a:xfrm>
+          <a:prstGeom prst="rect">
+            <a:avLst/>
+          </a:prstGeom>
+        </p:spPr>
+        <p:txBody>
+          <a:bodyPr lIns="0" rIns="0" tIns="0" bIns="0">
+            <a:normAutofit/>
+          </a:bodyPr>
+          <a:p>
+            <a:endParaRPr b="0" lang="es-ES" sz="3200" spc="-1" strike="noStrike">
+              <a:latin typeface="Arial"/>
+            </a:endParaRPr>
+          </a:p>
+        </p:txBody>
+      </p:sp>
+      <p:sp>
+        <p:nvSpPr>
+          <p:cNvPr id="117" name="PlaceHolder 5"/>
+          <p:cNvSpPr>
+            <a:spLocks noGrp="1"/>
+          </p:cNvSpPr>
+          <p:nvPr>
+            <p:ph type="body"/>
+          </p:nvPr>
+        </p:nvSpPr>
+        <p:spPr>
+          <a:xfrm>
+            <a:off x="504000" y="4058640"/>
+            <a:ext cx="2920680" cy="2090880"/>
+          </a:xfrm>
+          <a:prstGeom prst="rect">
+            <a:avLst/>
+          </a:prstGeom>
+        </p:spPr>
+        <p:txBody>
+          <a:bodyPr lIns="0" rIns="0" tIns="0" bIns="0">
+            <a:normAutofit/>
+          </a:bodyPr>
+          <a:p>
+            <a:endParaRPr b="0" lang="es-ES" sz="3200" spc="-1" strike="noStrike">
+              <a:latin typeface="Arial"/>
+            </a:endParaRPr>
+          </a:p>
+        </p:txBody>
+      </p:sp>
+      <p:sp>
+        <p:nvSpPr>
+          <p:cNvPr id="118" name="PlaceHolder 6"/>
+          <p:cNvSpPr>
+            <a:spLocks noGrp="1"/>
+          </p:cNvSpPr>
+          <p:nvPr>
+            <p:ph type="body"/>
+          </p:nvPr>
+        </p:nvSpPr>
+        <p:spPr>
+          <a:xfrm>
+            <a:off x="3571200" y="4058640"/>
+            <a:ext cx="2920680" cy="2090880"/>
+          </a:xfrm>
+          <a:prstGeom prst="rect">
+            <a:avLst/>
+          </a:prstGeom>
+        </p:spPr>
+        <p:txBody>
+          <a:bodyPr lIns="0" rIns="0" tIns="0" bIns="0">
+            <a:normAutofit/>
+          </a:bodyPr>
+          <a:p>
+            <a:endParaRPr b="0" lang="es-ES" sz="3200" spc="-1" strike="noStrike">
+              <a:latin typeface="Arial"/>
+            </a:endParaRPr>
+          </a:p>
+        </p:txBody>
+      </p:sp>
+      <p:sp>
+        <p:nvSpPr>
+          <p:cNvPr id="119" name="PlaceHolder 7"/>
+          <p:cNvSpPr>
+            <a:spLocks noGrp="1"/>
+          </p:cNvSpPr>
+          <p:nvPr>
+            <p:ph type="body"/>
+          </p:nvPr>
+        </p:nvSpPr>
+        <p:spPr>
+          <a:xfrm>
+            <a:off x="6638040" y="4058640"/>
+            <a:ext cx="2920680" cy="2090880"/>
+          </a:xfrm>
+          <a:prstGeom prst="rect">
+            <a:avLst/>
+          </a:prstGeom>
+        </p:spPr>
+        <p:txBody>
+          <a:bodyPr lIns="0" rIns="0" tIns="0" bIns="0">
+            <a:normAutofit/>
+          </a:bodyPr>
+          <a:p>
+            <a:endParaRPr b="0" lang="es-ES" sz="3200" spc="-1" strike="noStrike">
+              <a:latin typeface="Arial"/>
+            </a:endParaRPr>
+          </a:p>
+        </p:txBody>
+      </p:sp>
+    </p:spTree>
+  </p:cSld>
+</p:sldLayout>
+</file>
+
+<file path=ppt/slideLayouts/slideLayout37.xml><?xml version="1.0" encoding="utf-8"?>
+<p:sldLayout xmlns:a="http://schemas.openxmlformats.org/drawingml/2006/main" xmlns:p="http://schemas.openxmlformats.org/presentationml/2006/main" xmlns:r="http://schemas.openxmlformats.org/officeDocument/2006/relationships" xmlns:p14="http://schemas.microsoft.com/office/powerpoint/2010/main" xmlns:p15="http://schemas.microsoft.com/office/powerpoint/2012/main" xmlns:mc="http://schemas.openxmlformats.org/markup-compatibility/2006" type="blank" preserve="1">
+  <p:cSld name="Blank Slide">
+    <p:spTree>
+      <p:nvGrpSpPr>
+        <p:cNvPr id="1" name=""/>
+        <p:cNvGrpSpPr/>
+        <p:nvPr/>
+      </p:nvGrpSpPr>
+      <p:grpSpPr>
+        <a:xfrm>
+          <a:off x="0" y="0"/>
+          <a:ext cx="0" cy="0"/>
+          <a:chOff x="0" y="0"/>
+          <a:chExt cx="0" cy="0"/>
+        </a:xfrm>
+      </p:grpSpPr>
+    </p:spTree>
+  </p:cSld>
+</p:sldLayout>
+</file>
+
+<file path=ppt/slideLayouts/slideLayout38.xml><?xml version="1.0" encoding="utf-8"?>
+<p:sldLayout xmlns:a="http://schemas.openxmlformats.org/drawingml/2006/main" xmlns:p="http://schemas.openxmlformats.org/presentationml/2006/main" xmlns:r="http://schemas.openxmlformats.org/officeDocument/2006/relationships" xmlns:p14="http://schemas.microsoft.com/office/powerpoint/2010/main" xmlns:p15="http://schemas.microsoft.com/office/powerpoint/2012/main" xmlns:mc="http://schemas.openxmlformats.org/markup-compatibility/2006" type="tx" preserve="1">
+  <p:cSld name="Title Slide">
+    <p:spTree>
+      <p:nvGrpSpPr>
+        <p:cNvPr id="1" name=""/>
+        <p:cNvGrpSpPr/>
+        <p:nvPr/>
+      </p:nvGrpSpPr>
+      <p:grpSpPr>
+        <a:xfrm>
+          <a:off x="0" y="0"/>
+          <a:ext cx="0" cy="0"/>
+          <a:chOff x="0" y="0"/>
+          <a:chExt cx="0" cy="0"/>
+        </a:xfrm>
+      </p:grpSpPr>
+      <p:sp>
+        <p:nvSpPr>
+          <p:cNvPr id="124" name="PlaceHolder 1"/>
+          <p:cNvSpPr>
+            <a:spLocks noGrp="1"/>
+          </p:cNvSpPr>
+          <p:nvPr>
+            <p:ph type="title"/>
+          </p:nvPr>
+        </p:nvSpPr>
+        <p:spPr>
+          <a:xfrm>
+            <a:off x="504000" y="301320"/>
+            <a:ext cx="9071280" cy="1261080"/>
+          </a:xfrm>
+          <a:prstGeom prst="rect">
+            <a:avLst/>
+          </a:prstGeom>
+        </p:spPr>
+        <p:txBody>
+          <a:bodyPr lIns="0" rIns="0" tIns="0" bIns="0" anchor="ctr"/>
+          <a:p>
+            <a:pPr algn="ctr"/>
+            <a:endParaRPr b="0" lang="es-ES" sz="4400" spc="-1" strike="noStrike">
+              <a:latin typeface="Arial"/>
+            </a:endParaRPr>
+          </a:p>
+        </p:txBody>
+      </p:sp>
+      <p:sp>
+        <p:nvSpPr>
+          <p:cNvPr id="125" name="PlaceHolder 2"/>
+          <p:cNvSpPr>
+            <a:spLocks noGrp="1"/>
+          </p:cNvSpPr>
+          <p:nvPr>
+            <p:ph type="subTitle"/>
+          </p:nvPr>
+        </p:nvSpPr>
+        <p:spPr>
+          <a:xfrm>
+            <a:off x="504000" y="1768680"/>
+            <a:ext cx="9071640" cy="4383720"/>
+          </a:xfrm>
+          <a:prstGeom prst="rect">
+            <a:avLst/>
+          </a:prstGeom>
+        </p:spPr>
+        <p:txBody>
+          <a:bodyPr lIns="0" rIns="0" tIns="0" bIns="0" anchor="ctr"/>
+          <a:p>
+            <a:pPr algn="ctr"/>
+            <a:endParaRPr b="0" lang="es-ES" sz="3200" spc="-1" strike="noStrike">
+              <a:latin typeface="Arial"/>
+            </a:endParaRPr>
+          </a:p>
+        </p:txBody>
+      </p:sp>
+    </p:spTree>
+  </p:cSld>
+</p:sldLayout>
+</file>
+
+<file path=ppt/slideLayouts/slideLayout39.xml><?xml version="1.0" encoding="utf-8"?>
+<p:sldLayout xmlns:a="http://schemas.openxmlformats.org/drawingml/2006/main" xmlns:p="http://schemas.openxmlformats.org/presentationml/2006/main" xmlns:r="http://schemas.openxmlformats.org/officeDocument/2006/relationships" xmlns:p14="http://schemas.microsoft.com/office/powerpoint/2010/main" xmlns:p15="http://schemas.microsoft.com/office/powerpoint/2012/main" xmlns:mc="http://schemas.openxmlformats.org/markup-compatibility/2006" type="obj" preserve="1">
+  <p:cSld name="Title, Content">
+    <p:spTree>
+      <p:nvGrpSpPr>
+        <p:cNvPr id="1" name=""/>
+        <p:cNvGrpSpPr/>
+        <p:nvPr/>
+      </p:nvGrpSpPr>
+      <p:grpSpPr>
+        <a:xfrm>
+          <a:off x="0" y="0"/>
+          <a:ext cx="0" cy="0"/>
+          <a:chOff x="0" y="0"/>
+          <a:chExt cx="0" cy="0"/>
+        </a:xfrm>
+      </p:grpSpPr>
+      <p:sp>
+        <p:nvSpPr>
+          <p:cNvPr id="126" name="PlaceHolder 1"/>
+          <p:cNvSpPr>
+            <a:spLocks noGrp="1"/>
+          </p:cNvSpPr>
+          <p:nvPr>
+            <p:ph type="title"/>
+          </p:nvPr>
+        </p:nvSpPr>
+        <p:spPr>
+          <a:xfrm>
+            <a:off x="504000" y="301320"/>
+            <a:ext cx="9071280" cy="1261080"/>
+          </a:xfrm>
+          <a:prstGeom prst="rect">
+            <a:avLst/>
+          </a:prstGeom>
+        </p:spPr>
+        <p:txBody>
+          <a:bodyPr lIns="0" rIns="0" tIns="0" bIns="0" anchor="ctr"/>
+          <a:p>
+            <a:pPr algn="ctr"/>
+            <a:endParaRPr b="0" lang="es-ES" sz="4400" spc="-1" strike="noStrike">
+              <a:latin typeface="Arial"/>
+            </a:endParaRPr>
+          </a:p>
+        </p:txBody>
+      </p:sp>
+      <p:sp>
+        <p:nvSpPr>
+          <p:cNvPr id="127" name="PlaceHolder 2"/>
+          <p:cNvSpPr>
+            <a:spLocks noGrp="1"/>
+          </p:cNvSpPr>
+          <p:nvPr>
+            <p:ph type="body"/>
+          </p:nvPr>
+        </p:nvSpPr>
+        <p:spPr>
+          <a:xfrm>
+            <a:off x="504000" y="1768680"/>
+            <a:ext cx="9071640" cy="4383720"/>
           </a:xfrm>
           <a:prstGeom prst="rect">
             <a:avLst/>
@@ -746,7 +3596,7 @@
         <p:spPr>
           <a:xfrm>
             <a:off x="504000" y="301320"/>
-            <a:ext cx="9072000" cy="1261800"/>
+            <a:ext cx="9071280" cy="1261080"/>
           </a:xfrm>
           <a:prstGeom prst="rect">
             <a:avLst/>
@@ -775,7 +3625,7 @@
         <p:spPr>
           <a:xfrm>
             <a:off x="504000" y="1768680"/>
-            <a:ext cx="4426920" cy="4384080"/>
+            <a:ext cx="4426920" cy="4383720"/>
           </a:xfrm>
           <a:prstGeom prst="rect">
             <a:avLst/>
@@ -805,7 +3655,1156 @@
         <p:spPr>
           <a:xfrm>
             <a:off x="5152680" y="1768680"/>
-            <a:ext cx="4426920" cy="4384080"/>
+            <a:ext cx="4426920" cy="4383720"/>
+          </a:xfrm>
+          <a:prstGeom prst="rect">
+            <a:avLst/>
+          </a:prstGeom>
+        </p:spPr>
+        <p:txBody>
+          <a:bodyPr lIns="0" rIns="0" tIns="0" bIns="0">
+            <a:normAutofit/>
+          </a:bodyPr>
+          <a:p>
+            <a:endParaRPr b="0" lang="es-ES" sz="3200" spc="-1" strike="noStrike">
+              <a:latin typeface="Arial"/>
+            </a:endParaRPr>
+          </a:p>
+        </p:txBody>
+      </p:sp>
+    </p:spTree>
+  </p:cSld>
+</p:sldLayout>
+</file>
+
+<file path=ppt/slideLayouts/slideLayout40.xml><?xml version="1.0" encoding="utf-8"?>
+<p:sldLayout xmlns:a="http://schemas.openxmlformats.org/drawingml/2006/main" xmlns:p="http://schemas.openxmlformats.org/presentationml/2006/main" xmlns:r="http://schemas.openxmlformats.org/officeDocument/2006/relationships" xmlns:p14="http://schemas.microsoft.com/office/powerpoint/2010/main" xmlns:p15="http://schemas.microsoft.com/office/powerpoint/2012/main" xmlns:mc="http://schemas.openxmlformats.org/markup-compatibility/2006" type="twoObj" preserve="1">
+  <p:cSld name="Title, 2 Content">
+    <p:spTree>
+      <p:nvGrpSpPr>
+        <p:cNvPr id="1" name=""/>
+        <p:cNvGrpSpPr/>
+        <p:nvPr/>
+      </p:nvGrpSpPr>
+      <p:grpSpPr>
+        <a:xfrm>
+          <a:off x="0" y="0"/>
+          <a:ext cx="0" cy="0"/>
+          <a:chOff x="0" y="0"/>
+          <a:chExt cx="0" cy="0"/>
+        </a:xfrm>
+      </p:grpSpPr>
+      <p:sp>
+        <p:nvSpPr>
+          <p:cNvPr id="128" name="PlaceHolder 1"/>
+          <p:cNvSpPr>
+            <a:spLocks noGrp="1"/>
+          </p:cNvSpPr>
+          <p:nvPr>
+            <p:ph type="title"/>
+          </p:nvPr>
+        </p:nvSpPr>
+        <p:spPr>
+          <a:xfrm>
+            <a:off x="504000" y="301320"/>
+            <a:ext cx="9071280" cy="1261080"/>
+          </a:xfrm>
+          <a:prstGeom prst="rect">
+            <a:avLst/>
+          </a:prstGeom>
+        </p:spPr>
+        <p:txBody>
+          <a:bodyPr lIns="0" rIns="0" tIns="0" bIns="0" anchor="ctr"/>
+          <a:p>
+            <a:pPr algn="ctr"/>
+            <a:endParaRPr b="0" lang="es-ES" sz="4400" spc="-1" strike="noStrike">
+              <a:latin typeface="Arial"/>
+            </a:endParaRPr>
+          </a:p>
+        </p:txBody>
+      </p:sp>
+      <p:sp>
+        <p:nvSpPr>
+          <p:cNvPr id="129" name="PlaceHolder 2"/>
+          <p:cNvSpPr>
+            <a:spLocks noGrp="1"/>
+          </p:cNvSpPr>
+          <p:nvPr>
+            <p:ph type="body"/>
+          </p:nvPr>
+        </p:nvSpPr>
+        <p:spPr>
+          <a:xfrm>
+            <a:off x="504000" y="1768680"/>
+            <a:ext cx="4426920" cy="4383720"/>
+          </a:xfrm>
+          <a:prstGeom prst="rect">
+            <a:avLst/>
+          </a:prstGeom>
+        </p:spPr>
+        <p:txBody>
+          <a:bodyPr lIns="0" rIns="0" tIns="0" bIns="0">
+            <a:normAutofit/>
+          </a:bodyPr>
+          <a:p>
+            <a:endParaRPr b="0" lang="es-ES" sz="3200" spc="-1" strike="noStrike">
+              <a:latin typeface="Arial"/>
+            </a:endParaRPr>
+          </a:p>
+        </p:txBody>
+      </p:sp>
+      <p:sp>
+        <p:nvSpPr>
+          <p:cNvPr id="130" name="PlaceHolder 3"/>
+          <p:cNvSpPr>
+            <a:spLocks noGrp="1"/>
+          </p:cNvSpPr>
+          <p:nvPr>
+            <p:ph type="body"/>
+          </p:nvPr>
+        </p:nvSpPr>
+        <p:spPr>
+          <a:xfrm>
+            <a:off x="5152680" y="1768680"/>
+            <a:ext cx="4426920" cy="4383720"/>
+          </a:xfrm>
+          <a:prstGeom prst="rect">
+            <a:avLst/>
+          </a:prstGeom>
+        </p:spPr>
+        <p:txBody>
+          <a:bodyPr lIns="0" rIns="0" tIns="0" bIns="0">
+            <a:normAutofit/>
+          </a:bodyPr>
+          <a:p>
+            <a:endParaRPr b="0" lang="es-ES" sz="3200" spc="-1" strike="noStrike">
+              <a:latin typeface="Arial"/>
+            </a:endParaRPr>
+          </a:p>
+        </p:txBody>
+      </p:sp>
+    </p:spTree>
+  </p:cSld>
+</p:sldLayout>
+</file>
+
+<file path=ppt/slideLayouts/slideLayout41.xml><?xml version="1.0" encoding="utf-8"?>
+<p:sldLayout xmlns:a="http://schemas.openxmlformats.org/drawingml/2006/main" xmlns:p="http://schemas.openxmlformats.org/presentationml/2006/main" xmlns:r="http://schemas.openxmlformats.org/officeDocument/2006/relationships" xmlns:p14="http://schemas.microsoft.com/office/powerpoint/2010/main" xmlns:p15="http://schemas.microsoft.com/office/powerpoint/2012/main" xmlns:mc="http://schemas.openxmlformats.org/markup-compatibility/2006" type="titleOnly" preserve="1">
+  <p:cSld name="Title Only">
+    <p:spTree>
+      <p:nvGrpSpPr>
+        <p:cNvPr id="1" name=""/>
+        <p:cNvGrpSpPr/>
+        <p:nvPr/>
+      </p:nvGrpSpPr>
+      <p:grpSpPr>
+        <a:xfrm>
+          <a:off x="0" y="0"/>
+          <a:ext cx="0" cy="0"/>
+          <a:chOff x="0" y="0"/>
+          <a:chExt cx="0" cy="0"/>
+        </a:xfrm>
+      </p:grpSpPr>
+      <p:sp>
+        <p:nvSpPr>
+          <p:cNvPr id="131" name="PlaceHolder 1"/>
+          <p:cNvSpPr>
+            <a:spLocks noGrp="1"/>
+          </p:cNvSpPr>
+          <p:nvPr>
+            <p:ph type="title"/>
+          </p:nvPr>
+        </p:nvSpPr>
+        <p:spPr>
+          <a:xfrm>
+            <a:off x="504000" y="301320"/>
+            <a:ext cx="9071280" cy="1261080"/>
+          </a:xfrm>
+          <a:prstGeom prst="rect">
+            <a:avLst/>
+          </a:prstGeom>
+        </p:spPr>
+        <p:txBody>
+          <a:bodyPr lIns="0" rIns="0" tIns="0" bIns="0" anchor="ctr"/>
+          <a:p>
+            <a:pPr algn="ctr"/>
+            <a:endParaRPr b="0" lang="es-ES" sz="4400" spc="-1" strike="noStrike">
+              <a:latin typeface="Arial"/>
+            </a:endParaRPr>
+          </a:p>
+        </p:txBody>
+      </p:sp>
+    </p:spTree>
+  </p:cSld>
+</p:sldLayout>
+</file>
+
+<file path=ppt/slideLayouts/slideLayout42.xml><?xml version="1.0" encoding="utf-8"?>
+<p:sldLayout xmlns:a="http://schemas.openxmlformats.org/drawingml/2006/main" xmlns:p="http://schemas.openxmlformats.org/presentationml/2006/main" xmlns:r="http://schemas.openxmlformats.org/officeDocument/2006/relationships" xmlns:p14="http://schemas.microsoft.com/office/powerpoint/2010/main" xmlns:p15="http://schemas.microsoft.com/office/powerpoint/2012/main" xmlns:mc="http://schemas.openxmlformats.org/markup-compatibility/2006" type="objOnly" preserve="1">
+  <p:cSld name="Centered Text">
+    <p:spTree>
+      <p:nvGrpSpPr>
+        <p:cNvPr id="1" name=""/>
+        <p:cNvGrpSpPr/>
+        <p:nvPr/>
+      </p:nvGrpSpPr>
+      <p:grpSpPr>
+        <a:xfrm>
+          <a:off x="0" y="0"/>
+          <a:ext cx="0" cy="0"/>
+          <a:chOff x="0" y="0"/>
+          <a:chExt cx="0" cy="0"/>
+        </a:xfrm>
+      </p:grpSpPr>
+      <p:sp>
+        <p:nvSpPr>
+          <p:cNvPr id="132" name="PlaceHolder 1"/>
+          <p:cNvSpPr>
+            <a:spLocks noGrp="1"/>
+          </p:cNvSpPr>
+          <p:nvPr>
+            <p:ph type="subTitle"/>
+          </p:nvPr>
+        </p:nvSpPr>
+        <p:spPr>
+          <a:xfrm>
+            <a:off x="504000" y="301320"/>
+            <a:ext cx="9071280" cy="5846760"/>
+          </a:xfrm>
+          <a:prstGeom prst="rect">
+            <a:avLst/>
+          </a:prstGeom>
+        </p:spPr>
+        <p:txBody>
+          <a:bodyPr lIns="0" rIns="0" tIns="0" bIns="0" anchor="ctr"/>
+          <a:p>
+            <a:pPr algn="ctr"/>
+            <a:endParaRPr b="0" lang="es-ES" sz="3200" spc="-1" strike="noStrike">
+              <a:latin typeface="Arial"/>
+            </a:endParaRPr>
+          </a:p>
+        </p:txBody>
+      </p:sp>
+    </p:spTree>
+  </p:cSld>
+</p:sldLayout>
+</file>
+
+<file path=ppt/slideLayouts/slideLayout43.xml><?xml version="1.0" encoding="utf-8"?>
+<p:sldLayout xmlns:a="http://schemas.openxmlformats.org/drawingml/2006/main" xmlns:p="http://schemas.openxmlformats.org/presentationml/2006/main" xmlns:r="http://schemas.openxmlformats.org/officeDocument/2006/relationships" xmlns:p14="http://schemas.microsoft.com/office/powerpoint/2010/main" xmlns:p15="http://schemas.microsoft.com/office/powerpoint/2012/main" xmlns:mc="http://schemas.openxmlformats.org/markup-compatibility/2006" type="twoObjAndObj" preserve="1">
+  <p:cSld name="Title, 2 Content and Content">
+    <p:spTree>
+      <p:nvGrpSpPr>
+        <p:cNvPr id="1" name=""/>
+        <p:cNvGrpSpPr/>
+        <p:nvPr/>
+      </p:nvGrpSpPr>
+      <p:grpSpPr>
+        <a:xfrm>
+          <a:off x="0" y="0"/>
+          <a:ext cx="0" cy="0"/>
+          <a:chOff x="0" y="0"/>
+          <a:chExt cx="0" cy="0"/>
+        </a:xfrm>
+      </p:grpSpPr>
+      <p:sp>
+        <p:nvSpPr>
+          <p:cNvPr id="133" name="PlaceHolder 1"/>
+          <p:cNvSpPr>
+            <a:spLocks noGrp="1"/>
+          </p:cNvSpPr>
+          <p:nvPr>
+            <p:ph type="title"/>
+          </p:nvPr>
+        </p:nvSpPr>
+        <p:spPr>
+          <a:xfrm>
+            <a:off x="504000" y="301320"/>
+            <a:ext cx="9071280" cy="1261080"/>
+          </a:xfrm>
+          <a:prstGeom prst="rect">
+            <a:avLst/>
+          </a:prstGeom>
+        </p:spPr>
+        <p:txBody>
+          <a:bodyPr lIns="0" rIns="0" tIns="0" bIns="0" anchor="ctr"/>
+          <a:p>
+            <a:pPr algn="ctr"/>
+            <a:endParaRPr b="0" lang="es-ES" sz="4400" spc="-1" strike="noStrike">
+              <a:latin typeface="Arial"/>
+            </a:endParaRPr>
+          </a:p>
+        </p:txBody>
+      </p:sp>
+      <p:sp>
+        <p:nvSpPr>
+          <p:cNvPr id="134" name="PlaceHolder 2"/>
+          <p:cNvSpPr>
+            <a:spLocks noGrp="1"/>
+          </p:cNvSpPr>
+          <p:nvPr>
+            <p:ph type="body"/>
+          </p:nvPr>
+        </p:nvSpPr>
+        <p:spPr>
+          <a:xfrm>
+            <a:off x="504000" y="1768680"/>
+            <a:ext cx="4426920" cy="2090880"/>
+          </a:xfrm>
+          <a:prstGeom prst="rect">
+            <a:avLst/>
+          </a:prstGeom>
+        </p:spPr>
+        <p:txBody>
+          <a:bodyPr lIns="0" rIns="0" tIns="0" bIns="0">
+            <a:normAutofit/>
+          </a:bodyPr>
+          <a:p>
+            <a:endParaRPr b="0" lang="es-ES" sz="3200" spc="-1" strike="noStrike">
+              <a:latin typeface="Arial"/>
+            </a:endParaRPr>
+          </a:p>
+        </p:txBody>
+      </p:sp>
+      <p:sp>
+        <p:nvSpPr>
+          <p:cNvPr id="135" name="PlaceHolder 3"/>
+          <p:cNvSpPr>
+            <a:spLocks noGrp="1"/>
+          </p:cNvSpPr>
+          <p:nvPr>
+            <p:ph type="body"/>
+          </p:nvPr>
+        </p:nvSpPr>
+        <p:spPr>
+          <a:xfrm>
+            <a:off x="5152680" y="1768680"/>
+            <a:ext cx="4426920" cy="4383720"/>
+          </a:xfrm>
+          <a:prstGeom prst="rect">
+            <a:avLst/>
+          </a:prstGeom>
+        </p:spPr>
+        <p:txBody>
+          <a:bodyPr lIns="0" rIns="0" tIns="0" bIns="0">
+            <a:normAutofit/>
+          </a:bodyPr>
+          <a:p>
+            <a:endParaRPr b="0" lang="es-ES" sz="3200" spc="-1" strike="noStrike">
+              <a:latin typeface="Arial"/>
+            </a:endParaRPr>
+          </a:p>
+        </p:txBody>
+      </p:sp>
+      <p:sp>
+        <p:nvSpPr>
+          <p:cNvPr id="136" name="PlaceHolder 4"/>
+          <p:cNvSpPr>
+            <a:spLocks noGrp="1"/>
+          </p:cNvSpPr>
+          <p:nvPr>
+            <p:ph type="body"/>
+          </p:nvPr>
+        </p:nvSpPr>
+        <p:spPr>
+          <a:xfrm>
+            <a:off x="504000" y="4058640"/>
+            <a:ext cx="4426920" cy="2090880"/>
+          </a:xfrm>
+          <a:prstGeom prst="rect">
+            <a:avLst/>
+          </a:prstGeom>
+        </p:spPr>
+        <p:txBody>
+          <a:bodyPr lIns="0" rIns="0" tIns="0" bIns="0">
+            <a:normAutofit/>
+          </a:bodyPr>
+          <a:p>
+            <a:endParaRPr b="0" lang="es-ES" sz="3200" spc="-1" strike="noStrike">
+              <a:latin typeface="Arial"/>
+            </a:endParaRPr>
+          </a:p>
+        </p:txBody>
+      </p:sp>
+    </p:spTree>
+  </p:cSld>
+</p:sldLayout>
+</file>
+
+<file path=ppt/slideLayouts/slideLayout44.xml><?xml version="1.0" encoding="utf-8"?>
+<p:sldLayout xmlns:a="http://schemas.openxmlformats.org/drawingml/2006/main" xmlns:p="http://schemas.openxmlformats.org/presentationml/2006/main" xmlns:r="http://schemas.openxmlformats.org/officeDocument/2006/relationships" xmlns:p14="http://schemas.microsoft.com/office/powerpoint/2010/main" xmlns:p15="http://schemas.microsoft.com/office/powerpoint/2012/main" xmlns:mc="http://schemas.openxmlformats.org/markup-compatibility/2006" type="objAndTwoObj" preserve="1">
+  <p:cSld name="Title Content and 2 Content">
+    <p:spTree>
+      <p:nvGrpSpPr>
+        <p:cNvPr id="1" name=""/>
+        <p:cNvGrpSpPr/>
+        <p:nvPr/>
+      </p:nvGrpSpPr>
+      <p:grpSpPr>
+        <a:xfrm>
+          <a:off x="0" y="0"/>
+          <a:ext cx="0" cy="0"/>
+          <a:chOff x="0" y="0"/>
+          <a:chExt cx="0" cy="0"/>
+        </a:xfrm>
+      </p:grpSpPr>
+      <p:sp>
+        <p:nvSpPr>
+          <p:cNvPr id="137" name="PlaceHolder 1"/>
+          <p:cNvSpPr>
+            <a:spLocks noGrp="1"/>
+          </p:cNvSpPr>
+          <p:nvPr>
+            <p:ph type="title"/>
+          </p:nvPr>
+        </p:nvSpPr>
+        <p:spPr>
+          <a:xfrm>
+            <a:off x="504000" y="301320"/>
+            <a:ext cx="9071280" cy="1261080"/>
+          </a:xfrm>
+          <a:prstGeom prst="rect">
+            <a:avLst/>
+          </a:prstGeom>
+        </p:spPr>
+        <p:txBody>
+          <a:bodyPr lIns="0" rIns="0" tIns="0" bIns="0" anchor="ctr"/>
+          <a:p>
+            <a:pPr algn="ctr"/>
+            <a:endParaRPr b="0" lang="es-ES" sz="4400" spc="-1" strike="noStrike">
+              <a:latin typeface="Arial"/>
+            </a:endParaRPr>
+          </a:p>
+        </p:txBody>
+      </p:sp>
+      <p:sp>
+        <p:nvSpPr>
+          <p:cNvPr id="138" name="PlaceHolder 2"/>
+          <p:cNvSpPr>
+            <a:spLocks noGrp="1"/>
+          </p:cNvSpPr>
+          <p:nvPr>
+            <p:ph type="body"/>
+          </p:nvPr>
+        </p:nvSpPr>
+        <p:spPr>
+          <a:xfrm>
+            <a:off x="504000" y="1768680"/>
+            <a:ext cx="4426920" cy="4383720"/>
+          </a:xfrm>
+          <a:prstGeom prst="rect">
+            <a:avLst/>
+          </a:prstGeom>
+        </p:spPr>
+        <p:txBody>
+          <a:bodyPr lIns="0" rIns="0" tIns="0" bIns="0">
+            <a:normAutofit/>
+          </a:bodyPr>
+          <a:p>
+            <a:endParaRPr b="0" lang="es-ES" sz="3200" spc="-1" strike="noStrike">
+              <a:latin typeface="Arial"/>
+            </a:endParaRPr>
+          </a:p>
+        </p:txBody>
+      </p:sp>
+      <p:sp>
+        <p:nvSpPr>
+          <p:cNvPr id="139" name="PlaceHolder 3"/>
+          <p:cNvSpPr>
+            <a:spLocks noGrp="1"/>
+          </p:cNvSpPr>
+          <p:nvPr>
+            <p:ph type="body"/>
+          </p:nvPr>
+        </p:nvSpPr>
+        <p:spPr>
+          <a:xfrm>
+            <a:off x="5152680" y="1768680"/>
+            <a:ext cx="4426920" cy="2090880"/>
+          </a:xfrm>
+          <a:prstGeom prst="rect">
+            <a:avLst/>
+          </a:prstGeom>
+        </p:spPr>
+        <p:txBody>
+          <a:bodyPr lIns="0" rIns="0" tIns="0" bIns="0">
+            <a:normAutofit/>
+          </a:bodyPr>
+          <a:p>
+            <a:endParaRPr b="0" lang="es-ES" sz="3200" spc="-1" strike="noStrike">
+              <a:latin typeface="Arial"/>
+            </a:endParaRPr>
+          </a:p>
+        </p:txBody>
+      </p:sp>
+      <p:sp>
+        <p:nvSpPr>
+          <p:cNvPr id="140" name="PlaceHolder 4"/>
+          <p:cNvSpPr>
+            <a:spLocks noGrp="1"/>
+          </p:cNvSpPr>
+          <p:nvPr>
+            <p:ph type="body"/>
+          </p:nvPr>
+        </p:nvSpPr>
+        <p:spPr>
+          <a:xfrm>
+            <a:off x="5152680" y="4058640"/>
+            <a:ext cx="4426920" cy="2090880"/>
+          </a:xfrm>
+          <a:prstGeom prst="rect">
+            <a:avLst/>
+          </a:prstGeom>
+        </p:spPr>
+        <p:txBody>
+          <a:bodyPr lIns="0" rIns="0" tIns="0" bIns="0">
+            <a:normAutofit/>
+          </a:bodyPr>
+          <a:p>
+            <a:endParaRPr b="0" lang="es-ES" sz="3200" spc="-1" strike="noStrike">
+              <a:latin typeface="Arial"/>
+            </a:endParaRPr>
+          </a:p>
+        </p:txBody>
+      </p:sp>
+    </p:spTree>
+  </p:cSld>
+</p:sldLayout>
+</file>
+
+<file path=ppt/slideLayouts/slideLayout45.xml><?xml version="1.0" encoding="utf-8"?>
+<p:sldLayout xmlns:a="http://schemas.openxmlformats.org/drawingml/2006/main" xmlns:p="http://schemas.openxmlformats.org/presentationml/2006/main" xmlns:r="http://schemas.openxmlformats.org/officeDocument/2006/relationships" xmlns:p14="http://schemas.microsoft.com/office/powerpoint/2010/main" xmlns:p15="http://schemas.microsoft.com/office/powerpoint/2012/main" xmlns:mc="http://schemas.openxmlformats.org/markup-compatibility/2006" type="twoObjOverTx" preserve="1">
+  <p:cSld name="Title, 2 Content over Content">
+    <p:spTree>
+      <p:nvGrpSpPr>
+        <p:cNvPr id="1" name=""/>
+        <p:cNvGrpSpPr/>
+        <p:nvPr/>
+      </p:nvGrpSpPr>
+      <p:grpSpPr>
+        <a:xfrm>
+          <a:off x="0" y="0"/>
+          <a:ext cx="0" cy="0"/>
+          <a:chOff x="0" y="0"/>
+          <a:chExt cx="0" cy="0"/>
+        </a:xfrm>
+      </p:grpSpPr>
+      <p:sp>
+        <p:nvSpPr>
+          <p:cNvPr id="141" name="PlaceHolder 1"/>
+          <p:cNvSpPr>
+            <a:spLocks noGrp="1"/>
+          </p:cNvSpPr>
+          <p:nvPr>
+            <p:ph type="title"/>
+          </p:nvPr>
+        </p:nvSpPr>
+        <p:spPr>
+          <a:xfrm>
+            <a:off x="504000" y="301320"/>
+            <a:ext cx="9071280" cy="1261080"/>
+          </a:xfrm>
+          <a:prstGeom prst="rect">
+            <a:avLst/>
+          </a:prstGeom>
+        </p:spPr>
+        <p:txBody>
+          <a:bodyPr lIns="0" rIns="0" tIns="0" bIns="0" anchor="ctr"/>
+          <a:p>
+            <a:pPr algn="ctr"/>
+            <a:endParaRPr b="0" lang="es-ES" sz="4400" spc="-1" strike="noStrike">
+              <a:latin typeface="Arial"/>
+            </a:endParaRPr>
+          </a:p>
+        </p:txBody>
+      </p:sp>
+      <p:sp>
+        <p:nvSpPr>
+          <p:cNvPr id="142" name="PlaceHolder 2"/>
+          <p:cNvSpPr>
+            <a:spLocks noGrp="1"/>
+          </p:cNvSpPr>
+          <p:nvPr>
+            <p:ph type="body"/>
+          </p:nvPr>
+        </p:nvSpPr>
+        <p:spPr>
+          <a:xfrm>
+            <a:off x="504000" y="1768680"/>
+            <a:ext cx="4426920" cy="2090880"/>
+          </a:xfrm>
+          <a:prstGeom prst="rect">
+            <a:avLst/>
+          </a:prstGeom>
+        </p:spPr>
+        <p:txBody>
+          <a:bodyPr lIns="0" rIns="0" tIns="0" bIns="0">
+            <a:normAutofit/>
+          </a:bodyPr>
+          <a:p>
+            <a:endParaRPr b="0" lang="es-ES" sz="3200" spc="-1" strike="noStrike">
+              <a:latin typeface="Arial"/>
+            </a:endParaRPr>
+          </a:p>
+        </p:txBody>
+      </p:sp>
+      <p:sp>
+        <p:nvSpPr>
+          <p:cNvPr id="143" name="PlaceHolder 3"/>
+          <p:cNvSpPr>
+            <a:spLocks noGrp="1"/>
+          </p:cNvSpPr>
+          <p:nvPr>
+            <p:ph type="body"/>
+          </p:nvPr>
+        </p:nvSpPr>
+        <p:spPr>
+          <a:xfrm>
+            <a:off x="5152680" y="1768680"/>
+            <a:ext cx="4426920" cy="2090880"/>
+          </a:xfrm>
+          <a:prstGeom prst="rect">
+            <a:avLst/>
+          </a:prstGeom>
+        </p:spPr>
+        <p:txBody>
+          <a:bodyPr lIns="0" rIns="0" tIns="0" bIns="0">
+            <a:normAutofit/>
+          </a:bodyPr>
+          <a:p>
+            <a:endParaRPr b="0" lang="es-ES" sz="3200" spc="-1" strike="noStrike">
+              <a:latin typeface="Arial"/>
+            </a:endParaRPr>
+          </a:p>
+        </p:txBody>
+      </p:sp>
+      <p:sp>
+        <p:nvSpPr>
+          <p:cNvPr id="144" name="PlaceHolder 4"/>
+          <p:cNvSpPr>
+            <a:spLocks noGrp="1"/>
+          </p:cNvSpPr>
+          <p:nvPr>
+            <p:ph type="body"/>
+          </p:nvPr>
+        </p:nvSpPr>
+        <p:spPr>
+          <a:xfrm>
+            <a:off x="504000" y="4058640"/>
+            <a:ext cx="9071640" cy="2090880"/>
+          </a:xfrm>
+          <a:prstGeom prst="rect">
+            <a:avLst/>
+          </a:prstGeom>
+        </p:spPr>
+        <p:txBody>
+          <a:bodyPr lIns="0" rIns="0" tIns="0" bIns="0">
+            <a:normAutofit/>
+          </a:bodyPr>
+          <a:p>
+            <a:endParaRPr b="0" lang="es-ES" sz="3200" spc="-1" strike="noStrike">
+              <a:latin typeface="Arial"/>
+            </a:endParaRPr>
+          </a:p>
+        </p:txBody>
+      </p:sp>
+    </p:spTree>
+  </p:cSld>
+</p:sldLayout>
+</file>
+
+<file path=ppt/slideLayouts/slideLayout46.xml><?xml version="1.0" encoding="utf-8"?>
+<p:sldLayout xmlns:a="http://schemas.openxmlformats.org/drawingml/2006/main" xmlns:p="http://schemas.openxmlformats.org/presentationml/2006/main" xmlns:r="http://schemas.openxmlformats.org/officeDocument/2006/relationships" xmlns:p14="http://schemas.microsoft.com/office/powerpoint/2010/main" xmlns:p15="http://schemas.microsoft.com/office/powerpoint/2012/main" xmlns:mc="http://schemas.openxmlformats.org/markup-compatibility/2006" type="objOverTx" preserve="1">
+  <p:cSld name="Title, Content over Content">
+    <p:spTree>
+      <p:nvGrpSpPr>
+        <p:cNvPr id="1" name=""/>
+        <p:cNvGrpSpPr/>
+        <p:nvPr/>
+      </p:nvGrpSpPr>
+      <p:grpSpPr>
+        <a:xfrm>
+          <a:off x="0" y="0"/>
+          <a:ext cx="0" cy="0"/>
+          <a:chOff x="0" y="0"/>
+          <a:chExt cx="0" cy="0"/>
+        </a:xfrm>
+      </p:grpSpPr>
+      <p:sp>
+        <p:nvSpPr>
+          <p:cNvPr id="145" name="PlaceHolder 1"/>
+          <p:cNvSpPr>
+            <a:spLocks noGrp="1"/>
+          </p:cNvSpPr>
+          <p:nvPr>
+            <p:ph type="title"/>
+          </p:nvPr>
+        </p:nvSpPr>
+        <p:spPr>
+          <a:xfrm>
+            <a:off x="504000" y="301320"/>
+            <a:ext cx="9071280" cy="1261080"/>
+          </a:xfrm>
+          <a:prstGeom prst="rect">
+            <a:avLst/>
+          </a:prstGeom>
+        </p:spPr>
+        <p:txBody>
+          <a:bodyPr lIns="0" rIns="0" tIns="0" bIns="0" anchor="ctr"/>
+          <a:p>
+            <a:pPr algn="ctr"/>
+            <a:endParaRPr b="0" lang="es-ES" sz="4400" spc="-1" strike="noStrike">
+              <a:latin typeface="Arial"/>
+            </a:endParaRPr>
+          </a:p>
+        </p:txBody>
+      </p:sp>
+      <p:sp>
+        <p:nvSpPr>
+          <p:cNvPr id="146" name="PlaceHolder 2"/>
+          <p:cNvSpPr>
+            <a:spLocks noGrp="1"/>
+          </p:cNvSpPr>
+          <p:nvPr>
+            <p:ph type="body"/>
+          </p:nvPr>
+        </p:nvSpPr>
+        <p:spPr>
+          <a:xfrm>
+            <a:off x="504000" y="1768680"/>
+            <a:ext cx="9071640" cy="2090880"/>
+          </a:xfrm>
+          <a:prstGeom prst="rect">
+            <a:avLst/>
+          </a:prstGeom>
+        </p:spPr>
+        <p:txBody>
+          <a:bodyPr lIns="0" rIns="0" tIns="0" bIns="0">
+            <a:normAutofit/>
+          </a:bodyPr>
+          <a:p>
+            <a:endParaRPr b="0" lang="es-ES" sz="3200" spc="-1" strike="noStrike">
+              <a:latin typeface="Arial"/>
+            </a:endParaRPr>
+          </a:p>
+        </p:txBody>
+      </p:sp>
+      <p:sp>
+        <p:nvSpPr>
+          <p:cNvPr id="147" name="PlaceHolder 3"/>
+          <p:cNvSpPr>
+            <a:spLocks noGrp="1"/>
+          </p:cNvSpPr>
+          <p:nvPr>
+            <p:ph type="body"/>
+          </p:nvPr>
+        </p:nvSpPr>
+        <p:spPr>
+          <a:xfrm>
+            <a:off x="504000" y="4058640"/>
+            <a:ext cx="9071640" cy="2090880"/>
+          </a:xfrm>
+          <a:prstGeom prst="rect">
+            <a:avLst/>
+          </a:prstGeom>
+        </p:spPr>
+        <p:txBody>
+          <a:bodyPr lIns="0" rIns="0" tIns="0" bIns="0">
+            <a:normAutofit/>
+          </a:bodyPr>
+          <a:p>
+            <a:endParaRPr b="0" lang="es-ES" sz="3200" spc="-1" strike="noStrike">
+              <a:latin typeface="Arial"/>
+            </a:endParaRPr>
+          </a:p>
+        </p:txBody>
+      </p:sp>
+    </p:spTree>
+  </p:cSld>
+</p:sldLayout>
+</file>
+
+<file path=ppt/slideLayouts/slideLayout47.xml><?xml version="1.0" encoding="utf-8"?>
+<p:sldLayout xmlns:a="http://schemas.openxmlformats.org/drawingml/2006/main" xmlns:p="http://schemas.openxmlformats.org/presentationml/2006/main" xmlns:r="http://schemas.openxmlformats.org/officeDocument/2006/relationships" xmlns:p14="http://schemas.microsoft.com/office/powerpoint/2010/main" xmlns:p15="http://schemas.microsoft.com/office/powerpoint/2012/main" xmlns:mc="http://schemas.openxmlformats.org/markup-compatibility/2006" type="fourObj" preserve="1">
+  <p:cSld name="Title, 4 Content">
+    <p:spTree>
+      <p:nvGrpSpPr>
+        <p:cNvPr id="1" name=""/>
+        <p:cNvGrpSpPr/>
+        <p:nvPr/>
+      </p:nvGrpSpPr>
+      <p:grpSpPr>
+        <a:xfrm>
+          <a:off x="0" y="0"/>
+          <a:ext cx="0" cy="0"/>
+          <a:chOff x="0" y="0"/>
+          <a:chExt cx="0" cy="0"/>
+        </a:xfrm>
+      </p:grpSpPr>
+      <p:sp>
+        <p:nvSpPr>
+          <p:cNvPr id="148" name="PlaceHolder 1"/>
+          <p:cNvSpPr>
+            <a:spLocks noGrp="1"/>
+          </p:cNvSpPr>
+          <p:nvPr>
+            <p:ph type="title"/>
+          </p:nvPr>
+        </p:nvSpPr>
+        <p:spPr>
+          <a:xfrm>
+            <a:off x="504000" y="301320"/>
+            <a:ext cx="9071280" cy="1261080"/>
+          </a:xfrm>
+          <a:prstGeom prst="rect">
+            <a:avLst/>
+          </a:prstGeom>
+        </p:spPr>
+        <p:txBody>
+          <a:bodyPr lIns="0" rIns="0" tIns="0" bIns="0" anchor="ctr"/>
+          <a:p>
+            <a:pPr algn="ctr"/>
+            <a:endParaRPr b="0" lang="es-ES" sz="4400" spc="-1" strike="noStrike">
+              <a:latin typeface="Arial"/>
+            </a:endParaRPr>
+          </a:p>
+        </p:txBody>
+      </p:sp>
+      <p:sp>
+        <p:nvSpPr>
+          <p:cNvPr id="149" name="PlaceHolder 2"/>
+          <p:cNvSpPr>
+            <a:spLocks noGrp="1"/>
+          </p:cNvSpPr>
+          <p:nvPr>
+            <p:ph type="body"/>
+          </p:nvPr>
+        </p:nvSpPr>
+        <p:spPr>
+          <a:xfrm>
+            <a:off x="504000" y="1768680"/>
+            <a:ext cx="4426920" cy="2090880"/>
+          </a:xfrm>
+          <a:prstGeom prst="rect">
+            <a:avLst/>
+          </a:prstGeom>
+        </p:spPr>
+        <p:txBody>
+          <a:bodyPr lIns="0" rIns="0" tIns="0" bIns="0">
+            <a:normAutofit/>
+          </a:bodyPr>
+          <a:p>
+            <a:endParaRPr b="0" lang="es-ES" sz="3200" spc="-1" strike="noStrike">
+              <a:latin typeface="Arial"/>
+            </a:endParaRPr>
+          </a:p>
+        </p:txBody>
+      </p:sp>
+      <p:sp>
+        <p:nvSpPr>
+          <p:cNvPr id="150" name="PlaceHolder 3"/>
+          <p:cNvSpPr>
+            <a:spLocks noGrp="1"/>
+          </p:cNvSpPr>
+          <p:nvPr>
+            <p:ph type="body"/>
+          </p:nvPr>
+        </p:nvSpPr>
+        <p:spPr>
+          <a:xfrm>
+            <a:off x="5152680" y="1768680"/>
+            <a:ext cx="4426920" cy="2090880"/>
+          </a:xfrm>
+          <a:prstGeom prst="rect">
+            <a:avLst/>
+          </a:prstGeom>
+        </p:spPr>
+        <p:txBody>
+          <a:bodyPr lIns="0" rIns="0" tIns="0" bIns="0">
+            <a:normAutofit/>
+          </a:bodyPr>
+          <a:p>
+            <a:endParaRPr b="0" lang="es-ES" sz="3200" spc="-1" strike="noStrike">
+              <a:latin typeface="Arial"/>
+            </a:endParaRPr>
+          </a:p>
+        </p:txBody>
+      </p:sp>
+      <p:sp>
+        <p:nvSpPr>
+          <p:cNvPr id="151" name="PlaceHolder 4"/>
+          <p:cNvSpPr>
+            <a:spLocks noGrp="1"/>
+          </p:cNvSpPr>
+          <p:nvPr>
+            <p:ph type="body"/>
+          </p:nvPr>
+        </p:nvSpPr>
+        <p:spPr>
+          <a:xfrm>
+            <a:off x="504000" y="4058640"/>
+            <a:ext cx="4426920" cy="2090880"/>
+          </a:xfrm>
+          <a:prstGeom prst="rect">
+            <a:avLst/>
+          </a:prstGeom>
+        </p:spPr>
+        <p:txBody>
+          <a:bodyPr lIns="0" rIns="0" tIns="0" bIns="0">
+            <a:normAutofit/>
+          </a:bodyPr>
+          <a:p>
+            <a:endParaRPr b="0" lang="es-ES" sz="3200" spc="-1" strike="noStrike">
+              <a:latin typeface="Arial"/>
+            </a:endParaRPr>
+          </a:p>
+        </p:txBody>
+      </p:sp>
+      <p:sp>
+        <p:nvSpPr>
+          <p:cNvPr id="152" name="PlaceHolder 5"/>
+          <p:cNvSpPr>
+            <a:spLocks noGrp="1"/>
+          </p:cNvSpPr>
+          <p:nvPr>
+            <p:ph type="body"/>
+          </p:nvPr>
+        </p:nvSpPr>
+        <p:spPr>
+          <a:xfrm>
+            <a:off x="5152680" y="4058640"/>
+            <a:ext cx="4426920" cy="2090880"/>
+          </a:xfrm>
+          <a:prstGeom prst="rect">
+            <a:avLst/>
+          </a:prstGeom>
+        </p:spPr>
+        <p:txBody>
+          <a:bodyPr lIns="0" rIns="0" tIns="0" bIns="0">
+            <a:normAutofit/>
+          </a:bodyPr>
+          <a:p>
+            <a:endParaRPr b="0" lang="es-ES" sz="3200" spc="-1" strike="noStrike">
+              <a:latin typeface="Arial"/>
+            </a:endParaRPr>
+          </a:p>
+        </p:txBody>
+      </p:sp>
+    </p:spTree>
+  </p:cSld>
+</p:sldLayout>
+</file>
+
+<file path=ppt/slideLayouts/slideLayout48.xml><?xml version="1.0" encoding="utf-8"?>
+<p:sldLayout xmlns:a="http://schemas.openxmlformats.org/drawingml/2006/main" xmlns:p="http://schemas.openxmlformats.org/presentationml/2006/main" xmlns:r="http://schemas.openxmlformats.org/officeDocument/2006/relationships" xmlns:p14="http://schemas.microsoft.com/office/powerpoint/2010/main" xmlns:p15="http://schemas.microsoft.com/office/powerpoint/2012/main" xmlns:mc="http://schemas.openxmlformats.org/markup-compatibility/2006" type="blank" preserve="1">
+  <p:cSld name="Title, 6 Content">
+    <p:spTree>
+      <p:nvGrpSpPr>
+        <p:cNvPr id="1" name=""/>
+        <p:cNvGrpSpPr/>
+        <p:nvPr/>
+      </p:nvGrpSpPr>
+      <p:grpSpPr>
+        <a:xfrm>
+          <a:off x="0" y="0"/>
+          <a:ext cx="0" cy="0"/>
+          <a:chOff x="0" y="0"/>
+          <a:chExt cx="0" cy="0"/>
+        </a:xfrm>
+      </p:grpSpPr>
+      <p:sp>
+        <p:nvSpPr>
+          <p:cNvPr id="153" name="PlaceHolder 1"/>
+          <p:cNvSpPr>
+            <a:spLocks noGrp="1"/>
+          </p:cNvSpPr>
+          <p:nvPr>
+            <p:ph type="title"/>
+          </p:nvPr>
+        </p:nvSpPr>
+        <p:spPr>
+          <a:xfrm>
+            <a:off x="504000" y="301320"/>
+            <a:ext cx="9071280" cy="1261080"/>
+          </a:xfrm>
+          <a:prstGeom prst="rect">
+            <a:avLst/>
+          </a:prstGeom>
+        </p:spPr>
+        <p:txBody>
+          <a:bodyPr lIns="0" rIns="0" tIns="0" bIns="0" anchor="ctr"/>
+          <a:p>
+            <a:pPr algn="ctr"/>
+            <a:endParaRPr b="0" lang="es-ES" sz="4400" spc="-1" strike="noStrike">
+              <a:latin typeface="Arial"/>
+            </a:endParaRPr>
+          </a:p>
+        </p:txBody>
+      </p:sp>
+      <p:sp>
+        <p:nvSpPr>
+          <p:cNvPr id="154" name="PlaceHolder 2"/>
+          <p:cNvSpPr>
+            <a:spLocks noGrp="1"/>
+          </p:cNvSpPr>
+          <p:nvPr>
+            <p:ph type="body"/>
+          </p:nvPr>
+        </p:nvSpPr>
+        <p:spPr>
+          <a:xfrm>
+            <a:off x="504000" y="1768680"/>
+            <a:ext cx="2920680" cy="2090880"/>
+          </a:xfrm>
+          <a:prstGeom prst="rect">
+            <a:avLst/>
+          </a:prstGeom>
+        </p:spPr>
+        <p:txBody>
+          <a:bodyPr lIns="0" rIns="0" tIns="0" bIns="0">
+            <a:normAutofit/>
+          </a:bodyPr>
+          <a:p>
+            <a:endParaRPr b="0" lang="es-ES" sz="3200" spc="-1" strike="noStrike">
+              <a:latin typeface="Arial"/>
+            </a:endParaRPr>
+          </a:p>
+        </p:txBody>
+      </p:sp>
+      <p:sp>
+        <p:nvSpPr>
+          <p:cNvPr id="155" name="PlaceHolder 3"/>
+          <p:cNvSpPr>
+            <a:spLocks noGrp="1"/>
+          </p:cNvSpPr>
+          <p:nvPr>
+            <p:ph type="body"/>
+          </p:nvPr>
+        </p:nvSpPr>
+        <p:spPr>
+          <a:xfrm>
+            <a:off x="3571200" y="1768680"/>
+            <a:ext cx="2920680" cy="2090880"/>
+          </a:xfrm>
+          <a:prstGeom prst="rect">
+            <a:avLst/>
+          </a:prstGeom>
+        </p:spPr>
+        <p:txBody>
+          <a:bodyPr lIns="0" rIns="0" tIns="0" bIns="0">
+            <a:normAutofit/>
+          </a:bodyPr>
+          <a:p>
+            <a:endParaRPr b="0" lang="es-ES" sz="3200" spc="-1" strike="noStrike">
+              <a:latin typeface="Arial"/>
+            </a:endParaRPr>
+          </a:p>
+        </p:txBody>
+      </p:sp>
+      <p:sp>
+        <p:nvSpPr>
+          <p:cNvPr id="156" name="PlaceHolder 4"/>
+          <p:cNvSpPr>
+            <a:spLocks noGrp="1"/>
+          </p:cNvSpPr>
+          <p:nvPr>
+            <p:ph type="body"/>
+          </p:nvPr>
+        </p:nvSpPr>
+        <p:spPr>
+          <a:xfrm>
+            <a:off x="6638040" y="1768680"/>
+            <a:ext cx="2920680" cy="2090880"/>
+          </a:xfrm>
+          <a:prstGeom prst="rect">
+            <a:avLst/>
+          </a:prstGeom>
+        </p:spPr>
+        <p:txBody>
+          <a:bodyPr lIns="0" rIns="0" tIns="0" bIns="0">
+            <a:normAutofit/>
+          </a:bodyPr>
+          <a:p>
+            <a:endParaRPr b="0" lang="es-ES" sz="3200" spc="-1" strike="noStrike">
+              <a:latin typeface="Arial"/>
+            </a:endParaRPr>
+          </a:p>
+        </p:txBody>
+      </p:sp>
+      <p:sp>
+        <p:nvSpPr>
+          <p:cNvPr id="157" name="PlaceHolder 5"/>
+          <p:cNvSpPr>
+            <a:spLocks noGrp="1"/>
+          </p:cNvSpPr>
+          <p:nvPr>
+            <p:ph type="body"/>
+          </p:nvPr>
+        </p:nvSpPr>
+        <p:spPr>
+          <a:xfrm>
+            <a:off x="504000" y="4058640"/>
+            <a:ext cx="2920680" cy="2090880"/>
+          </a:xfrm>
+          <a:prstGeom prst="rect">
+            <a:avLst/>
+          </a:prstGeom>
+        </p:spPr>
+        <p:txBody>
+          <a:bodyPr lIns="0" rIns="0" tIns="0" bIns="0">
+            <a:normAutofit/>
+          </a:bodyPr>
+          <a:p>
+            <a:endParaRPr b="0" lang="es-ES" sz="3200" spc="-1" strike="noStrike">
+              <a:latin typeface="Arial"/>
+            </a:endParaRPr>
+          </a:p>
+        </p:txBody>
+      </p:sp>
+      <p:sp>
+        <p:nvSpPr>
+          <p:cNvPr id="158" name="PlaceHolder 6"/>
+          <p:cNvSpPr>
+            <a:spLocks noGrp="1"/>
+          </p:cNvSpPr>
+          <p:nvPr>
+            <p:ph type="body"/>
+          </p:nvPr>
+        </p:nvSpPr>
+        <p:spPr>
+          <a:xfrm>
+            <a:off x="3571200" y="4058640"/>
+            <a:ext cx="2920680" cy="2090880"/>
+          </a:xfrm>
+          <a:prstGeom prst="rect">
+            <a:avLst/>
+          </a:prstGeom>
+        </p:spPr>
+        <p:txBody>
+          <a:bodyPr lIns="0" rIns="0" tIns="0" bIns="0">
+            <a:normAutofit/>
+          </a:bodyPr>
+          <a:p>
+            <a:endParaRPr b="0" lang="es-ES" sz="3200" spc="-1" strike="noStrike">
+              <a:latin typeface="Arial"/>
+            </a:endParaRPr>
+          </a:p>
+        </p:txBody>
+      </p:sp>
+      <p:sp>
+        <p:nvSpPr>
+          <p:cNvPr id="159" name="PlaceHolder 7"/>
+          <p:cNvSpPr>
+            <a:spLocks noGrp="1"/>
+          </p:cNvSpPr>
+          <p:nvPr>
+            <p:ph type="body"/>
+          </p:nvPr>
+        </p:nvSpPr>
+        <p:spPr>
+          <a:xfrm>
+            <a:off x="6638040" y="4058640"/>
+            <a:ext cx="2920680" cy="2090880"/>
           </a:xfrm>
           <a:prstGeom prst="rect">
             <a:avLst/>
@@ -857,7 +4856,7 @@
         <p:spPr>
           <a:xfrm>
             <a:off x="504000" y="301320"/>
-            <a:ext cx="9072000" cy="1261800"/>
+            <a:ext cx="9071280" cy="1261080"/>
           </a:xfrm>
           <a:prstGeom prst="rect">
             <a:avLst/>
@@ -908,7 +4907,7 @@
         <p:spPr>
           <a:xfrm>
             <a:off x="504000" y="301320"/>
-            <a:ext cx="9072000" cy="5850360"/>
+            <a:ext cx="9071280" cy="5846760"/>
           </a:xfrm>
           <a:prstGeom prst="rect">
             <a:avLst/>
@@ -959,7 +4958,7 @@
         <p:spPr>
           <a:xfrm>
             <a:off x="504000" y="301320"/>
-            <a:ext cx="9072000" cy="1261800"/>
+            <a:ext cx="9071280" cy="1261080"/>
           </a:xfrm>
           <a:prstGeom prst="rect">
             <a:avLst/>
@@ -1018,7 +5017,7 @@
         <p:spPr>
           <a:xfrm>
             <a:off x="5152680" y="1768680"/>
-            <a:ext cx="4426920" cy="4384080"/>
+            <a:ext cx="4426920" cy="4383720"/>
           </a:xfrm>
           <a:prstGeom prst="rect">
             <a:avLst/>
@@ -1100,7 +5099,7 @@
         <p:spPr>
           <a:xfrm>
             <a:off x="504000" y="301320"/>
-            <a:ext cx="9072000" cy="1261800"/>
+            <a:ext cx="9071280" cy="1261080"/>
           </a:xfrm>
           <a:prstGeom prst="rect">
             <a:avLst/>
@@ -1129,7 +5128,7 @@
         <p:spPr>
           <a:xfrm>
             <a:off x="504000" y="1768680"/>
-            <a:ext cx="4426920" cy="4384080"/>
+            <a:ext cx="4426920" cy="4383720"/>
           </a:xfrm>
           <a:prstGeom prst="rect">
             <a:avLst/>
@@ -1241,7 +5240,7 @@
         <p:spPr>
           <a:xfrm>
             <a:off x="504000" y="301320"/>
-            <a:ext cx="9072000" cy="1261800"/>
+            <a:ext cx="9071280" cy="1261080"/>
           </a:xfrm>
           <a:prstGeom prst="rect">
             <a:avLst/>
@@ -1330,7 +5329,7 @@
         <p:spPr>
           <a:xfrm>
             <a:off x="504000" y="4058640"/>
-            <a:ext cx="9072000" cy="2090880"/>
+            <a:ext cx="9071640" cy="2090880"/>
           </a:xfrm>
           <a:prstGeom prst="rect">
             <a:avLst/>
@@ -1382,7 +5381,7 @@
         <p:spPr>
           <a:xfrm>
             <a:off x="0" y="6016680"/>
-            <a:ext cx="10075680" cy="1541520"/>
+            <a:ext cx="10074960" cy="1540800"/>
           </a:xfrm>
           <a:prstGeom prst="rect">
             <a:avLst/>
@@ -1405,7 +5404,7 @@
         <p:spPr>
           <a:xfrm>
             <a:off x="0" y="0"/>
-            <a:ext cx="10076040" cy="1694160"/>
+            <a:ext cx="10075320" cy="1693440"/>
           </a:xfrm>
           <a:prstGeom prst="rect">
             <a:avLst/>
@@ -1489,13 +5488,7 @@
               <a:rPr b="0" lang="es-ES" sz="3200" spc="-1" strike="noStrike">
                 <a:latin typeface="Arial"/>
               </a:rPr>
-              <a:t>Pulse para editar el formato de esquema del </a:t>
-            </a:r>
-            <a:r>
-              <a:rPr b="0" lang="es-ES" sz="3200" spc="-1" strike="noStrike">
-                <a:latin typeface="Arial"/>
-              </a:rPr>
-              <a:t>texto</a:t>
+              <a:t>Pulse para editar el formato de esquema del texto</a:t>
             </a:r>
             <a:endParaRPr b="0" lang="es-ES" sz="3200" spc="-1" strike="noStrike">
               <a:latin typeface="Arial"/>
@@ -1651,6 +5644,895 @@
     <p:sldLayoutId id="2147483658" r:id="rId13"/>
     <p:sldLayoutId id="2147483659" r:id="rId14"/>
     <p:sldLayoutId id="2147483660" r:id="rId15"/>
+  </p:sldLayoutIdLst>
+</p:sldMaster>
+</file>
+
+<file path=ppt/slideMasters/slideMaster2.xml><?xml version="1.0" encoding="utf-8"?>
+<p:sldMaster xmlns:a="http://schemas.openxmlformats.org/drawingml/2006/main" xmlns:p="http://schemas.openxmlformats.org/presentationml/2006/main" xmlns:r="http://schemas.openxmlformats.org/officeDocument/2006/relationships" xmlns:p14="http://schemas.microsoft.com/office/powerpoint/2010/main" xmlns:p15="http://schemas.microsoft.com/office/powerpoint/2012/main" xmlns:mc="http://schemas.openxmlformats.org/markup-compatibility/2006">
+  <p:cSld>
+    <p:spTree>
+      <p:nvGrpSpPr>
+        <p:cNvPr id="1" name=""/>
+        <p:cNvGrpSpPr/>
+        <p:nvPr/>
+      </p:nvGrpSpPr>
+      <p:grpSpPr>
+        <a:xfrm>
+          <a:off x="0" y="0"/>
+          <a:ext cx="0" cy="0"/>
+          <a:chOff x="0" y="0"/>
+          <a:chExt cx="0" cy="0"/>
+        </a:xfrm>
+      </p:grpSpPr>
+      <p:pic>
+        <p:nvPicPr>
+          <p:cNvPr id="40" name="" descr=""/>
+          <p:cNvPicPr/>
+          <p:nvPr/>
+        </p:nvPicPr>
+        <p:blipFill>
+          <a:blip r:embed="rId2"/>
+          <a:stretch/>
+        </p:blipFill>
+        <p:spPr>
+          <a:xfrm>
+            <a:off x="0" y="6016680"/>
+            <a:ext cx="10074960" cy="1540800"/>
+          </a:xfrm>
+          <a:prstGeom prst="rect">
+            <a:avLst/>
+          </a:prstGeom>
+          <a:ln>
+            <a:noFill/>
+          </a:ln>
+        </p:spPr>
+      </p:pic>
+      <p:pic>
+        <p:nvPicPr>
+          <p:cNvPr id="41" name="" descr=""/>
+          <p:cNvPicPr/>
+          <p:nvPr/>
+        </p:nvPicPr>
+        <p:blipFill>
+          <a:blip r:embed="rId3"/>
+          <a:stretch/>
+        </p:blipFill>
+        <p:spPr>
+          <a:xfrm>
+            <a:off x="0" y="0"/>
+            <a:ext cx="10075320" cy="1693440"/>
+          </a:xfrm>
+          <a:prstGeom prst="rect">
+            <a:avLst/>
+          </a:prstGeom>
+          <a:ln>
+            <a:noFill/>
+          </a:ln>
+        </p:spPr>
+      </p:pic>
+      <p:sp>
+        <p:nvSpPr>
+          <p:cNvPr id="42" name="PlaceHolder 1"/>
+          <p:cNvSpPr>
+            <a:spLocks noGrp="1"/>
+          </p:cNvSpPr>
+          <p:nvPr>
+            <p:ph type="title"/>
+          </p:nvPr>
+        </p:nvSpPr>
+        <p:spPr>
+          <a:xfrm>
+            <a:off x="504000" y="301320"/>
+            <a:ext cx="9071280" cy="1261080"/>
+          </a:xfrm>
+          <a:prstGeom prst="rect">
+            <a:avLst/>
+          </a:prstGeom>
+        </p:spPr>
+        <p:txBody>
+          <a:bodyPr lIns="0" rIns="0" tIns="0" bIns="0" anchor="ctr"/>
+          <a:p>
+            <a:r>
+              <a:rPr b="0" lang="es-ES" sz="1800" spc="-1" strike="noStrike">
+                <a:latin typeface="Arial"/>
+              </a:rPr>
+              <a:t>Pulse para editar el formato del texto de título</a:t>
+            </a:r>
+            <a:endParaRPr b="0" lang="es-ES" sz="1800" spc="-1" strike="noStrike">
+              <a:latin typeface="Arial"/>
+            </a:endParaRPr>
+          </a:p>
+        </p:txBody>
+      </p:sp>
+      <p:sp>
+        <p:nvSpPr>
+          <p:cNvPr id="43" name="PlaceHolder 2"/>
+          <p:cNvSpPr>
+            <a:spLocks noGrp="1"/>
+          </p:cNvSpPr>
+          <p:nvPr>
+            <p:ph type="body"/>
+          </p:nvPr>
+        </p:nvSpPr>
+        <p:spPr>
+          <a:xfrm>
+            <a:off x="504000" y="1768680"/>
+            <a:ext cx="9071640" cy="4383720"/>
+          </a:xfrm>
+          <a:prstGeom prst="rect">
+            <a:avLst/>
+          </a:prstGeom>
+        </p:spPr>
+        <p:txBody>
+          <a:bodyPr lIns="0" rIns="0" tIns="0" bIns="0">
+            <a:normAutofit/>
+          </a:bodyPr>
+          <a:p>
+            <a:pPr marL="432000" indent="-324000">
+              <a:spcBef>
+                <a:spcPts val="1417"/>
+              </a:spcBef>
+              <a:buClr>
+                <a:srgbClr val="000000"/>
+              </a:buClr>
+              <a:buSzPct val="45000"/>
+              <a:buFont typeface="Wingdings" charset="2"/>
+              <a:buChar char=""/>
+            </a:pPr>
+            <a:r>
+              <a:rPr b="0" lang="es-ES" sz="1800" spc="-1" strike="noStrike">
+                <a:latin typeface="Arial"/>
+              </a:rPr>
+              <a:t>Pulse para editar el formato de esquema del texto</a:t>
+            </a:r>
+            <a:endParaRPr b="0" lang="es-ES" sz="1800" spc="-1" strike="noStrike">
+              <a:latin typeface="Arial"/>
+            </a:endParaRPr>
+          </a:p>
+          <a:p>
+            <a:pPr lvl="1" marL="864000" indent="-324000">
+              <a:spcBef>
+                <a:spcPts val="1134"/>
+              </a:spcBef>
+              <a:buClr>
+                <a:srgbClr val="000000"/>
+              </a:buClr>
+              <a:buSzPct val="75000"/>
+              <a:buFont typeface="Symbol" charset="2"/>
+              <a:buChar char=""/>
+            </a:pPr>
+            <a:r>
+              <a:rPr b="0" lang="es-ES" sz="1800" spc="-1" strike="noStrike">
+                <a:latin typeface="Arial"/>
+              </a:rPr>
+              <a:t>Segundo nivel del esquema</a:t>
+            </a:r>
+            <a:endParaRPr b="0" lang="es-ES" sz="1800" spc="-1" strike="noStrike">
+              <a:latin typeface="Arial"/>
+            </a:endParaRPr>
+          </a:p>
+          <a:p>
+            <a:pPr lvl="2" marL="1296000" indent="-288000">
+              <a:spcBef>
+                <a:spcPts val="850"/>
+              </a:spcBef>
+              <a:buClr>
+                <a:srgbClr val="000000"/>
+              </a:buClr>
+              <a:buSzPct val="45000"/>
+              <a:buFont typeface="Wingdings" charset="2"/>
+              <a:buChar char=""/>
+            </a:pPr>
+            <a:r>
+              <a:rPr b="0" lang="es-ES" sz="1800" spc="-1" strike="noStrike">
+                <a:latin typeface="Arial"/>
+              </a:rPr>
+              <a:t>Tercer nivel del esquema</a:t>
+            </a:r>
+            <a:endParaRPr b="0" lang="es-ES" sz="1800" spc="-1" strike="noStrike">
+              <a:latin typeface="Arial"/>
+            </a:endParaRPr>
+          </a:p>
+          <a:p>
+            <a:pPr lvl="3" marL="1728000" indent="-216000">
+              <a:spcBef>
+                <a:spcPts val="567"/>
+              </a:spcBef>
+              <a:buClr>
+                <a:srgbClr val="000000"/>
+              </a:buClr>
+              <a:buSzPct val="75000"/>
+              <a:buFont typeface="Symbol" charset="2"/>
+              <a:buChar char=""/>
+            </a:pPr>
+            <a:r>
+              <a:rPr b="0" lang="es-ES" sz="1800" spc="-1" strike="noStrike">
+                <a:latin typeface="Arial"/>
+              </a:rPr>
+              <a:t>Cuarto nivel del esquema</a:t>
+            </a:r>
+            <a:endParaRPr b="0" lang="es-ES" sz="1800" spc="-1" strike="noStrike">
+              <a:latin typeface="Arial"/>
+            </a:endParaRPr>
+          </a:p>
+          <a:p>
+            <a:pPr lvl="4" marL="2160000" indent="-216000">
+              <a:spcBef>
+                <a:spcPts val="283"/>
+              </a:spcBef>
+              <a:buClr>
+                <a:srgbClr val="000000"/>
+              </a:buClr>
+              <a:buSzPct val="45000"/>
+              <a:buFont typeface="Wingdings" charset="2"/>
+              <a:buChar char=""/>
+            </a:pPr>
+            <a:r>
+              <a:rPr b="0" lang="es-ES" sz="1800" spc="-1" strike="noStrike">
+                <a:latin typeface="Arial"/>
+              </a:rPr>
+              <a:t>Quinto nivel del esquema</a:t>
+            </a:r>
+            <a:endParaRPr b="0" lang="es-ES" sz="1800" spc="-1" strike="noStrike">
+              <a:latin typeface="Arial"/>
+            </a:endParaRPr>
+          </a:p>
+          <a:p>
+            <a:pPr lvl="5" marL="2592000" indent="-216000">
+              <a:spcBef>
+                <a:spcPts val="283"/>
+              </a:spcBef>
+              <a:buClr>
+                <a:srgbClr val="000000"/>
+              </a:buClr>
+              <a:buSzPct val="45000"/>
+              <a:buFont typeface="Wingdings" charset="2"/>
+              <a:buChar char=""/>
+            </a:pPr>
+            <a:r>
+              <a:rPr b="0" lang="es-ES" sz="1800" spc="-1" strike="noStrike">
+                <a:latin typeface="Arial"/>
+              </a:rPr>
+              <a:t>Sexto nivel del esquema</a:t>
+            </a:r>
+            <a:endParaRPr b="0" lang="es-ES" sz="1800" spc="-1" strike="noStrike">
+              <a:latin typeface="Arial"/>
+            </a:endParaRPr>
+          </a:p>
+          <a:p>
+            <a:pPr lvl="6" marL="3024000" indent="-216000">
+              <a:spcBef>
+                <a:spcPts val="283"/>
+              </a:spcBef>
+              <a:buClr>
+                <a:srgbClr val="000000"/>
+              </a:buClr>
+              <a:buSzPct val="45000"/>
+              <a:buFont typeface="Wingdings" charset="2"/>
+              <a:buChar char=""/>
+            </a:pPr>
+            <a:r>
+              <a:rPr b="0" lang="es-ES" sz="1800" spc="-1" strike="noStrike">
+                <a:latin typeface="Arial"/>
+              </a:rPr>
+              <a:t>Séptimo nivel del esquema</a:t>
+            </a:r>
+            <a:endParaRPr b="0" lang="es-ES" sz="1800" spc="-1" strike="noStrike">
+              <a:latin typeface="Arial"/>
+            </a:endParaRPr>
+          </a:p>
+        </p:txBody>
+      </p:sp>
+    </p:spTree>
+  </p:cSld>
+  <p:clrMap bg1="lt1" bg2="lt2" tx1="dk1" tx2="dk2" accent1="accent1" accent2="accent2" accent3="accent3" accent4="accent4" accent5="accent5" accent6="accent6" hlink="hlink" folHlink="folHlink"/>
+  <p:sldLayoutIdLst>
+    <p:sldLayoutId id="2147483662" r:id="rId4"/>
+    <p:sldLayoutId id="2147483663" r:id="rId5"/>
+    <p:sldLayoutId id="2147483664" r:id="rId6"/>
+    <p:sldLayoutId id="2147483665" r:id="rId7"/>
+    <p:sldLayoutId id="2147483666" r:id="rId8"/>
+    <p:sldLayoutId id="2147483667" r:id="rId9"/>
+    <p:sldLayoutId id="2147483668" r:id="rId10"/>
+    <p:sldLayoutId id="2147483669" r:id="rId11"/>
+    <p:sldLayoutId id="2147483670" r:id="rId12"/>
+    <p:sldLayoutId id="2147483671" r:id="rId13"/>
+    <p:sldLayoutId id="2147483672" r:id="rId14"/>
+    <p:sldLayoutId id="2147483673" r:id="rId15"/>
+  </p:sldLayoutIdLst>
+</p:sldMaster>
+</file>
+
+<file path=ppt/slideMasters/slideMaster3.xml><?xml version="1.0" encoding="utf-8"?>
+<p:sldMaster xmlns:a="http://schemas.openxmlformats.org/drawingml/2006/main" xmlns:p="http://schemas.openxmlformats.org/presentationml/2006/main" xmlns:r="http://schemas.openxmlformats.org/officeDocument/2006/relationships" xmlns:p14="http://schemas.microsoft.com/office/powerpoint/2010/main" xmlns:p15="http://schemas.microsoft.com/office/powerpoint/2012/main" xmlns:mc="http://schemas.openxmlformats.org/markup-compatibility/2006">
+  <p:cSld>
+    <p:spTree>
+      <p:nvGrpSpPr>
+        <p:cNvPr id="1" name=""/>
+        <p:cNvGrpSpPr/>
+        <p:nvPr/>
+      </p:nvGrpSpPr>
+      <p:grpSpPr>
+        <a:xfrm>
+          <a:off x="0" y="0"/>
+          <a:ext cx="0" cy="0"/>
+          <a:chOff x="0" y="0"/>
+          <a:chExt cx="0" cy="0"/>
+        </a:xfrm>
+      </p:grpSpPr>
+      <p:pic>
+        <p:nvPicPr>
+          <p:cNvPr id="80" name="" descr=""/>
+          <p:cNvPicPr/>
+          <p:nvPr/>
+        </p:nvPicPr>
+        <p:blipFill>
+          <a:blip r:embed="rId2"/>
+          <a:stretch/>
+        </p:blipFill>
+        <p:spPr>
+          <a:xfrm>
+            <a:off x="0" y="6016680"/>
+            <a:ext cx="10074960" cy="1540800"/>
+          </a:xfrm>
+          <a:prstGeom prst="rect">
+            <a:avLst/>
+          </a:prstGeom>
+          <a:ln>
+            <a:noFill/>
+          </a:ln>
+        </p:spPr>
+      </p:pic>
+      <p:pic>
+        <p:nvPicPr>
+          <p:cNvPr id="81" name="" descr=""/>
+          <p:cNvPicPr/>
+          <p:nvPr/>
+        </p:nvPicPr>
+        <p:blipFill>
+          <a:blip r:embed="rId3"/>
+          <a:stretch/>
+        </p:blipFill>
+        <p:spPr>
+          <a:xfrm>
+            <a:off x="0" y="0"/>
+            <a:ext cx="10075320" cy="1693440"/>
+          </a:xfrm>
+          <a:prstGeom prst="rect">
+            <a:avLst/>
+          </a:prstGeom>
+          <a:ln>
+            <a:noFill/>
+          </a:ln>
+        </p:spPr>
+      </p:pic>
+      <p:sp>
+        <p:nvSpPr>
+          <p:cNvPr id="82" name="PlaceHolder 1"/>
+          <p:cNvSpPr>
+            <a:spLocks noGrp="1"/>
+          </p:cNvSpPr>
+          <p:nvPr>
+            <p:ph type="title"/>
+          </p:nvPr>
+        </p:nvSpPr>
+        <p:spPr>
+          <a:xfrm>
+            <a:off x="504000" y="301320"/>
+            <a:ext cx="9072000" cy="1261800"/>
+          </a:xfrm>
+          <a:prstGeom prst="rect">
+            <a:avLst/>
+          </a:prstGeom>
+        </p:spPr>
+        <p:txBody>
+          <a:bodyPr lIns="0" rIns="0" tIns="0" bIns="0" anchor="ctr"/>
+          <a:p>
+            <a:pPr algn="ctr"/>
+            <a:r>
+              <a:rPr b="0" lang="es-ES" sz="4400" spc="-1" strike="noStrike">
+                <a:latin typeface="Arial"/>
+              </a:rPr>
+              <a:t>Pulse para editar el formato del texto de título</a:t>
+            </a:r>
+            <a:endParaRPr b="0" lang="es-ES" sz="4400" spc="-1" strike="noStrike">
+              <a:latin typeface="Arial"/>
+            </a:endParaRPr>
+          </a:p>
+        </p:txBody>
+      </p:sp>
+      <p:sp>
+        <p:nvSpPr>
+          <p:cNvPr id="83" name="PlaceHolder 2"/>
+          <p:cNvSpPr>
+            <a:spLocks noGrp="1"/>
+          </p:cNvSpPr>
+          <p:nvPr>
+            <p:ph type="body"/>
+          </p:nvPr>
+        </p:nvSpPr>
+        <p:spPr>
+          <a:xfrm>
+            <a:off x="504000" y="1768680"/>
+            <a:ext cx="9072000" cy="4384080"/>
+          </a:xfrm>
+          <a:prstGeom prst="rect">
+            <a:avLst/>
+          </a:prstGeom>
+        </p:spPr>
+        <p:txBody>
+          <a:bodyPr lIns="0" rIns="0" tIns="0" bIns="0">
+            <a:normAutofit/>
+          </a:bodyPr>
+          <a:p>
+            <a:pPr marL="432000" indent="-324000">
+              <a:spcBef>
+                <a:spcPts val="1417"/>
+              </a:spcBef>
+              <a:buClr>
+                <a:srgbClr val="000000"/>
+              </a:buClr>
+              <a:buSzPct val="45000"/>
+              <a:buFont typeface="Wingdings" charset="2"/>
+              <a:buChar char=""/>
+            </a:pPr>
+            <a:r>
+              <a:rPr b="0" lang="es-ES" sz="3200" spc="-1" strike="noStrike">
+                <a:latin typeface="Arial"/>
+              </a:rPr>
+              <a:t>Pulse para editar el formato de esquema del texto</a:t>
+            </a:r>
+            <a:endParaRPr b="0" lang="es-ES" sz="3200" spc="-1" strike="noStrike">
+              <a:latin typeface="Arial"/>
+            </a:endParaRPr>
+          </a:p>
+          <a:p>
+            <a:pPr lvl="1" marL="864000" indent="-324000">
+              <a:spcBef>
+                <a:spcPts val="1134"/>
+              </a:spcBef>
+              <a:buClr>
+                <a:srgbClr val="000000"/>
+              </a:buClr>
+              <a:buSzPct val="75000"/>
+              <a:buFont typeface="Symbol" charset="2"/>
+              <a:buChar char=""/>
+            </a:pPr>
+            <a:r>
+              <a:rPr b="0" lang="es-ES" sz="2800" spc="-1" strike="noStrike">
+                <a:latin typeface="Arial"/>
+              </a:rPr>
+              <a:t>Segundo nivel del esquema</a:t>
+            </a:r>
+            <a:endParaRPr b="0" lang="es-ES" sz="2800" spc="-1" strike="noStrike">
+              <a:latin typeface="Arial"/>
+            </a:endParaRPr>
+          </a:p>
+          <a:p>
+            <a:pPr lvl="2" marL="1296000" indent="-288000">
+              <a:spcBef>
+                <a:spcPts val="850"/>
+              </a:spcBef>
+              <a:buClr>
+                <a:srgbClr val="000000"/>
+              </a:buClr>
+              <a:buSzPct val="45000"/>
+              <a:buFont typeface="Wingdings" charset="2"/>
+              <a:buChar char=""/>
+            </a:pPr>
+            <a:r>
+              <a:rPr b="0" lang="es-ES" sz="2400" spc="-1" strike="noStrike">
+                <a:latin typeface="Arial"/>
+              </a:rPr>
+              <a:t>Tercer nivel del esquema</a:t>
+            </a:r>
+            <a:endParaRPr b="0" lang="es-ES" sz="2400" spc="-1" strike="noStrike">
+              <a:latin typeface="Arial"/>
+            </a:endParaRPr>
+          </a:p>
+          <a:p>
+            <a:pPr lvl="3" marL="1728000" indent="-216000">
+              <a:spcBef>
+                <a:spcPts val="567"/>
+              </a:spcBef>
+              <a:buClr>
+                <a:srgbClr val="000000"/>
+              </a:buClr>
+              <a:buSzPct val="75000"/>
+              <a:buFont typeface="Symbol" charset="2"/>
+              <a:buChar char=""/>
+            </a:pPr>
+            <a:r>
+              <a:rPr b="0" lang="es-ES" sz="2000" spc="-1" strike="noStrike">
+                <a:latin typeface="Arial"/>
+              </a:rPr>
+              <a:t>Cuarto nivel del esquema</a:t>
+            </a:r>
+            <a:endParaRPr b="0" lang="es-ES" sz="2000" spc="-1" strike="noStrike">
+              <a:latin typeface="Arial"/>
+            </a:endParaRPr>
+          </a:p>
+          <a:p>
+            <a:pPr lvl="4" marL="2160000" indent="-216000">
+              <a:spcBef>
+                <a:spcPts val="283"/>
+              </a:spcBef>
+              <a:buClr>
+                <a:srgbClr val="000000"/>
+              </a:buClr>
+              <a:buSzPct val="45000"/>
+              <a:buFont typeface="Wingdings" charset="2"/>
+              <a:buChar char=""/>
+            </a:pPr>
+            <a:r>
+              <a:rPr b="0" lang="es-ES" sz="2000" spc="-1" strike="noStrike">
+                <a:latin typeface="Arial"/>
+              </a:rPr>
+              <a:t>Quinto nivel del esquema</a:t>
+            </a:r>
+            <a:endParaRPr b="0" lang="es-ES" sz="2000" spc="-1" strike="noStrike">
+              <a:latin typeface="Arial"/>
+            </a:endParaRPr>
+          </a:p>
+          <a:p>
+            <a:pPr lvl="5" marL="2592000" indent="-216000">
+              <a:spcBef>
+                <a:spcPts val="283"/>
+              </a:spcBef>
+              <a:buClr>
+                <a:srgbClr val="000000"/>
+              </a:buClr>
+              <a:buSzPct val="45000"/>
+              <a:buFont typeface="Wingdings" charset="2"/>
+              <a:buChar char=""/>
+            </a:pPr>
+            <a:r>
+              <a:rPr b="0" lang="es-ES" sz="2000" spc="-1" strike="noStrike">
+                <a:latin typeface="Arial"/>
+              </a:rPr>
+              <a:t>Sexto nivel del esquema</a:t>
+            </a:r>
+            <a:endParaRPr b="0" lang="es-ES" sz="2000" spc="-1" strike="noStrike">
+              <a:latin typeface="Arial"/>
+            </a:endParaRPr>
+          </a:p>
+          <a:p>
+            <a:pPr lvl="6" marL="3024000" indent="-216000">
+              <a:spcBef>
+                <a:spcPts val="283"/>
+              </a:spcBef>
+              <a:buClr>
+                <a:srgbClr val="000000"/>
+              </a:buClr>
+              <a:buSzPct val="45000"/>
+              <a:buFont typeface="Wingdings" charset="2"/>
+              <a:buChar char=""/>
+            </a:pPr>
+            <a:r>
+              <a:rPr b="0" lang="es-ES" sz="2000" spc="-1" strike="noStrike">
+                <a:latin typeface="Arial"/>
+              </a:rPr>
+              <a:t>Séptimo nivel del esquema</a:t>
+            </a:r>
+            <a:endParaRPr b="0" lang="es-ES" sz="2000" spc="-1" strike="noStrike">
+              <a:latin typeface="Arial"/>
+            </a:endParaRPr>
+          </a:p>
+        </p:txBody>
+      </p:sp>
+    </p:spTree>
+  </p:cSld>
+  <p:clrMap bg1="lt1" bg2="lt2" tx1="dk1" tx2="dk2" accent1="accent1" accent2="accent2" accent3="accent3" accent4="accent4" accent5="accent5" accent6="accent6" hlink="hlink" folHlink="folHlink"/>
+  <p:sldLayoutIdLst>
+    <p:sldLayoutId id="2147483675" r:id="rId4"/>
+    <p:sldLayoutId id="2147483676" r:id="rId5"/>
+    <p:sldLayoutId id="2147483677" r:id="rId6"/>
+    <p:sldLayoutId id="2147483678" r:id="rId7"/>
+    <p:sldLayoutId id="2147483679" r:id="rId8"/>
+    <p:sldLayoutId id="2147483680" r:id="rId9"/>
+    <p:sldLayoutId id="2147483681" r:id="rId10"/>
+    <p:sldLayoutId id="2147483682" r:id="rId11"/>
+    <p:sldLayoutId id="2147483683" r:id="rId12"/>
+    <p:sldLayoutId id="2147483684" r:id="rId13"/>
+    <p:sldLayoutId id="2147483685" r:id="rId14"/>
+    <p:sldLayoutId id="2147483686" r:id="rId15"/>
+  </p:sldLayoutIdLst>
+</p:sldMaster>
+</file>
+
+<file path=ppt/slideMasters/slideMaster4.xml><?xml version="1.0" encoding="utf-8"?>
+<p:sldMaster xmlns:a="http://schemas.openxmlformats.org/drawingml/2006/main" xmlns:p="http://schemas.openxmlformats.org/presentationml/2006/main" xmlns:r="http://schemas.openxmlformats.org/officeDocument/2006/relationships" xmlns:p14="http://schemas.microsoft.com/office/powerpoint/2010/main" xmlns:p15="http://schemas.microsoft.com/office/powerpoint/2012/main" xmlns:mc="http://schemas.openxmlformats.org/markup-compatibility/2006">
+  <p:cSld>
+    <p:spTree>
+      <p:nvGrpSpPr>
+        <p:cNvPr id="1" name=""/>
+        <p:cNvGrpSpPr/>
+        <p:nvPr/>
+      </p:nvGrpSpPr>
+      <p:grpSpPr>
+        <a:xfrm>
+          <a:off x="0" y="0"/>
+          <a:ext cx="0" cy="0"/>
+          <a:chOff x="0" y="0"/>
+          <a:chExt cx="0" cy="0"/>
+        </a:xfrm>
+      </p:grpSpPr>
+      <p:pic>
+        <p:nvPicPr>
+          <p:cNvPr id="120" name="" descr=""/>
+          <p:cNvPicPr/>
+          <p:nvPr/>
+        </p:nvPicPr>
+        <p:blipFill>
+          <a:blip r:embed="rId2"/>
+          <a:stretch/>
+        </p:blipFill>
+        <p:spPr>
+          <a:xfrm>
+            <a:off x="0" y="6016680"/>
+            <a:ext cx="10074960" cy="1540800"/>
+          </a:xfrm>
+          <a:prstGeom prst="rect">
+            <a:avLst/>
+          </a:prstGeom>
+          <a:ln>
+            <a:noFill/>
+          </a:ln>
+        </p:spPr>
+      </p:pic>
+      <p:pic>
+        <p:nvPicPr>
+          <p:cNvPr id="121" name="" descr=""/>
+          <p:cNvPicPr/>
+          <p:nvPr/>
+        </p:nvPicPr>
+        <p:blipFill>
+          <a:blip r:embed="rId3"/>
+          <a:stretch/>
+        </p:blipFill>
+        <p:spPr>
+          <a:xfrm>
+            <a:off x="0" y="0"/>
+            <a:ext cx="10075320" cy="1693440"/>
+          </a:xfrm>
+          <a:prstGeom prst="rect">
+            <a:avLst/>
+          </a:prstGeom>
+          <a:ln>
+            <a:noFill/>
+          </a:ln>
+        </p:spPr>
+      </p:pic>
+      <p:sp>
+        <p:nvSpPr>
+          <p:cNvPr id="122" name="PlaceHolder 1"/>
+          <p:cNvSpPr>
+            <a:spLocks noGrp="1"/>
+          </p:cNvSpPr>
+          <p:nvPr>
+            <p:ph type="title"/>
+          </p:nvPr>
+        </p:nvSpPr>
+        <p:spPr>
+          <a:xfrm>
+            <a:off x="504000" y="301320"/>
+            <a:ext cx="9071280" cy="1261080"/>
+          </a:xfrm>
+          <a:prstGeom prst="rect">
+            <a:avLst/>
+          </a:prstGeom>
+        </p:spPr>
+        <p:txBody>
+          <a:bodyPr lIns="0" rIns="0" tIns="0" bIns="0" anchor="ctr"/>
+          <a:p>
+            <a:r>
+              <a:rPr b="0" lang="es-ES" sz="1800" spc="-1" strike="noStrike">
+                <a:latin typeface="Arial"/>
+              </a:rPr>
+              <a:t>Pulse para editar el formato del texto de título</a:t>
+            </a:r>
+            <a:endParaRPr b="0" lang="es-ES" sz="1800" spc="-1" strike="noStrike">
+              <a:latin typeface="Arial"/>
+            </a:endParaRPr>
+          </a:p>
+        </p:txBody>
+      </p:sp>
+      <p:sp>
+        <p:nvSpPr>
+          <p:cNvPr id="123" name="PlaceHolder 2"/>
+          <p:cNvSpPr>
+            <a:spLocks noGrp="1"/>
+          </p:cNvSpPr>
+          <p:nvPr>
+            <p:ph type="body"/>
+          </p:nvPr>
+        </p:nvSpPr>
+        <p:spPr>
+          <a:xfrm>
+            <a:off x="504000" y="1768680"/>
+            <a:ext cx="9072000" cy="4384080"/>
+          </a:xfrm>
+          <a:prstGeom prst="rect">
+            <a:avLst/>
+          </a:prstGeom>
+        </p:spPr>
+        <p:txBody>
+          <a:bodyPr lIns="0" rIns="0" tIns="0" bIns="0">
+            <a:normAutofit/>
+          </a:bodyPr>
+          <a:p>
+            <a:pPr marL="432000" indent="-324000">
+              <a:spcBef>
+                <a:spcPts val="1417"/>
+              </a:spcBef>
+              <a:buClr>
+                <a:srgbClr val="000000"/>
+              </a:buClr>
+              <a:buSzPct val="45000"/>
+              <a:buFont typeface="Wingdings" charset="2"/>
+              <a:buChar char=""/>
+            </a:pPr>
+            <a:r>
+              <a:rPr b="0" lang="es-ES" sz="3200" spc="-1" strike="noStrike">
+                <a:latin typeface="Arial"/>
+              </a:rPr>
+              <a:t>Pulse para editar el formato de esquema del texto</a:t>
+            </a:r>
+            <a:endParaRPr b="0" lang="es-ES" sz="3200" spc="-1" strike="noStrike">
+              <a:latin typeface="Arial"/>
+            </a:endParaRPr>
+          </a:p>
+          <a:p>
+            <a:pPr lvl="1" marL="864000" indent="-324000">
+              <a:spcBef>
+                <a:spcPts val="1134"/>
+              </a:spcBef>
+              <a:buClr>
+                <a:srgbClr val="000000"/>
+              </a:buClr>
+              <a:buSzPct val="75000"/>
+              <a:buFont typeface="Symbol" charset="2"/>
+              <a:buChar char=""/>
+            </a:pPr>
+            <a:r>
+              <a:rPr b="0" lang="es-ES" sz="2800" spc="-1" strike="noStrike">
+                <a:latin typeface="Arial"/>
+              </a:rPr>
+              <a:t>Segundo nivel del esquema</a:t>
+            </a:r>
+            <a:endParaRPr b="0" lang="es-ES" sz="2800" spc="-1" strike="noStrike">
+              <a:latin typeface="Arial"/>
+            </a:endParaRPr>
+          </a:p>
+          <a:p>
+            <a:pPr lvl="2" marL="1296000" indent="-288000">
+              <a:spcBef>
+                <a:spcPts val="850"/>
+              </a:spcBef>
+              <a:buClr>
+                <a:srgbClr val="000000"/>
+              </a:buClr>
+              <a:buSzPct val="45000"/>
+              <a:buFont typeface="Wingdings" charset="2"/>
+              <a:buChar char=""/>
+            </a:pPr>
+            <a:r>
+              <a:rPr b="0" lang="es-ES" sz="2400" spc="-1" strike="noStrike">
+                <a:latin typeface="Arial"/>
+              </a:rPr>
+              <a:t>Tercer nivel del esquema</a:t>
+            </a:r>
+            <a:endParaRPr b="0" lang="es-ES" sz="2400" spc="-1" strike="noStrike">
+              <a:latin typeface="Arial"/>
+            </a:endParaRPr>
+          </a:p>
+          <a:p>
+            <a:pPr lvl="3" marL="1728000" indent="-216000">
+              <a:spcBef>
+                <a:spcPts val="567"/>
+              </a:spcBef>
+              <a:buClr>
+                <a:srgbClr val="000000"/>
+              </a:buClr>
+              <a:buSzPct val="75000"/>
+              <a:buFont typeface="Symbol" charset="2"/>
+              <a:buChar char=""/>
+            </a:pPr>
+            <a:r>
+              <a:rPr b="0" lang="es-ES" sz="2000" spc="-1" strike="noStrike">
+                <a:latin typeface="Arial"/>
+              </a:rPr>
+              <a:t>Cuarto nivel del esquema</a:t>
+            </a:r>
+            <a:endParaRPr b="0" lang="es-ES" sz="2000" spc="-1" strike="noStrike">
+              <a:latin typeface="Arial"/>
+            </a:endParaRPr>
+          </a:p>
+          <a:p>
+            <a:pPr lvl="4" marL="2160000" indent="-216000">
+              <a:spcBef>
+                <a:spcPts val="283"/>
+              </a:spcBef>
+              <a:buClr>
+                <a:srgbClr val="000000"/>
+              </a:buClr>
+              <a:buSzPct val="45000"/>
+              <a:buFont typeface="Wingdings" charset="2"/>
+              <a:buChar char=""/>
+            </a:pPr>
+            <a:r>
+              <a:rPr b="0" lang="es-ES" sz="2000" spc="-1" strike="noStrike">
+                <a:latin typeface="Arial"/>
+              </a:rPr>
+              <a:t>Quinto nivel del esquema</a:t>
+            </a:r>
+            <a:endParaRPr b="0" lang="es-ES" sz="2000" spc="-1" strike="noStrike">
+              <a:latin typeface="Arial"/>
+            </a:endParaRPr>
+          </a:p>
+          <a:p>
+            <a:pPr lvl="5" marL="2592000" indent="-216000">
+              <a:spcBef>
+                <a:spcPts val="283"/>
+              </a:spcBef>
+              <a:buClr>
+                <a:srgbClr val="000000"/>
+              </a:buClr>
+              <a:buSzPct val="45000"/>
+              <a:buFont typeface="Wingdings" charset="2"/>
+              <a:buChar char=""/>
+            </a:pPr>
+            <a:r>
+              <a:rPr b="0" lang="es-ES" sz="2000" spc="-1" strike="noStrike">
+                <a:latin typeface="Arial"/>
+              </a:rPr>
+              <a:t>Sexto nivel del esquema</a:t>
+            </a:r>
+            <a:endParaRPr b="0" lang="es-ES" sz="2000" spc="-1" strike="noStrike">
+              <a:latin typeface="Arial"/>
+            </a:endParaRPr>
+          </a:p>
+          <a:p>
+            <a:pPr lvl="6" marL="3024000" indent="-216000">
+              <a:spcBef>
+                <a:spcPts val="283"/>
+              </a:spcBef>
+              <a:buClr>
+                <a:srgbClr val="000000"/>
+              </a:buClr>
+              <a:buSzPct val="45000"/>
+              <a:buFont typeface="Wingdings" charset="2"/>
+              <a:buChar char=""/>
+            </a:pPr>
+            <a:r>
+              <a:rPr b="0" lang="es-ES" sz="2000" spc="-1" strike="noStrike">
+                <a:latin typeface="Arial"/>
+              </a:rPr>
+              <a:t>Séptimo nivel del esquema</a:t>
+            </a:r>
+            <a:endParaRPr b="0" lang="es-ES" sz="2000" spc="-1" strike="noStrike">
+              <a:latin typeface="Arial"/>
+            </a:endParaRPr>
+          </a:p>
+        </p:txBody>
+      </p:sp>
+    </p:spTree>
+  </p:cSld>
+  <p:clrMap bg1="lt1" bg2="lt2" tx1="dk1" tx2="dk2" accent1="accent1" accent2="accent2" accent3="accent3" accent4="accent4" accent5="accent5" accent6="accent6" hlink="hlink" folHlink="folHlink"/>
+  <p:sldLayoutIdLst>
+    <p:sldLayoutId id="2147483688" r:id="rId4"/>
+    <p:sldLayoutId id="2147483689" r:id="rId5"/>
+    <p:sldLayoutId id="2147483690" r:id="rId6"/>
+    <p:sldLayoutId id="2147483691" r:id="rId7"/>
+    <p:sldLayoutId id="2147483692" r:id="rId8"/>
+    <p:sldLayoutId id="2147483693" r:id="rId9"/>
+    <p:sldLayoutId id="2147483694" r:id="rId10"/>
+    <p:sldLayoutId id="2147483695" r:id="rId11"/>
+    <p:sldLayoutId id="2147483696" r:id="rId12"/>
+    <p:sldLayoutId id="2147483697" r:id="rId13"/>
+    <p:sldLayoutId id="2147483698" r:id="rId14"/>
+    <p:sldLayoutId id="2147483699" r:id="rId15"/>
   </p:sldLayoutIdLst>
 </p:sldMaster>
 </file>
@@ -1674,14 +6556,14 @@
       </p:grpSpPr>
       <p:sp>
         <p:nvSpPr>
-          <p:cNvPr id="40" name="CustomShape 1"/>
+          <p:cNvPr id="160" name="CustomShape 1"/>
           <p:cNvSpPr/>
           <p:nvPr/>
         </p:nvSpPr>
         <p:spPr>
           <a:xfrm>
             <a:off x="504360" y="2553840"/>
-            <a:ext cx="9070560" cy="1621080"/>
+            <a:ext cx="9069840" cy="1620360"/>
           </a:xfrm>
           <a:prstGeom prst="rect">
             <a:avLst/>
@@ -1723,14 +6605,14 @@
       </p:sp>
       <p:sp>
         <p:nvSpPr>
-          <p:cNvPr id="41" name="CustomShape 2"/>
+          <p:cNvPr id="161" name="CustomShape 2"/>
           <p:cNvSpPr/>
           <p:nvPr/>
         </p:nvSpPr>
         <p:spPr>
           <a:xfrm>
             <a:off x="504000" y="4536000"/>
-            <a:ext cx="9070560" cy="1150920"/>
+            <a:ext cx="9069840" cy="1150200"/>
           </a:xfrm>
           <a:prstGeom prst="rect">
             <a:avLst/>
@@ -1798,14 +6680,14 @@
       </p:grpSpPr>
       <p:sp>
         <p:nvSpPr>
-          <p:cNvPr id="42" name="CustomShape 1"/>
+          <p:cNvPr id="162" name="CustomShape 1"/>
           <p:cNvSpPr/>
           <p:nvPr/>
         </p:nvSpPr>
         <p:spPr>
           <a:xfrm>
             <a:off x="504000" y="301320"/>
-            <a:ext cx="9070560" cy="1261080"/>
+            <a:ext cx="9069840" cy="1260360"/>
           </a:xfrm>
           <a:prstGeom prst="rect">
             <a:avLst/>
@@ -1847,14 +6729,14 @@
       </p:sp>
       <p:sp>
         <p:nvSpPr>
-          <p:cNvPr id="43" name="CustomShape 2"/>
+          <p:cNvPr id="163" name="CustomShape 2"/>
           <p:cNvSpPr/>
           <p:nvPr/>
         </p:nvSpPr>
         <p:spPr>
           <a:xfrm>
             <a:off x="504000" y="1768680"/>
-            <a:ext cx="9071280" cy="4383360"/>
+            <a:ext cx="9070560" cy="4382640"/>
           </a:xfrm>
           <a:prstGeom prst="rect">
             <a:avLst/>
@@ -1875,7 +6757,7 @@
             <a:normAutofit/>
           </a:bodyPr>
           <a:p>
-            <a:pPr marL="432000" indent="-323280">
+            <a:pPr marL="432000" indent="-322560">
               <a:lnSpc>
                 <a:spcPct val="100000"/>
               </a:lnSpc>
@@ -1956,14 +6838,14 @@
       </p:grpSpPr>
       <p:sp>
         <p:nvSpPr>
-          <p:cNvPr id="44" name="TextShape 1"/>
-          <p:cNvSpPr txBox="1"/>
+          <p:cNvPr id="164" name="CustomShape 1"/>
+          <p:cNvSpPr/>
           <p:nvPr/>
         </p:nvSpPr>
         <p:spPr>
           <a:xfrm>
             <a:off x="504000" y="619560"/>
-            <a:ext cx="9072000" cy="625320"/>
+            <a:ext cx="9071280" cy="624600"/>
           </a:xfrm>
           <a:prstGeom prst="rect">
             <a:avLst/>
@@ -1973,33 +6855,46 @@
             <a:noFill/>
           </a:ln>
         </p:spPr>
+        <p:style>
+          <a:lnRef idx="0"/>
+          <a:fillRef idx="0"/>
+          <a:effectRef idx="0"/>
+          <a:fontRef idx="minor"/>
+        </p:style>
         <p:txBody>
           <a:bodyPr lIns="0" rIns="0" tIns="0" bIns="0" anchor="ctr"/>
           <a:p>
-            <a:pPr algn="ctr"/>
+            <a:pPr algn="ctr">
+              <a:lnSpc>
+                <a:spcPct val="100000"/>
+              </a:lnSpc>
+            </a:pPr>
             <a:r>
               <a:rPr b="1" lang="es-ES" sz="4400" spc="-1" strike="noStrike">
+                <a:solidFill>
+                  <a:srgbClr val="000000"/>
+                </a:solidFill>
                 <a:latin typeface="Arial"/>
                 <a:ea typeface="Noto Sans CJK SC"/>
               </a:rPr>
               <a:t>¿Cual es el problema a resolver?</a:t>
             </a:r>
-            <a:endParaRPr b="1" lang="es-ES" sz="4400" spc="-1" strike="noStrike">
-              <a:latin typeface="Arial"/>
-            </a:endParaRPr>
-          </a:p>
-        </p:txBody>
-      </p:sp>
-      <p:sp>
-        <p:nvSpPr>
-          <p:cNvPr id="45" name="TextShape 2"/>
-          <p:cNvSpPr txBox="1"/>
+            <a:endParaRPr b="0" lang="es-ES" sz="4400" spc="-1" strike="noStrike">
+              <a:latin typeface="Arial"/>
+            </a:endParaRPr>
+          </a:p>
+        </p:txBody>
+      </p:sp>
+      <p:sp>
+        <p:nvSpPr>
+          <p:cNvPr id="165" name="CustomShape 2"/>
+          <p:cNvSpPr/>
           <p:nvPr/>
         </p:nvSpPr>
         <p:spPr>
           <a:xfrm>
             <a:off x="504000" y="1768680"/>
-            <a:ext cx="9072000" cy="4384080"/>
+            <a:ext cx="9071280" cy="4383360"/>
           </a:xfrm>
           <a:prstGeom prst="rect">
             <a:avLst/>
@@ -2009,12 +6904,25 @@
             <a:noFill/>
           </a:ln>
         </p:spPr>
+        <p:style>
+          <a:lnRef idx="0"/>
+          <a:fillRef idx="0"/>
+          <a:effectRef idx="0"/>
+          <a:fontRef idx="minor"/>
+        </p:style>
         <p:txBody>
           <a:bodyPr lIns="0" rIns="0" tIns="0" bIns="0" anchor="ctr"/>
           <a:p>
-            <a:pPr algn="ctr"/>
+            <a:pPr algn="ctr">
+              <a:lnSpc>
+                <a:spcPct val="100000"/>
+              </a:lnSpc>
+            </a:pPr>
             <a:r>
               <a:rPr b="0" lang="es-ES" sz="2400" spc="-1" strike="noStrike">
+                <a:solidFill>
+                  <a:srgbClr val="000000"/>
+                </a:solidFill>
                 <a:latin typeface="Arial"/>
                 <a:ea typeface="Noto Sans CJK SC"/>
               </a:rPr>
@@ -2077,14 +6985,14 @@
       </p:grpSpPr>
       <p:sp>
         <p:nvSpPr>
-          <p:cNvPr id="46" name="TextShape 1"/>
-          <p:cNvSpPr txBox="1"/>
+          <p:cNvPr id="166" name="CustomShape 1"/>
+          <p:cNvSpPr/>
           <p:nvPr/>
         </p:nvSpPr>
         <p:spPr>
           <a:xfrm>
             <a:off x="504000" y="301320"/>
-            <a:ext cx="9072000" cy="1261800"/>
+            <a:ext cx="9071280" cy="1261080"/>
           </a:xfrm>
           <a:prstGeom prst="rect">
             <a:avLst/>
@@ -2094,33 +7002,46 @@
             <a:noFill/>
           </a:ln>
         </p:spPr>
+        <p:style>
+          <a:lnRef idx="0"/>
+          <a:fillRef idx="0"/>
+          <a:effectRef idx="0"/>
+          <a:fontRef idx="minor"/>
+        </p:style>
         <p:txBody>
           <a:bodyPr lIns="0" rIns="0" tIns="0" bIns="0" anchor="ctr"/>
           <a:p>
-            <a:pPr algn="ctr"/>
+            <a:pPr algn="ctr">
+              <a:lnSpc>
+                <a:spcPct val="100000"/>
+              </a:lnSpc>
+            </a:pPr>
             <a:r>
               <a:rPr b="1" lang="es-ES" sz="4400" spc="-1" strike="noStrike">
+                <a:solidFill>
+                  <a:srgbClr val="000000"/>
+                </a:solidFill>
                 <a:latin typeface="Arial"/>
                 <a:ea typeface="Noto Sans CJK SC"/>
               </a:rPr>
               <a:t>Representación de los datos</a:t>
             </a:r>
-            <a:endParaRPr b="1" lang="es-ES" sz="4400" spc="-1" strike="noStrike">
-              <a:latin typeface="Arial"/>
-            </a:endParaRPr>
-          </a:p>
-        </p:txBody>
-      </p:sp>
-      <p:sp>
-        <p:nvSpPr>
-          <p:cNvPr id="47" name="TextShape 2"/>
-          <p:cNvSpPr txBox="1"/>
+            <a:endParaRPr b="0" lang="es-ES" sz="4400" spc="-1" strike="noStrike">
+              <a:latin typeface="Arial"/>
+            </a:endParaRPr>
+          </a:p>
+        </p:txBody>
+      </p:sp>
+      <p:sp>
+        <p:nvSpPr>
+          <p:cNvPr id="167" name="CustomShape 2"/>
+          <p:cNvSpPr/>
           <p:nvPr/>
         </p:nvSpPr>
         <p:spPr>
           <a:xfrm>
             <a:off x="504000" y="1768680"/>
-            <a:ext cx="9072000" cy="4384080"/>
+            <a:ext cx="9071280" cy="4383360"/>
           </a:xfrm>
           <a:prstGeom prst="rect">
             <a:avLst/>
@@ -2130,37 +7051,49 @@
             <a:noFill/>
           </a:ln>
         </p:spPr>
-        <p:txBody>
-          <a:bodyPr lIns="0" rIns="0" tIns="0" bIns="0">
-            <a:normAutofit/>
-          </a:bodyPr>
-          <a:p>
-            <a:r>
-              <a:rPr b="0" lang="es-ES" sz="1800" spc="-1" strike="noStrike">
-                <a:latin typeface="Arial"/>
-              </a:rPr>
-              <a:t>Los cromosomas del individuo para encontrar una posible solución al problema de las Abejas vs Pesticidas, están representados pos las siguientes clases:</a:t>
-            </a:r>
+        <p:style>
+          <a:lnRef idx="0"/>
+          <a:fillRef idx="0"/>
+          <a:effectRef idx="0"/>
+          <a:fontRef idx="minor"/>
+        </p:style>
+        <p:txBody>
+          <a:bodyPr lIns="0" rIns="0" tIns="0" bIns="0">
+            <a:normAutofit/>
+          </a:bodyPr>
+          <a:p>
+            <a:pPr>
+              <a:lnSpc>
+                <a:spcPct val="100000"/>
+              </a:lnSpc>
+            </a:pPr>
             <a:endParaRPr b="0" lang="es-ES" sz="1800" spc="-1" strike="noStrike">
               <a:latin typeface="Arial"/>
             </a:endParaRPr>
           </a:p>
           <a:p>
-            <a:r>
-              <a:rPr b="0" lang="es-ES" sz="1800" spc="-1" strike="noStrike">
-                <a:latin typeface="Arial"/>
-              </a:rPr>
-              <a:t>Cromosoma </a:t>
-            </a:r>
+            <a:pPr>
+              <a:lnSpc>
+                <a:spcPct val="100000"/>
+              </a:lnSpc>
+            </a:pPr>
             <a:r>
               <a:rPr b="1" lang="es-ES" sz="1800" spc="-1" strike="noStrike">
+                <a:solidFill>
+                  <a:srgbClr val="000000"/>
+                </a:solidFill>
                 <a:latin typeface="Arial"/>
+                <a:ea typeface="DejaVu Sans"/>
               </a:rPr>
               <a:t>Ingrediente</a:t>
             </a:r>
             <a:r>
               <a:rPr b="0" lang="es-ES" sz="1800" spc="-1" strike="noStrike">
+                <a:solidFill>
+                  <a:srgbClr val="000000"/>
+                </a:solidFill>
                 <a:latin typeface="Arial"/>
+                <a:ea typeface="DejaVu Sans"/>
               </a:rPr>
               <a:t> define el ingrediente activo utilizado para un determinado cultivo (Lista de posibles ingredientes activos utilizados para un determinado cultivo) presente en el compuesto y respectiva clasificación (Corrosivo, irritante, inflamable o explosivo).</a:t>
             </a:r>
@@ -2169,21 +7102,38 @@
             </a:endParaRPr>
           </a:p>
           <a:p>
-            <a:r>
-              <a:rPr b="0" lang="es-ES" sz="1800" spc="-1" strike="noStrike">
-                <a:latin typeface="Arial"/>
-              </a:rPr>
-              <a:t>Cromosoma </a:t>
-            </a:r>
+            <a:pPr>
+              <a:lnSpc>
+                <a:spcPct val="100000"/>
+              </a:lnSpc>
+            </a:pPr>
+            <a:endParaRPr b="0" lang="es-ES" sz="1800" spc="-1" strike="noStrike">
+              <a:latin typeface="Arial"/>
+            </a:endParaRPr>
+          </a:p>
+          <a:p>
+            <a:pPr>
+              <a:lnSpc>
+                <a:spcPct val="100000"/>
+              </a:lnSpc>
+            </a:pPr>
             <a:r>
               <a:rPr b="1" lang="es-ES" sz="1800" spc="-1" strike="noStrike">
+                <a:solidFill>
+                  <a:srgbClr val="000000"/>
+                </a:solidFill>
                 <a:latin typeface="Arial"/>
+                <a:ea typeface="DejaVu Sans"/>
               </a:rPr>
               <a:t>Exposición</a:t>
             </a:r>
             <a:r>
               <a:rPr b="0" lang="es-ES" sz="1800" spc="-1" strike="noStrike">
+                <a:solidFill>
+                  <a:srgbClr val="000000"/>
+                </a:solidFill>
                 <a:latin typeface="Arial"/>
+                <a:ea typeface="DejaVu Sans"/>
               </a:rPr>
               <a:t> define si la exposición que presentan las abejas mielíferas al ingreduente activo es por contacto, alimentación o ambas. </a:t>
             </a:r>
@@ -2192,21 +7142,38 @@
             </a:endParaRPr>
           </a:p>
           <a:p>
-            <a:r>
-              <a:rPr b="0" lang="es-ES" sz="1800" spc="-1" strike="noStrike">
-                <a:latin typeface="Arial"/>
-              </a:rPr>
-              <a:t>Cromosoma </a:t>
-            </a:r>
+            <a:pPr>
+              <a:lnSpc>
+                <a:spcPct val="100000"/>
+              </a:lnSpc>
+            </a:pPr>
+            <a:endParaRPr b="0" lang="es-ES" sz="1800" spc="-1" strike="noStrike">
+              <a:latin typeface="Arial"/>
+            </a:endParaRPr>
+          </a:p>
+          <a:p>
+            <a:pPr>
+              <a:lnSpc>
+                <a:spcPct val="100000"/>
+              </a:lnSpc>
+            </a:pPr>
             <a:r>
               <a:rPr b="1" lang="es-ES" sz="1800" spc="-1" strike="noStrike">
+                <a:solidFill>
+                  <a:srgbClr val="000000"/>
+                </a:solidFill>
                 <a:latin typeface="Arial"/>
+                <a:ea typeface="DejaVu Sans"/>
               </a:rPr>
               <a:t>Aplicación</a:t>
             </a:r>
             <a:r>
               <a:rPr b="0" lang="es-ES" sz="1800" spc="-1" strike="noStrike">
+                <a:solidFill>
+                  <a:srgbClr val="000000"/>
+                </a:solidFill>
                 <a:latin typeface="Arial"/>
+                <a:ea typeface="DejaVu Sans"/>
               </a:rPr>
               <a:t> define la forma en la que es aplicado el pesticida en el cultivo (espolvoreo, pulverización, fumigación, aplicación de cebos, tratamientos vía riego y aplicación en el suelo)</a:t>
             </a:r>
@@ -2215,21 +7182,38 @@
             </a:endParaRPr>
           </a:p>
           <a:p>
-            <a:r>
-              <a:rPr b="0" lang="es-ES" sz="1800" spc="-1" strike="noStrike">
-                <a:latin typeface="Arial"/>
-              </a:rPr>
-              <a:t>Cromosoma </a:t>
-            </a:r>
+            <a:pPr>
+              <a:lnSpc>
+                <a:spcPct val="100000"/>
+              </a:lnSpc>
+            </a:pPr>
+            <a:endParaRPr b="0" lang="es-ES" sz="1800" spc="-1" strike="noStrike">
+              <a:latin typeface="Arial"/>
+            </a:endParaRPr>
+          </a:p>
+          <a:p>
+            <a:pPr>
+              <a:lnSpc>
+                <a:spcPct val="100000"/>
+              </a:lnSpc>
+            </a:pPr>
             <a:r>
               <a:rPr b="1" lang="es-ES" sz="1800" spc="-1" strike="noStrike">
+                <a:solidFill>
+                  <a:srgbClr val="000000"/>
+                </a:solidFill>
                 <a:latin typeface="Arial"/>
+                <a:ea typeface="DejaVu Sans"/>
               </a:rPr>
               <a:t>Residualidad</a:t>
             </a:r>
             <a:r>
               <a:rPr b="0" lang="es-ES" sz="1800" spc="-1" strike="noStrike">
+                <a:solidFill>
+                  <a:srgbClr val="000000"/>
+                </a:solidFill>
                 <a:latin typeface="Arial"/>
+                <a:ea typeface="DejaVu Sans"/>
               </a:rPr>
               <a:t> define el tiempo en días que el ingrediente activo esta presente en el ecosistema.</a:t>
             </a:r>
@@ -2290,14 +7274,14 @@
       </p:grpSpPr>
       <p:sp>
         <p:nvSpPr>
-          <p:cNvPr id="48" name="TextShape 1"/>
-          <p:cNvSpPr txBox="1"/>
+          <p:cNvPr id="168" name="CustomShape 1"/>
+          <p:cNvSpPr/>
           <p:nvPr/>
         </p:nvSpPr>
         <p:spPr>
           <a:xfrm>
             <a:off x="504000" y="301320"/>
-            <a:ext cx="9072000" cy="1261800"/>
+            <a:ext cx="9071280" cy="1261080"/>
           </a:xfrm>
           <a:prstGeom prst="rect">
             <a:avLst/>
@@ -2307,33 +7291,46 @@
             <a:noFill/>
           </a:ln>
         </p:spPr>
+        <p:style>
+          <a:lnRef idx="0"/>
+          <a:fillRef idx="0"/>
+          <a:effectRef idx="0"/>
+          <a:fontRef idx="minor"/>
+        </p:style>
         <p:txBody>
           <a:bodyPr lIns="0" rIns="0" tIns="0" bIns="0" anchor="ctr"/>
           <a:p>
-            <a:pPr algn="ctr"/>
+            <a:pPr algn="ctr">
+              <a:lnSpc>
+                <a:spcPct val="100000"/>
+              </a:lnSpc>
+            </a:pPr>
             <a:r>
               <a:rPr b="1" lang="es-ES" sz="4400" spc="-1" strike="noStrike">
+                <a:solidFill>
+                  <a:srgbClr val="000000"/>
+                </a:solidFill>
                 <a:latin typeface="Arial"/>
                 <a:ea typeface="Noto Sans CJK SC"/>
               </a:rPr>
               <a:t>Dificultades</a:t>
             </a:r>
-            <a:endParaRPr b="1" lang="es-ES" sz="4400" spc="-1" strike="noStrike">
-              <a:latin typeface="Arial"/>
-            </a:endParaRPr>
-          </a:p>
-        </p:txBody>
-      </p:sp>
-      <p:sp>
-        <p:nvSpPr>
-          <p:cNvPr id="49" name="TextShape 2"/>
-          <p:cNvSpPr txBox="1"/>
+            <a:endParaRPr b="0" lang="es-ES" sz="4400" spc="-1" strike="noStrike">
+              <a:latin typeface="Arial"/>
+            </a:endParaRPr>
+          </a:p>
+        </p:txBody>
+      </p:sp>
+      <p:sp>
+        <p:nvSpPr>
+          <p:cNvPr id="169" name="CustomShape 2"/>
+          <p:cNvSpPr/>
           <p:nvPr/>
         </p:nvSpPr>
         <p:spPr>
           <a:xfrm>
             <a:off x="504000" y="1768680"/>
-            <a:ext cx="9072000" cy="4384080"/>
+            <a:ext cx="9071280" cy="4383360"/>
           </a:xfrm>
           <a:prstGeom prst="rect">
             <a:avLst/>
@@ -2343,12 +7340,21 @@
             <a:noFill/>
           </a:ln>
         </p:spPr>
-        <p:txBody>
-          <a:bodyPr lIns="0" rIns="0" tIns="0" bIns="0">
-            <a:normAutofit/>
-          </a:bodyPr>
-          <a:p>
-            <a:pPr marL="432000" indent="-324000">
+        <p:style>
+          <a:lnRef idx="0"/>
+          <a:fillRef idx="0"/>
+          <a:effectRef idx="0"/>
+          <a:fontRef idx="minor"/>
+        </p:style>
+        <p:txBody>
+          <a:bodyPr lIns="0" rIns="0" tIns="0" bIns="0">
+            <a:normAutofit/>
+          </a:bodyPr>
+          <a:p>
+            <a:pPr marL="432000" indent="-323280">
+              <a:lnSpc>
+                <a:spcPct val="100000"/>
+              </a:lnSpc>
               <a:spcBef>
                 <a:spcPts val="1417"/>
               </a:spcBef>
@@ -2361,7 +7367,11 @@
             </a:pPr>
             <a:r>
               <a:rPr b="0" lang="es-ES" sz="2400" spc="-1" strike="noStrike">
+                <a:solidFill>
+                  <a:srgbClr val="000000"/>
+                </a:solidFill>
                 <a:latin typeface="Arial"/>
+                <a:ea typeface="DejaVu Sans"/>
               </a:rPr>
               <a:t>La relación entre las variables no es clara</a:t>
             </a:r>
@@ -2370,7 +7380,10 @@
             </a:endParaRPr>
           </a:p>
           <a:p>
-            <a:pPr marL="432000" indent="-324000">
+            <a:pPr marL="432000" indent="-323280">
+              <a:lnSpc>
+                <a:spcPct val="100000"/>
+              </a:lnSpc>
               <a:spcBef>
                 <a:spcPts val="1417"/>
               </a:spcBef>
@@ -2383,7 +7396,11 @@
             </a:pPr>
             <a:r>
               <a:rPr b="0" lang="es-ES" sz="2400" spc="-1" strike="noStrike">
+                <a:solidFill>
+                  <a:srgbClr val="000000"/>
+                </a:solidFill>
                 <a:latin typeface="Arial"/>
+                <a:ea typeface="DejaVu Sans"/>
               </a:rPr>
               <a:t>Encontrar el método para calcula el grado de toxicidad mas adecuado.</a:t>
             </a:r>
@@ -2444,14 +7461,14 @@
       </p:grpSpPr>
       <p:sp>
         <p:nvSpPr>
-          <p:cNvPr id="50" name="TextShape 1"/>
-          <p:cNvSpPr txBox="1"/>
+          <p:cNvPr id="170" name="CustomShape 1"/>
+          <p:cNvSpPr/>
           <p:nvPr/>
         </p:nvSpPr>
         <p:spPr>
           <a:xfrm>
             <a:off x="504000" y="301320"/>
-            <a:ext cx="9072000" cy="1261800"/>
+            <a:ext cx="9071280" cy="1261080"/>
           </a:xfrm>
           <a:prstGeom prst="rect">
             <a:avLst/>
@@ -2461,33 +7478,46 @@
             <a:noFill/>
           </a:ln>
         </p:spPr>
+        <p:style>
+          <a:lnRef idx="0"/>
+          <a:fillRef idx="0"/>
+          <a:effectRef idx="0"/>
+          <a:fontRef idx="minor"/>
+        </p:style>
         <p:txBody>
           <a:bodyPr lIns="0" rIns="0" tIns="0" bIns="0" anchor="ctr"/>
           <a:p>
-            <a:pPr algn="ctr"/>
+            <a:pPr algn="ctr">
+              <a:lnSpc>
+                <a:spcPct val="100000"/>
+              </a:lnSpc>
+            </a:pPr>
             <a:r>
               <a:rPr b="1" lang="es-ES" sz="4400" spc="-1" strike="noStrike">
+                <a:solidFill>
+                  <a:srgbClr val="000000"/>
+                </a:solidFill>
                 <a:latin typeface="Arial"/>
                 <a:ea typeface="Noto Sans CJK SC"/>
               </a:rPr>
               <a:t>Algoritmo genético</a:t>
             </a:r>
-            <a:endParaRPr b="1" lang="es-ES" sz="4400" spc="-1" strike="noStrike">
-              <a:latin typeface="Arial"/>
-            </a:endParaRPr>
-          </a:p>
-        </p:txBody>
-      </p:sp>
-      <p:sp>
-        <p:nvSpPr>
-          <p:cNvPr id="51" name="TextShape 2"/>
-          <p:cNvSpPr txBox="1"/>
+            <a:endParaRPr b="0" lang="es-ES" sz="4400" spc="-1" strike="noStrike">
+              <a:latin typeface="Arial"/>
+            </a:endParaRPr>
+          </a:p>
+        </p:txBody>
+      </p:sp>
+      <p:sp>
+        <p:nvSpPr>
+          <p:cNvPr id="171" name="CustomShape 2"/>
+          <p:cNvSpPr/>
           <p:nvPr/>
         </p:nvSpPr>
         <p:spPr>
           <a:xfrm>
             <a:off x="504000" y="1768680"/>
-            <a:ext cx="9072000" cy="4384080"/>
+            <a:ext cx="9071280" cy="4383360"/>
           </a:xfrm>
           <a:prstGeom prst="rect">
             <a:avLst/>
@@ -2497,14 +7527,29 @@
             <a:noFill/>
           </a:ln>
         </p:spPr>
-        <p:txBody>
-          <a:bodyPr lIns="0" rIns="0" tIns="0" bIns="0">
-            <a:normAutofit/>
-          </a:bodyPr>
-          <a:p>
+        <p:style>
+          <a:lnRef idx="0"/>
+          <a:fillRef idx="0"/>
+          <a:effectRef idx="0"/>
+          <a:fontRef idx="minor"/>
+        </p:style>
+        <p:txBody>
+          <a:bodyPr lIns="0" rIns="0" tIns="0" bIns="0">
+            <a:normAutofit/>
+          </a:bodyPr>
+          <a:p>
+            <a:pPr>
+              <a:lnSpc>
+                <a:spcPct val="100000"/>
+              </a:lnSpc>
+            </a:pPr>
             <a:r>
               <a:rPr b="0" lang="es-ES" sz="2200" spc="-1" strike="noStrike">
+                <a:solidFill>
+                  <a:srgbClr val="000000"/>
+                </a:solidFill>
                 <a:latin typeface="Arial"/>
+                <a:ea typeface="DejaVu Sans"/>
               </a:rPr>
               <a:t>El individuo esta compuesto por cinco cromosomas, los cuales son:</a:t>
             </a:r>
@@ -2513,7 +7558,10 @@
             </a:endParaRPr>
           </a:p>
           <a:p>
-            <a:pPr marL="432000" indent="-324000">
+            <a:pPr marL="432000" indent="-323280">
+              <a:lnSpc>
+                <a:spcPct val="100000"/>
+              </a:lnSpc>
               <a:spcBef>
                 <a:spcPts val="1417"/>
               </a:spcBef>
@@ -2526,7 +7574,11 @@
             </a:pPr>
             <a:r>
               <a:rPr b="0" lang="es-ES" sz="2200" spc="-1" strike="noStrike">
+                <a:solidFill>
+                  <a:srgbClr val="000000"/>
+                </a:solidFill>
                 <a:latin typeface="Arial"/>
+                <a:ea typeface="DejaVu Sans"/>
               </a:rPr>
               <a:t>Concentración del ingrediente activo</a:t>
             </a:r>
@@ -2535,7 +7587,10 @@
             </a:endParaRPr>
           </a:p>
           <a:p>
-            <a:pPr marL="432000" indent="-324000">
+            <a:pPr marL="432000" indent="-323280">
+              <a:lnSpc>
+                <a:spcPct val="100000"/>
+              </a:lnSpc>
               <a:spcBef>
                 <a:spcPts val="1417"/>
               </a:spcBef>
@@ -2548,7 +7603,11 @@
             </a:pPr>
             <a:r>
               <a:rPr b="0" lang="es-ES" sz="2200" spc="-1" strike="noStrike">
+                <a:solidFill>
+                  <a:srgbClr val="000000"/>
+                </a:solidFill>
                 <a:latin typeface="Arial"/>
+                <a:ea typeface="DejaVu Sans"/>
               </a:rPr>
               <a:t>Clasificación del ingrediente activo</a:t>
             </a:r>
@@ -2557,7 +7616,10 @@
             </a:endParaRPr>
           </a:p>
           <a:p>
-            <a:pPr marL="432000" indent="-324000">
+            <a:pPr marL="432000" indent="-323280">
+              <a:lnSpc>
+                <a:spcPct val="100000"/>
+              </a:lnSpc>
               <a:spcBef>
                 <a:spcPts val="1417"/>
               </a:spcBef>
@@ -2570,7 +7632,11 @@
             </a:pPr>
             <a:r>
               <a:rPr b="0" lang="es-ES" sz="2200" spc="-1" strike="noStrike">
+                <a:solidFill>
+                  <a:srgbClr val="000000"/>
+                </a:solidFill>
                 <a:latin typeface="Arial"/>
+                <a:ea typeface="DejaVu Sans"/>
               </a:rPr>
               <a:t>Tipo de exposición del pesticida</a:t>
             </a:r>
@@ -2579,7 +7645,10 @@
             </a:endParaRPr>
           </a:p>
           <a:p>
-            <a:pPr marL="432000" indent="-324000">
+            <a:pPr marL="432000" indent="-323280">
+              <a:lnSpc>
+                <a:spcPct val="100000"/>
+              </a:lnSpc>
               <a:spcBef>
                 <a:spcPts val="1417"/>
               </a:spcBef>
@@ -2592,7 +7661,11 @@
             </a:pPr>
             <a:r>
               <a:rPr b="0" lang="es-ES" sz="2200" spc="-1" strike="noStrike">
+                <a:solidFill>
+                  <a:srgbClr val="000000"/>
+                </a:solidFill>
                 <a:latin typeface="Arial"/>
+                <a:ea typeface="DejaVu Sans"/>
               </a:rPr>
               <a:t>Forma de aplicación del pesticida</a:t>
             </a:r>
@@ -2601,7 +7674,10 @@
             </a:endParaRPr>
           </a:p>
           <a:p>
-            <a:pPr marL="432000" indent="-324000">
+            <a:pPr marL="432000" indent="-323280">
+              <a:lnSpc>
+                <a:spcPct val="100000"/>
+              </a:lnSpc>
               <a:spcBef>
                 <a:spcPts val="1417"/>
               </a:spcBef>
@@ -2614,7 +7690,11 @@
             </a:pPr>
             <a:r>
               <a:rPr b="0" lang="es-ES" sz="2200" spc="-1" strike="noStrike">
+                <a:solidFill>
+                  <a:srgbClr val="000000"/>
+                </a:solidFill>
                 <a:latin typeface="Arial"/>
+                <a:ea typeface="DejaVu Sans"/>
               </a:rPr>
               <a:t>Residualidad del pesticida</a:t>
             </a:r>
@@ -2623,9 +7703,18 @@
             </a:endParaRPr>
           </a:p>
           <a:p>
+            <a:pPr>
+              <a:lnSpc>
+                <a:spcPct val="100000"/>
+              </a:lnSpc>
+            </a:pPr>
             <a:r>
               <a:rPr b="0" lang="es-ES" sz="2200" spc="-1" strike="noStrike">
+                <a:solidFill>
+                  <a:srgbClr val="000000"/>
+                </a:solidFill>
                 <a:latin typeface="Arial"/>
+                <a:ea typeface="DejaVu Sans"/>
               </a:rPr>
               <a:t>A lo largo de la ejecución del algoritmo cada uno de los cromosomas (Se parte de la hipótesis de que no hay dependencia directa de los cromosomas) presenta mutación de acuerdo de forma independiente y de acuerdo a la probabilidad de mutación.</a:t>
             </a:r>
@@ -2686,14 +7775,14 @@
       </p:grpSpPr>
       <p:sp>
         <p:nvSpPr>
-          <p:cNvPr id="52" name="TextShape 1"/>
-          <p:cNvSpPr txBox="1"/>
+          <p:cNvPr id="172" name="CustomShape 1"/>
+          <p:cNvSpPr/>
           <p:nvPr/>
         </p:nvSpPr>
         <p:spPr>
           <a:xfrm>
             <a:off x="504000" y="301320"/>
-            <a:ext cx="9072000" cy="1261800"/>
+            <a:ext cx="9071280" cy="1261080"/>
           </a:xfrm>
           <a:prstGeom prst="rect">
             <a:avLst/>
@@ -2703,33 +7792,46 @@
             <a:noFill/>
           </a:ln>
         </p:spPr>
+        <p:style>
+          <a:lnRef idx="0"/>
+          <a:fillRef idx="0"/>
+          <a:effectRef idx="0"/>
+          <a:fontRef idx="minor"/>
+        </p:style>
         <p:txBody>
           <a:bodyPr lIns="0" rIns="0" tIns="0" bIns="0" anchor="ctr"/>
           <a:p>
-            <a:pPr algn="ctr"/>
+            <a:pPr algn="ctr">
+              <a:lnSpc>
+                <a:spcPct val="100000"/>
+              </a:lnSpc>
+            </a:pPr>
             <a:r>
               <a:rPr b="1" lang="es-ES" sz="4400" spc="-1" strike="noStrike">
+                <a:solidFill>
+                  <a:srgbClr val="000000"/>
+                </a:solidFill>
                 <a:latin typeface="Arial"/>
                 <a:ea typeface="Noto Sans CJK SC"/>
               </a:rPr>
               <a:t>Enfriamiento simulado</a:t>
             </a:r>
-            <a:endParaRPr b="1" lang="es-ES" sz="4400" spc="-1" strike="noStrike">
-              <a:latin typeface="Arial"/>
-            </a:endParaRPr>
-          </a:p>
-        </p:txBody>
-      </p:sp>
-      <p:sp>
-        <p:nvSpPr>
-          <p:cNvPr id="53" name="TextShape 2"/>
-          <p:cNvSpPr txBox="1"/>
+            <a:endParaRPr b="0" lang="es-ES" sz="4400" spc="-1" strike="noStrike">
+              <a:latin typeface="Arial"/>
+            </a:endParaRPr>
+          </a:p>
+        </p:txBody>
+      </p:sp>
+      <p:sp>
+        <p:nvSpPr>
+          <p:cNvPr id="173" name="CustomShape 2"/>
+          <p:cNvSpPr/>
           <p:nvPr/>
         </p:nvSpPr>
         <p:spPr>
           <a:xfrm>
             <a:off x="504000" y="1768680"/>
-            <a:ext cx="9072000" cy="4384080"/>
+            <a:ext cx="9071280" cy="4383360"/>
           </a:xfrm>
           <a:prstGeom prst="rect">
             <a:avLst/>
@@ -2739,12 +7841,21 @@
             <a:noFill/>
           </a:ln>
         </p:spPr>
-        <p:txBody>
-          <a:bodyPr lIns="0" rIns="0" tIns="0" bIns="0">
-            <a:normAutofit/>
-          </a:bodyPr>
-          <a:p>
-            <a:pPr marL="432000" indent="-324000">
+        <p:style>
+          <a:lnRef idx="0"/>
+          <a:fillRef idx="0"/>
+          <a:effectRef idx="0"/>
+          <a:fontRef idx="minor"/>
+        </p:style>
+        <p:txBody>
+          <a:bodyPr lIns="0" rIns="0" tIns="0" bIns="0">
+            <a:normAutofit/>
+          </a:bodyPr>
+          <a:p>
+            <a:pPr marL="432000" indent="-323280">
+              <a:lnSpc>
+                <a:spcPct val="100000"/>
+              </a:lnSpc>
               <a:spcBef>
                 <a:spcPts val="1417"/>
               </a:spcBef>
@@ -2757,7 +7868,11 @@
             </a:pPr>
             <a:r>
               <a:rPr b="0" lang="es-ES" sz="2400" spc="-1" strike="noStrike">
+                <a:solidFill>
+                  <a:srgbClr val="000000"/>
+                </a:solidFill>
                 <a:latin typeface="Arial"/>
+                <a:ea typeface="DejaVu Sans"/>
               </a:rPr>
               <a:t>Inicialmente de crean N poblaciones con M vecinos para hacer la búsqueda global de una solución que minimice el riesgo al que están expuestas la abejas melificaras (Optimo global). </a:t>
             </a:r>
@@ -2766,7 +7881,10 @@
             </a:endParaRPr>
           </a:p>
           <a:p>
-            <a:pPr marL="432000" indent="-324000">
+            <a:pPr marL="432000" indent="-323280">
+              <a:lnSpc>
+                <a:spcPct val="100000"/>
+              </a:lnSpc>
               <a:spcBef>
                 <a:spcPts val="1417"/>
               </a:spcBef>
@@ -2779,7 +7897,11 @@
             </a:pPr>
             <a:r>
               <a:rPr b="0" lang="es-ES" sz="2400" spc="-1" strike="noStrike">
+                <a:solidFill>
+                  <a:srgbClr val="000000"/>
+                </a:solidFill>
                 <a:latin typeface="Arial"/>
+                <a:ea typeface="DejaVu Sans"/>
               </a:rPr>
               <a:t>Cuando se ejecuto el algoritmo se puede visualizar que el el algoritmo  no tiene que realizar demasiadas transiciones para encontrar un optimo global adecuando al variar la temperatura dentro del algoritmo.</a:t>
             </a:r>
@@ -2840,14 +7962,14 @@
       </p:grpSpPr>
       <p:sp>
         <p:nvSpPr>
-          <p:cNvPr id="54" name="TextShape 1"/>
-          <p:cNvSpPr txBox="1"/>
+          <p:cNvPr id="174" name="CustomShape 1"/>
+          <p:cNvSpPr/>
           <p:nvPr/>
         </p:nvSpPr>
         <p:spPr>
           <a:xfrm>
             <a:off x="504000" y="301320"/>
-            <a:ext cx="9072000" cy="1261800"/>
+            <a:ext cx="9071280" cy="1261080"/>
           </a:xfrm>
           <a:prstGeom prst="rect">
             <a:avLst/>
@@ -2857,18 +7979,31 @@
             <a:noFill/>
           </a:ln>
         </p:spPr>
+        <p:style>
+          <a:lnRef idx="0"/>
+          <a:fillRef idx="0"/>
+          <a:effectRef idx="0"/>
+          <a:fontRef idx="minor"/>
+        </p:style>
         <p:txBody>
           <a:bodyPr lIns="0" rIns="0" tIns="0" bIns="0" anchor="ctr"/>
           <a:p>
-            <a:pPr algn="ctr"/>
+            <a:pPr algn="ctr">
+              <a:lnSpc>
+                <a:spcPct val="100000"/>
+              </a:lnSpc>
+            </a:pPr>
             <a:r>
               <a:rPr b="1" lang="es-ES" sz="4400" spc="-1" strike="noStrike">
+                <a:solidFill>
+                  <a:srgbClr val="000000"/>
+                </a:solidFill>
                 <a:latin typeface="Arial"/>
                 <a:ea typeface="Noto Sans CJK SC"/>
               </a:rPr>
               <a:t>Resultados</a:t>
             </a:r>
-            <a:endParaRPr b="1" lang="es-ES" sz="4400" spc="-1" strike="noStrike">
+            <a:endParaRPr b="0" lang="es-ES" sz="4400" spc="-1" strike="noStrike">
               <a:latin typeface="Arial"/>
             </a:endParaRPr>
           </a:p>
@@ -2876,7 +8011,7 @@
       </p:sp>
       <p:pic>
         <p:nvPicPr>
-          <p:cNvPr id="55" name="" descr=""/>
+          <p:cNvPr id="175" name="" descr=""/>
           <p:cNvPicPr/>
           <p:nvPr/>
         </p:nvPicPr>
@@ -2887,7 +8022,7 @@
         <p:spPr>
           <a:xfrm>
             <a:off x="255600" y="2642400"/>
-            <a:ext cx="4352400" cy="2685600"/>
+            <a:ext cx="4351680" cy="2684880"/>
           </a:xfrm>
           <a:prstGeom prst="rect">
             <a:avLst/>
@@ -2897,9 +8032,117 @@
           </a:ln>
         </p:spPr>
       </p:pic>
+      <p:sp>
+        <p:nvSpPr>
+          <p:cNvPr id="176" name="CustomShape 2"/>
+          <p:cNvSpPr/>
+          <p:nvPr/>
+        </p:nvSpPr>
+        <p:spPr>
+          <a:xfrm>
+            <a:off x="1008000" y="1944000"/>
+            <a:ext cx="3023280" cy="757080"/>
+          </a:xfrm>
+          <a:prstGeom prst="rect">
+            <a:avLst/>
+          </a:prstGeom>
+          <a:noFill/>
+          <a:ln>
+            <a:noFill/>
+          </a:ln>
+        </p:spPr>
+        <p:style>
+          <a:lnRef idx="0"/>
+          <a:fillRef idx="0"/>
+          <a:effectRef idx="0"/>
+          <a:fontRef idx="minor"/>
+        </p:style>
+        <p:txBody>
+          <a:bodyPr lIns="0" rIns="0" tIns="0" bIns="0" anchor="ctr"/>
+          <a:p>
+            <a:pPr algn="ctr">
+              <a:lnSpc>
+                <a:spcPct val="100000"/>
+              </a:lnSpc>
+            </a:pPr>
+            <a:r>
+              <a:rPr b="1" lang="es-ES" sz="2400" spc="-1" strike="noStrike">
+                <a:solidFill>
+                  <a:srgbClr val="000000"/>
+                </a:solidFill>
+                <a:latin typeface="Arial"/>
+                <a:ea typeface="Noto Sans CJK SC"/>
+              </a:rPr>
+              <a:t>Algoritmo genético</a:t>
+            </a:r>
+            <a:endParaRPr b="0" lang="es-ES" sz="2400" spc="-1" strike="noStrike">
+              <a:latin typeface="Arial"/>
+            </a:endParaRPr>
+          </a:p>
+        </p:txBody>
+      </p:sp>
+      <p:sp>
+        <p:nvSpPr>
+          <p:cNvPr id="177" name="CustomShape 3"/>
+          <p:cNvSpPr/>
+          <p:nvPr/>
+        </p:nvSpPr>
+        <p:spPr>
+          <a:xfrm>
+            <a:off x="5472000" y="1906200"/>
+            <a:ext cx="3023280" cy="757080"/>
+          </a:xfrm>
+          <a:prstGeom prst="rect">
+            <a:avLst/>
+          </a:prstGeom>
+          <a:noFill/>
+          <a:ln>
+            <a:noFill/>
+          </a:ln>
+        </p:spPr>
+        <p:style>
+          <a:lnRef idx="0"/>
+          <a:fillRef idx="0"/>
+          <a:effectRef idx="0"/>
+          <a:fontRef idx="minor"/>
+        </p:style>
+        <p:txBody>
+          <a:bodyPr lIns="0" rIns="0" tIns="0" bIns="0" anchor="ctr"/>
+          <a:p>
+            <a:pPr algn="ctr">
+              <a:lnSpc>
+                <a:spcPct val="100000"/>
+              </a:lnSpc>
+            </a:pPr>
+            <a:r>
+              <a:rPr b="1" lang="es-ES" sz="2000" spc="-1" strike="noStrike">
+                <a:solidFill>
+                  <a:srgbClr val="000000"/>
+                </a:solidFill>
+                <a:latin typeface="Arial"/>
+                <a:ea typeface="Noto Sans CJK SC"/>
+              </a:rPr>
+              <a:t>Enfriamiento</a:t>
+            </a:r>
+            <a:r>
+              <a:rPr b="1" lang="es-ES" sz="2400" spc="-1" strike="noStrike">
+                <a:solidFill>
+                  <a:srgbClr val="000000"/>
+                </a:solidFill>
+                <a:latin typeface="Arial"/>
+                <a:ea typeface="Noto Sans CJK SC"/>
+              </a:rPr>
+              <a:t> simulado</a:t>
+            </a:r>
+            <a:endParaRPr b="0" lang="es-ES" sz="2400" spc="-1" strike="noStrike">
+              <a:latin typeface="Arial"/>
+            </a:endParaRPr>
+          </a:p>
+        </p:txBody>
+      </p:sp>
       <p:pic>
         <p:nvPicPr>
-          <p:cNvPr id="56" name="" descr=""/>
+          <p:cNvPr id="178" name="" descr=""/>
           <p:cNvPicPr/>
           <p:nvPr/>
         </p:nvPicPr>
@@ -2909,8 +8152,8 @@
         </p:blipFill>
         <p:spPr>
           <a:xfrm>
-            <a:off x="5256000" y="2736000"/>
-            <a:ext cx="3528000" cy="2380680"/>
+            <a:off x="5288040" y="2736000"/>
+            <a:ext cx="3587040" cy="2448000"/>
           </a:xfrm>
           <a:prstGeom prst="rect">
             <a:avLst/>
@@ -2920,85 +8163,6 @@
           </a:ln>
         </p:spPr>
       </p:pic>
-      <p:sp>
-        <p:nvSpPr>
-          <p:cNvPr id="57" name="TextShape 2"/>
-          <p:cNvSpPr txBox="1"/>
-          <p:nvPr/>
-        </p:nvSpPr>
-        <p:spPr>
-          <a:xfrm>
-            <a:off x="1008000" y="1944000"/>
-            <a:ext cx="3024000" cy="757800"/>
-          </a:xfrm>
-          <a:prstGeom prst="rect">
-            <a:avLst/>
-          </a:prstGeom>
-          <a:noFill/>
-          <a:ln>
-            <a:noFill/>
-          </a:ln>
-        </p:spPr>
-        <p:txBody>
-          <a:bodyPr lIns="0" rIns="0" tIns="0" bIns="0" anchor="ctr"/>
-          <a:p>
-            <a:pPr algn="ctr"/>
-            <a:r>
-              <a:rPr b="1" lang="es-ES" sz="2400" spc="-1" strike="noStrike">
-                <a:latin typeface="Arial"/>
-                <a:ea typeface="Noto Sans CJK SC"/>
-              </a:rPr>
-              <a:t>Algoritmo genético</a:t>
-            </a:r>
-            <a:endParaRPr b="1" lang="es-ES" sz="2400" spc="-1" strike="noStrike">
-              <a:latin typeface="Arial"/>
-            </a:endParaRPr>
-          </a:p>
-        </p:txBody>
-      </p:sp>
-      <p:sp>
-        <p:nvSpPr>
-          <p:cNvPr id="58" name="TextShape 3"/>
-          <p:cNvSpPr txBox="1"/>
-          <p:nvPr/>
-        </p:nvSpPr>
-        <p:spPr>
-          <a:xfrm>
-            <a:off x="5472000" y="1906200"/>
-            <a:ext cx="3024000" cy="757800"/>
-          </a:xfrm>
-          <a:prstGeom prst="rect">
-            <a:avLst/>
-          </a:prstGeom>
-          <a:noFill/>
-          <a:ln>
-            <a:noFill/>
-          </a:ln>
-        </p:spPr>
-        <p:txBody>
-          <a:bodyPr lIns="0" rIns="0" tIns="0" bIns="0" anchor="ctr"/>
-          <a:p>
-            <a:pPr algn="ctr"/>
-            <a:r>
-              <a:rPr b="1" lang="es-ES" sz="2000" spc="-1" strike="noStrike">
-                <a:latin typeface="Arial"/>
-                <a:ea typeface="Noto Sans CJK SC"/>
-              </a:rPr>
-              <a:t>Enfriamiento</a:t>
-            </a:r>
-            <a:r>
-              <a:rPr b="1" lang="es-ES" sz="2400" spc="-1" strike="noStrike">
-                <a:latin typeface="Arial"/>
-                <a:ea typeface="Noto Sans CJK SC"/>
-              </a:rPr>
-              <a:t> simulado</a:t>
-            </a:r>
-            <a:endParaRPr b="1" lang="es-ES" sz="2400" spc="-1" strike="noStrike">
-              <a:latin typeface="Arial"/>
-            </a:endParaRPr>
-          </a:p>
-        </p:txBody>
-      </p:sp>
     </p:spTree>
   </p:cSld>
   <p:timing>
@@ -3050,14 +8214,14 @@
       </p:grpSpPr>
       <p:sp>
         <p:nvSpPr>
-          <p:cNvPr id="59" name="TextShape 1"/>
-          <p:cNvSpPr txBox="1"/>
+          <p:cNvPr id="179" name="CustomShape 1"/>
+          <p:cNvSpPr/>
           <p:nvPr/>
         </p:nvSpPr>
         <p:spPr>
           <a:xfrm>
             <a:off x="504000" y="301320"/>
-            <a:ext cx="9072000" cy="1261800"/>
+            <a:ext cx="9071280" cy="1261080"/>
           </a:xfrm>
           <a:prstGeom prst="rect">
             <a:avLst/>
@@ -3067,33 +8231,46 @@
             <a:noFill/>
           </a:ln>
         </p:spPr>
+        <p:style>
+          <a:lnRef idx="0"/>
+          <a:fillRef idx="0"/>
+          <a:effectRef idx="0"/>
+          <a:fontRef idx="minor"/>
+        </p:style>
         <p:txBody>
           <a:bodyPr lIns="0" rIns="0" tIns="0" bIns="0" anchor="ctr"/>
           <a:p>
-            <a:pPr algn="ctr"/>
+            <a:pPr algn="ctr">
+              <a:lnSpc>
+                <a:spcPct val="100000"/>
+              </a:lnSpc>
+            </a:pPr>
             <a:r>
               <a:rPr b="1" lang="es-ES" sz="4400" spc="-1" strike="noStrike">
+                <a:solidFill>
+                  <a:srgbClr val="000000"/>
+                </a:solidFill>
                 <a:latin typeface="Arial"/>
                 <a:ea typeface="Noto Sans CJK SC"/>
               </a:rPr>
               <a:t>Conclusiones</a:t>
             </a:r>
-            <a:endParaRPr b="1" lang="es-ES" sz="4400" spc="-1" strike="noStrike">
-              <a:latin typeface="Arial"/>
-            </a:endParaRPr>
-          </a:p>
-        </p:txBody>
-      </p:sp>
-      <p:sp>
-        <p:nvSpPr>
-          <p:cNvPr id="60" name="TextShape 2"/>
-          <p:cNvSpPr txBox="1"/>
+            <a:endParaRPr b="0" lang="es-ES" sz="4400" spc="-1" strike="noStrike">
+              <a:latin typeface="Arial"/>
+            </a:endParaRPr>
+          </a:p>
+        </p:txBody>
+      </p:sp>
+      <p:sp>
+        <p:nvSpPr>
+          <p:cNvPr id="180" name="CustomShape 2"/>
+          <p:cNvSpPr/>
           <p:nvPr/>
         </p:nvSpPr>
         <p:spPr>
           <a:xfrm>
             <a:off x="504000" y="1768680"/>
-            <a:ext cx="9072000" cy="4384080"/>
+            <a:ext cx="9071280" cy="4383360"/>
           </a:xfrm>
           <a:prstGeom prst="rect">
             <a:avLst/>
@@ -3103,10 +8280,19 @@
             <a:noFill/>
           </a:ln>
         </p:spPr>
+        <p:style>
+          <a:lnRef idx="0"/>
+          <a:fillRef idx="0"/>
+          <a:effectRef idx="0"/>
+          <a:fontRef idx="minor"/>
+        </p:style>
         <p:txBody>
           <a:bodyPr lIns="0" rIns="0" tIns="0" bIns="0" anchor="ctr"/>
           <a:p>
-            <a:pPr marL="216000" indent="-216000">
+            <a:pPr marL="216000" indent="-215280">
+              <a:lnSpc>
+                <a:spcPct val="100000"/>
+              </a:lnSpc>
               <a:buClr>
                 <a:srgbClr val="000000"/>
               </a:buClr>
@@ -3116,7 +8302,11 @@
             </a:pPr>
             <a:r>
               <a:rPr b="0" lang="es-ES" sz="1800" spc="-1" strike="noStrike">
+                <a:solidFill>
+                  <a:srgbClr val="000000"/>
+                </a:solidFill>
                 <a:latin typeface="Arial"/>
+                <a:ea typeface="DejaVu Sans"/>
               </a:rPr>
               <a:t>Para mejorar el algoritmo este debe evaluarse por tipo de cultivo (patatas, maíz, etc), con los respectivos pesticidas utilizados para las plagas particulares de cada cultivo.</a:t>
             </a:r>
@@ -3125,20 +8315,20 @@
             </a:endParaRPr>
           </a:p>
           <a:p>
-            <a:pPr marL="216000" indent="-216000">
-              <a:buClr>
-                <a:srgbClr val="000000"/>
-              </a:buClr>
-              <a:buSzPct val="45000"/>
-              <a:buFont typeface="Wingdings" charset="2"/>
-              <a:buChar char=""/>
+            <a:pPr>
+              <a:lnSpc>
+                <a:spcPct val="100000"/>
+              </a:lnSpc>
             </a:pPr>
             <a:endParaRPr b="0" lang="es-ES" sz="1800" spc="-1" strike="noStrike">
               <a:latin typeface="Arial"/>
             </a:endParaRPr>
           </a:p>
           <a:p>
-            <a:pPr marL="216000" indent="-216000">
+            <a:pPr marL="216000" indent="-215280">
+              <a:lnSpc>
+                <a:spcPct val="100000"/>
+              </a:lnSpc>
               <a:buClr>
                 <a:srgbClr val="000000"/>
               </a:buClr>
@@ -3148,7 +8338,11 @@
             </a:pPr>
             <a:r>
               <a:rPr b="0" lang="es-ES" sz="1800" spc="-1" strike="noStrike">
+                <a:solidFill>
+                  <a:srgbClr val="000000"/>
+                </a:solidFill>
                 <a:latin typeface="Arial"/>
+                <a:ea typeface="DejaVu Sans"/>
               </a:rPr>
               <a:t>Se debe comenzar a desarrollar algoritmos dependiendo del ecosistema donde se encentra el cultivo, si hay afluentes de agua, si hay altas probabilidades de precipitación, si es un país con estaciones o un país tropical.</a:t>
             </a:r>
@@ -3157,20 +8351,20 @@
             </a:endParaRPr>
           </a:p>
           <a:p>
-            <a:pPr marL="216000" indent="-216000">
-              <a:buClr>
-                <a:srgbClr val="000000"/>
-              </a:buClr>
-              <a:buSzPct val="45000"/>
-              <a:buFont typeface="Wingdings" charset="2"/>
-              <a:buChar char=""/>
+            <a:pPr>
+              <a:lnSpc>
+                <a:spcPct val="100000"/>
+              </a:lnSpc>
             </a:pPr>
             <a:endParaRPr b="0" lang="es-ES" sz="1800" spc="-1" strike="noStrike">
               <a:latin typeface="Arial"/>
             </a:endParaRPr>
           </a:p>
           <a:p>
-            <a:pPr marL="216000" indent="-216000">
+            <a:pPr marL="216000" indent="-215280">
+              <a:lnSpc>
+                <a:spcPct val="100000"/>
+              </a:lnSpc>
               <a:buClr>
                 <a:srgbClr val="000000"/>
               </a:buClr>
@@ -3180,7 +8374,11 @@
             </a:pPr>
             <a:r>
               <a:rPr b="0" lang="es-ES" sz="1800" spc="-1" strike="noStrike">
+                <a:solidFill>
+                  <a:srgbClr val="000000"/>
+                </a:solidFill>
                 <a:latin typeface="Arial"/>
+                <a:ea typeface="DejaVu Sans"/>
               </a:rPr>
               <a:t>Se debe hacer un análisis de forma independiente por forma de aplicación y hacer la comprobación con varios métodos para el calculo de toxicidad.</a:t>
             </a:r>
@@ -3189,20 +8387,20 @@
             </a:endParaRPr>
           </a:p>
           <a:p>
-            <a:pPr marL="216000" indent="-216000">
-              <a:buClr>
-                <a:srgbClr val="000000"/>
-              </a:buClr>
-              <a:buSzPct val="45000"/>
-              <a:buFont typeface="Wingdings" charset="2"/>
-              <a:buChar char=""/>
+            <a:pPr>
+              <a:lnSpc>
+                <a:spcPct val="100000"/>
+              </a:lnSpc>
             </a:pPr>
             <a:endParaRPr b="0" lang="es-ES" sz="1800" spc="-1" strike="noStrike">
               <a:latin typeface="Arial"/>
             </a:endParaRPr>
           </a:p>
           <a:p>
-            <a:pPr marL="216000" indent="-216000">
+            <a:pPr marL="216000" indent="-215280">
+              <a:lnSpc>
+                <a:spcPct val="100000"/>
+              </a:lnSpc>
               <a:buClr>
                 <a:srgbClr val="000000"/>
               </a:buClr>
@@ -3212,7 +8410,11 @@
             </a:pPr>
             <a:r>
               <a:rPr b="0" lang="es-ES" sz="1800" spc="-1" strike="noStrike">
+                <a:solidFill>
+                  <a:srgbClr val="000000"/>
+                </a:solidFill>
                 <a:latin typeface="Arial"/>
+                <a:ea typeface="DejaVu Sans"/>
               </a:rPr>
               <a:t>Para que el comportamiento del modelo mejore la primera generación no debe ser creada de firma aleatoria, sino que hay que utilizar un  método de búsqueda local como el método de búsqueda tabú, para encontrar la primera generación y explotar al máximo las virtudes de los algoritmos genéticos y el enfriamiento simulado.</a:t>
             </a:r>
@@ -3475,4 +8677,673 @@
     </a:fmtScheme>
   </a:themeElements>
 </a:theme>
+</file>
+
+<file path=ppt/theme/theme2.xml><?xml version="1.0" encoding="utf-8"?>
+<a:theme xmlns:a="http://schemas.openxmlformats.org/drawingml/2006/main" name="Office Theme">
+  <a:themeElements>
+    <a:clrScheme name="Office">
+      <a:dk1>
+        <a:sysClr val="windowText" lastClr="000000"/>
+      </a:dk1>
+      <a:lt1>
+        <a:sysClr val="window" lastClr="FFFFFF"/>
+      </a:lt1>
+      <a:dk2>
+        <a:srgbClr val="1f497d"/>
+      </a:dk2>
+      <a:lt2>
+        <a:srgbClr val="eeece1"/>
+      </a:lt2>
+      <a:accent1>
+        <a:srgbClr val="4f81bd"/>
+      </a:accent1>
+      <a:accent2>
+        <a:srgbClr val="c0504d"/>
+      </a:accent2>
+      <a:accent3>
+        <a:srgbClr val="9bbb59"/>
+      </a:accent3>
+      <a:accent4>
+        <a:srgbClr val="8064a2"/>
+      </a:accent4>
+      <a:accent5>
+        <a:srgbClr val="4bacc6"/>
+      </a:accent5>
+      <a:accent6>
+        <a:srgbClr val="f79646"/>
+      </a:accent6>
+      <a:hlink>
+        <a:srgbClr val="0000ff"/>
+      </a:hlink>
+      <a:folHlink>
+        <a:srgbClr val="800080"/>
+      </a:folHlink>
+    </a:clrScheme>
+    <a:fontScheme name="Office">
+      <a:majorFont>
+        <a:latin typeface="Arial"/>
+        <a:ea typeface="DejaVu Sans"/>
+        <a:cs typeface="DejaVu Sans"/>
+      </a:majorFont>
+      <a:minorFont>
+        <a:latin typeface="Arial"/>
+        <a:ea typeface="DejaVu Sans"/>
+        <a:cs typeface="DejaVu Sans"/>
+      </a:minorFont>
+    </a:fontScheme>
+    <a:fmtScheme name="Office">
+      <a:fillStyleLst>
+        <a:solidFill>
+          <a:schemeClr val="phClr"/>
+        </a:solidFill>
+        <a:gradFill rotWithShape="1">
+          <a:gsLst>
+            <a:gs pos="0">
+              <a:schemeClr val="phClr">
+                <a:tint val="50000"/>
+                <a:satMod val="300000"/>
+              </a:schemeClr>
+            </a:gs>
+            <a:gs pos="35000">
+              <a:schemeClr val="phClr">
+                <a:tint val="37000"/>
+                <a:satMod val="300000"/>
+              </a:schemeClr>
+            </a:gs>
+            <a:gs pos="100000">
+              <a:schemeClr val="phClr">
+                <a:tint val="15000"/>
+                <a:satMod val="350000"/>
+              </a:schemeClr>
+            </a:gs>
+          </a:gsLst>
+          <a:lin ang="16200000" scaled="1"/>
+        </a:gradFill>
+        <a:gradFill rotWithShape="1">
+          <a:gsLst>
+            <a:gs pos="0">
+              <a:schemeClr val="phClr">
+                <a:shade val="51000"/>
+                <a:satMod val="130000"/>
+              </a:schemeClr>
+            </a:gs>
+            <a:gs pos="80000">
+              <a:schemeClr val="phClr">
+                <a:shade val="93000"/>
+                <a:satMod val="130000"/>
+              </a:schemeClr>
+            </a:gs>
+            <a:gs pos="100000">
+              <a:schemeClr val="phClr">
+                <a:shade val="94000"/>
+                <a:satMod val="135000"/>
+              </a:schemeClr>
+            </a:gs>
+          </a:gsLst>
+          <a:lin ang="16200000" scaled="0"/>
+        </a:gradFill>
+      </a:fillStyleLst>
+      <a:lnStyleLst>
+        <a:ln w="9525" cap="flat" cmpd="sng" algn="ctr">
+          <a:solidFill>
+            <a:schemeClr val="phClr">
+              <a:shade val="95000"/>
+              <a:satMod val="105000"/>
+            </a:schemeClr>
+          </a:solidFill>
+          <a:prstDash val="solid"/>
+        </a:ln>
+        <a:ln w="25400" cap="flat" cmpd="sng" algn="ctr">
+          <a:solidFill>
+            <a:schemeClr val="phClr"/>
+          </a:solidFill>
+          <a:prstDash val="solid"/>
+        </a:ln>
+        <a:ln w="38100" cap="flat" cmpd="sng" algn="ctr">
+          <a:solidFill>
+            <a:schemeClr val="phClr"/>
+          </a:solidFill>
+          <a:prstDash val="solid"/>
+        </a:ln>
+      </a:lnStyleLst>
+      <a:effectStyleLst>
+        <a:effectStyle>
+          <a:effectLst>
+            <a:outerShdw blurRad="40000" dist="20000" dir="5400000" rotWithShape="0">
+              <a:srgbClr val="000000">
+                <a:alpha val="38000"/>
+              </a:srgbClr>
+            </a:outerShdw>
+          </a:effectLst>
+        </a:effectStyle>
+        <a:effectStyle>
+          <a:effectLst>
+            <a:outerShdw blurRad="40000" dist="23000" dir="5400000" rotWithShape="0">
+              <a:srgbClr val="000000">
+                <a:alpha val="35000"/>
+              </a:srgbClr>
+            </a:outerShdw>
+          </a:effectLst>
+        </a:effectStyle>
+        <a:effectStyle>
+          <a:effectLst>
+            <a:outerShdw blurRad="40000" dist="23000" dir="5400000" rotWithShape="0">
+              <a:srgbClr val="000000">
+                <a:alpha val="35000"/>
+              </a:srgbClr>
+            </a:outerShdw>
+          </a:effectLst>
+          <a:scene3d>
+            <a:camera prst="orthographicFront">
+              <a:rot lat="0" lon="0" rev="0"/>
+            </a:camera>
+            <a:lightRig rig="threePt" dir="t">
+              <a:rot lat="0" lon="0" rev="1200000"/>
+            </a:lightRig>
+          </a:scene3d>
+          <a:sp3d>
+            <a:bevelT w="63500" h="25400"/>
+          </a:sp3d>
+        </a:effectStyle>
+      </a:effectStyleLst>
+      <a:bgFillStyleLst>
+        <a:solidFill>
+          <a:schemeClr val="phClr"/>
+        </a:solidFill>
+        <a:gradFill rotWithShape="1">
+          <a:gsLst>
+            <a:gs pos="0">
+              <a:schemeClr val="phClr">
+                <a:tint val="40000"/>
+                <a:satMod val="350000"/>
+              </a:schemeClr>
+            </a:gs>
+            <a:gs pos="40000">
+              <a:schemeClr val="phClr">
+                <a:tint val="45000"/>
+                <a:shade val="99000"/>
+                <a:satMod val="350000"/>
+              </a:schemeClr>
+            </a:gs>
+            <a:gs pos="100000">
+              <a:schemeClr val="phClr">
+                <a:shade val="20000"/>
+                <a:satMod val="255000"/>
+              </a:schemeClr>
+            </a:gs>
+          </a:gsLst>
+          <a:path path="circle">
+            <a:fillToRect l="50000" t="-80000" r="50000" b="180000"/>
+          </a:path>
+        </a:gradFill>
+        <a:gradFill rotWithShape="1">
+          <a:gsLst>
+            <a:gs pos="0">
+              <a:schemeClr val="phClr">
+                <a:tint val="80000"/>
+                <a:satMod val="300000"/>
+              </a:schemeClr>
+            </a:gs>
+            <a:gs pos="100000">
+              <a:schemeClr val="phClr">
+                <a:shade val="30000"/>
+                <a:satMod val="200000"/>
+              </a:schemeClr>
+            </a:gs>
+          </a:gsLst>
+          <a:path path="circle">
+            <a:fillToRect l="50000" t="50000" r="50000" b="50000"/>
+          </a:path>
+        </a:gradFill>
+      </a:bgFillStyleLst>
+    </a:fmtScheme>
+  </a:themeElements>
+</a:theme>
+</file>
+
+<file path=ppt/theme/theme3.xml><?xml version="1.0" encoding="utf-8"?>
+<a:theme xmlns:a="http://schemas.openxmlformats.org/drawingml/2006/main" name="Office Theme">
+  <a:themeElements>
+    <a:clrScheme name="Office">
+      <a:dk1>
+        <a:sysClr val="windowText" lastClr="000000"/>
+      </a:dk1>
+      <a:lt1>
+        <a:sysClr val="window" lastClr="FFFFFF"/>
+      </a:lt1>
+      <a:dk2>
+        <a:srgbClr val="1f497d"/>
+      </a:dk2>
+      <a:lt2>
+        <a:srgbClr val="eeece1"/>
+      </a:lt2>
+      <a:accent1>
+        <a:srgbClr val="4f81bd"/>
+      </a:accent1>
+      <a:accent2>
+        <a:srgbClr val="c0504d"/>
+      </a:accent2>
+      <a:accent3>
+        <a:srgbClr val="9bbb59"/>
+      </a:accent3>
+      <a:accent4>
+        <a:srgbClr val="8064a2"/>
+      </a:accent4>
+      <a:accent5>
+        <a:srgbClr val="4bacc6"/>
+      </a:accent5>
+      <a:accent6>
+        <a:srgbClr val="f79646"/>
+      </a:accent6>
+      <a:hlink>
+        <a:srgbClr val="0000ff"/>
+      </a:hlink>
+      <a:folHlink>
+        <a:srgbClr val="800080"/>
+      </a:folHlink>
+    </a:clrScheme>
+    <a:fontScheme name="Office">
+      <a:majorFont>
+        <a:latin typeface="Arial"/>
+        <a:ea typeface="DejaVu Sans"/>
+        <a:cs typeface="DejaVu Sans"/>
+      </a:majorFont>
+      <a:minorFont>
+        <a:latin typeface="Arial"/>
+        <a:ea typeface="DejaVu Sans"/>
+        <a:cs typeface="DejaVu Sans"/>
+      </a:minorFont>
+    </a:fontScheme>
+    <a:fmtScheme name="Office">
+      <a:fillStyleLst>
+        <a:solidFill>
+          <a:schemeClr val="phClr"/>
+        </a:solidFill>
+        <a:gradFill rotWithShape="1">
+          <a:gsLst>
+            <a:gs pos="0">
+              <a:schemeClr val="phClr">
+                <a:tint val="50000"/>
+                <a:satMod val="300000"/>
+              </a:schemeClr>
+            </a:gs>
+            <a:gs pos="35000">
+              <a:schemeClr val="phClr">
+                <a:tint val="37000"/>
+                <a:satMod val="300000"/>
+              </a:schemeClr>
+            </a:gs>
+            <a:gs pos="100000">
+              <a:schemeClr val="phClr">
+                <a:tint val="15000"/>
+                <a:satMod val="350000"/>
+              </a:schemeClr>
+            </a:gs>
+          </a:gsLst>
+          <a:lin ang="16200000" scaled="1"/>
+        </a:gradFill>
+        <a:gradFill rotWithShape="1">
+          <a:gsLst>
+            <a:gs pos="0">
+              <a:schemeClr val="phClr">
+                <a:shade val="51000"/>
+                <a:satMod val="130000"/>
+              </a:schemeClr>
+            </a:gs>
+            <a:gs pos="80000">
+              <a:schemeClr val="phClr">
+                <a:shade val="93000"/>
+                <a:satMod val="130000"/>
+              </a:schemeClr>
+            </a:gs>
+            <a:gs pos="100000">
+              <a:schemeClr val="phClr">
+                <a:shade val="94000"/>
+                <a:satMod val="135000"/>
+              </a:schemeClr>
+            </a:gs>
+          </a:gsLst>
+          <a:lin ang="16200000" scaled="0"/>
+        </a:gradFill>
+      </a:fillStyleLst>
+      <a:lnStyleLst>
+        <a:ln w="9525" cap="flat" cmpd="sng" algn="ctr">
+          <a:solidFill>
+            <a:schemeClr val="phClr">
+              <a:shade val="95000"/>
+              <a:satMod val="105000"/>
+            </a:schemeClr>
+          </a:solidFill>
+          <a:prstDash val="solid"/>
+        </a:ln>
+        <a:ln w="25400" cap="flat" cmpd="sng" algn="ctr">
+          <a:solidFill>
+            <a:schemeClr val="phClr"/>
+          </a:solidFill>
+          <a:prstDash val="solid"/>
+        </a:ln>
+        <a:ln w="38100" cap="flat" cmpd="sng" algn="ctr">
+          <a:solidFill>
+            <a:schemeClr val="phClr"/>
+          </a:solidFill>
+          <a:prstDash val="solid"/>
+        </a:ln>
+      </a:lnStyleLst>
+      <a:effectStyleLst>
+        <a:effectStyle>
+          <a:effectLst>
+            <a:outerShdw blurRad="40000" dist="20000" dir="5400000" rotWithShape="0">
+              <a:srgbClr val="000000">
+                <a:alpha val="38000"/>
+              </a:srgbClr>
+            </a:outerShdw>
+          </a:effectLst>
+        </a:effectStyle>
+        <a:effectStyle>
+          <a:effectLst>
+            <a:outerShdw blurRad="40000" dist="23000" dir="5400000" rotWithShape="0">
+              <a:srgbClr val="000000">
+                <a:alpha val="35000"/>
+              </a:srgbClr>
+            </a:outerShdw>
+          </a:effectLst>
+        </a:effectStyle>
+        <a:effectStyle>
+          <a:effectLst>
+            <a:outerShdw blurRad="40000" dist="23000" dir="5400000" rotWithShape="0">
+              <a:srgbClr val="000000">
+                <a:alpha val="35000"/>
+              </a:srgbClr>
+            </a:outerShdw>
+          </a:effectLst>
+          <a:scene3d>
+            <a:camera prst="orthographicFront">
+              <a:rot lat="0" lon="0" rev="0"/>
+            </a:camera>
+            <a:lightRig rig="threePt" dir="t">
+              <a:rot lat="0" lon="0" rev="1200000"/>
+            </a:lightRig>
+          </a:scene3d>
+          <a:sp3d>
+            <a:bevelT w="63500" h="25400"/>
+          </a:sp3d>
+        </a:effectStyle>
+      </a:effectStyleLst>
+      <a:bgFillStyleLst>
+        <a:solidFill>
+          <a:schemeClr val="phClr"/>
+        </a:solidFill>
+        <a:gradFill rotWithShape="1">
+          <a:gsLst>
+            <a:gs pos="0">
+              <a:schemeClr val="phClr">
+                <a:tint val="40000"/>
+                <a:satMod val="350000"/>
+              </a:schemeClr>
+            </a:gs>
+            <a:gs pos="40000">
+              <a:schemeClr val="phClr">
+                <a:tint val="45000"/>
+                <a:shade val="99000"/>
+                <a:satMod val="350000"/>
+              </a:schemeClr>
+            </a:gs>
+            <a:gs pos="100000">
+              <a:schemeClr val="phClr">
+                <a:shade val="20000"/>
+                <a:satMod val="255000"/>
+              </a:schemeClr>
+            </a:gs>
+          </a:gsLst>
+          <a:path path="circle">
+            <a:fillToRect l="50000" t="-80000" r="50000" b="180000"/>
+          </a:path>
+        </a:gradFill>
+        <a:gradFill rotWithShape="1">
+          <a:gsLst>
+            <a:gs pos="0">
+              <a:schemeClr val="phClr">
+                <a:tint val="80000"/>
+                <a:satMod val="300000"/>
+              </a:schemeClr>
+            </a:gs>
+            <a:gs pos="100000">
+              <a:schemeClr val="phClr">
+                <a:shade val="30000"/>
+                <a:satMod val="200000"/>
+              </a:schemeClr>
+            </a:gs>
+          </a:gsLst>
+          <a:path path="circle">
+            <a:fillToRect l="50000" t="50000" r="50000" b="50000"/>
+          </a:path>
+        </a:gradFill>
+      </a:bgFillStyleLst>
+    </a:fmtScheme>
+  </a:themeElements>
+</a:theme>
+</file>
+
+<file path=ppt/theme/theme4.xml><?xml version="1.0" encoding="utf-8"?>
+<a:theme xmlns:a="http://schemas.openxmlformats.org/drawingml/2006/main" name="Office Theme">
+  <a:themeElements>
+    <a:clrScheme name="Office">
+      <a:dk1>
+        <a:sysClr val="windowText" lastClr="000000"/>
+      </a:dk1>
+      <a:lt1>
+        <a:sysClr val="window" lastClr="FFFFFF"/>
+      </a:lt1>
+      <a:dk2>
+        <a:srgbClr val="1f497d"/>
+      </a:dk2>
+      <a:lt2>
+        <a:srgbClr val="eeece1"/>
+      </a:lt2>
+      <a:accent1>
+        <a:srgbClr val="4f81bd"/>
+      </a:accent1>
+      <a:accent2>
+        <a:srgbClr val="c0504d"/>
+      </a:accent2>
+      <a:accent3>
+        <a:srgbClr val="9bbb59"/>
+      </a:accent3>
+      <a:accent4>
+        <a:srgbClr val="8064a2"/>
+      </a:accent4>
+      <a:accent5>
+        <a:srgbClr val="4bacc6"/>
+      </a:accent5>
+      <a:accent6>
+        <a:srgbClr val="f79646"/>
+      </a:accent6>
+      <a:hlink>
+        <a:srgbClr val="0000ff"/>
+      </a:hlink>
+      <a:folHlink>
+        <a:srgbClr val="800080"/>
+      </a:folHlink>
+    </a:clrScheme>
+    <a:fontScheme name="Office">
+      <a:majorFont>
+        <a:latin typeface="Arial"/>
+        <a:ea typeface="DejaVu Sans"/>
+        <a:cs typeface="DejaVu Sans"/>
+      </a:majorFont>
+      <a:minorFont>
+        <a:latin typeface="Arial"/>
+        <a:ea typeface="DejaVu Sans"/>
+        <a:cs typeface="DejaVu Sans"/>
+      </a:minorFont>
+    </a:fontScheme>
+    <a:fmtScheme name="Office">
+      <a:fillStyleLst>
+        <a:solidFill>
+          <a:schemeClr val="phClr"/>
+        </a:solidFill>
+        <a:gradFill rotWithShape="1">
+          <a:gsLst>
+            <a:gs pos="0">
+              <a:schemeClr val="phClr">
+                <a:tint val="50000"/>
+                <a:satMod val="300000"/>
+              </a:schemeClr>
+            </a:gs>
+            <a:gs pos="35000">
+              <a:schemeClr val="phClr">
+                <a:tint val="37000"/>
+                <a:satMod val="300000"/>
+              </a:schemeClr>
+            </a:gs>
+            <a:gs pos="100000">
+              <a:schemeClr val="phClr">
+                <a:tint val="15000"/>
+                <a:satMod val="350000"/>
+              </a:schemeClr>
+            </a:gs>
+          </a:gsLst>
+          <a:lin ang="16200000" scaled="1"/>
+        </a:gradFill>
+        <a:gradFill rotWithShape="1">
+          <a:gsLst>
+            <a:gs pos="0">
+              <a:schemeClr val="phClr">
+                <a:shade val="51000"/>
+                <a:satMod val="130000"/>
+              </a:schemeClr>
+            </a:gs>
+            <a:gs pos="80000">
+              <a:schemeClr val="phClr">
+                <a:shade val="93000"/>
+                <a:satMod val="130000"/>
+              </a:schemeClr>
+            </a:gs>
+            <a:gs pos="100000">
+              <a:schemeClr val="phClr">
+                <a:shade val="94000"/>
+                <a:satMod val="135000"/>
+              </a:schemeClr>
+            </a:gs>
+          </a:gsLst>
+          <a:lin ang="16200000" scaled="0"/>
+        </a:gradFill>
+      </a:fillStyleLst>
+      <a:lnStyleLst>
+        <a:ln w="9525" cap="flat" cmpd="sng" algn="ctr">
+          <a:solidFill>
+            <a:schemeClr val="phClr">
+              <a:shade val="95000"/>
+              <a:satMod val="105000"/>
+            </a:schemeClr>
+          </a:solidFill>
+          <a:prstDash val="solid"/>
+        </a:ln>
+        <a:ln w="25400" cap="flat" cmpd="sng" algn="ctr">
+          <a:solidFill>
+            <a:schemeClr val="phClr"/>
+          </a:solidFill>
+          <a:prstDash val="solid"/>
+        </a:ln>
+        <a:ln w="38100" cap="flat" cmpd="sng" algn="ctr">
+          <a:solidFill>
+            <a:schemeClr val="phClr"/>
+          </a:solidFill>
+          <a:prstDash val="solid"/>
+        </a:ln>
+      </a:lnStyleLst>
+      <a:effectStyleLst>
+        <a:effectStyle>
+          <a:effectLst>
+            <a:outerShdw blurRad="40000" dist="20000" dir="5400000" rotWithShape="0">
+              <a:srgbClr val="000000">
+                <a:alpha val="38000"/>
+              </a:srgbClr>
+            </a:outerShdw>
+          </a:effectLst>
+        </a:effectStyle>
+        <a:effectStyle>
+          <a:effectLst>
+            <a:outerShdw blurRad="40000" dist="23000" dir="5400000" rotWithShape="0">
+              <a:srgbClr val="000000">
+                <a:alpha val="35000"/>
+              </a:srgbClr>
+            </a:outerShdw>
+          </a:effectLst>
+        </a:effectStyle>
+        <a:effectStyle>
+          <a:effectLst>
+            <a:outerShdw blurRad="40000" dist="23000" dir="5400000" rotWithShape="0">
+              <a:srgbClr val="000000">
+                <a:alpha val="35000"/>
+              </a:srgbClr>
+            </a:outerShdw>
+          </a:effectLst>
+          <a:scene3d>
+            <a:camera prst="orthographicFront">
+              <a:rot lat="0" lon="0" rev="0"/>
+            </a:camera>
+            <a:lightRig rig="threePt" dir="t">
+              <a:rot lat="0" lon="0" rev="1200000"/>
+            </a:lightRig>
+          </a:scene3d>
+          <a:sp3d>
+            <a:bevelT w="63500" h="25400"/>
+          </a:sp3d>
+        </a:effectStyle>
+      </a:effectStyleLst>
+      <a:bgFillStyleLst>
+        <a:solidFill>
+          <a:schemeClr val="phClr"/>
+        </a:solidFill>
+        <a:gradFill rotWithShape="1">
+          <a:gsLst>
+            <a:gs pos="0">
+              <a:schemeClr val="phClr">
+                <a:tint val="40000"/>
+                <a:satMod val="350000"/>
+              </a:schemeClr>
+            </a:gs>
+            <a:gs pos="40000">
+              <a:schemeClr val="phClr">
+                <a:tint val="45000"/>
+                <a:shade val="99000"/>
+                <a:satMod val="350000"/>
+              </a:schemeClr>
+            </a:gs>
+            <a:gs pos="100000">
+              <a:schemeClr val="phClr">
+                <a:shade val="20000"/>
+                <a:satMod val="255000"/>
+              </a:schemeClr>
+            </a:gs>
+          </a:gsLst>
+          <a:path path="circle">
+            <a:fillToRect l="50000" t="-80000" r="50000" b="180000"/>
+          </a:path>
+        </a:gradFill>
+        <a:gradFill rotWithShape="1">
+          <a:gsLst>
+            <a:gs pos="0">
+              <a:schemeClr val="phClr">
+                <a:tint val="80000"/>
+                <a:satMod val="300000"/>
+              </a:schemeClr>
+            </a:gs>
+            <a:gs pos="100000">
+              <a:schemeClr val="phClr">
+                <a:shade val="30000"/>
+                <a:satMod val="200000"/>
+              </a:schemeClr>
+            </a:gs>
+          </a:gsLst>
+          <a:path path="circle">
+            <a:fillToRect l="50000" t="50000" r="50000" b="50000"/>
+          </a:path>
+        </a:gradFill>
+      </a:bgFillStyleLst>
+    </a:fmtScheme>
+  </a:themeElements>
+</a:theme>
 </file>